--- a/slides/Conditionals.pptx
+++ b/slides/Conditionals.pptx
@@ -204,7 +204,7 @@
           <a:p>
             <a:fld id="{52092BE7-2E1B-2B43-8691-0BE8C1EA7B52}" type="datetimeFigureOut">
               <a:rPr lang="en-US" smtClean="0"/>
-              <a:t>8/11/18</a:t>
+              <a:t>8/12/18</a:t>
             </a:fld>
             <a:endParaRPr lang="en-US"/>
           </a:p>
@@ -1684,7 +1684,7 @@
             <a:fld id="{9334D819-9F07-4261-B09B-9E467E5D9002}" type="datetimeFigureOut">
               <a:rPr lang="en-US" dirty="0"/>
               <a:pPr/>
-              <a:t>8/11/18</a:t>
+              <a:t>8/12/18</a:t>
             </a:fld>
             <a:endParaRPr lang="en-US" dirty="0"/>
           </a:p>
@@ -1918,7 +1918,7 @@
           <a:p>
             <a:fld id="{9334D819-9F07-4261-B09B-9E467E5D9002}" type="datetimeFigureOut">
               <a:rPr lang="en-US" dirty="0"/>
-              <a:t>8/11/18</a:t>
+              <a:t>8/12/18</a:t>
             </a:fld>
             <a:endParaRPr lang="en-US" dirty="0"/>
           </a:p>
@@ -2093,7 +2093,7 @@
           <a:p>
             <a:fld id="{9334D819-9F07-4261-B09B-9E467E5D9002}" type="datetimeFigureOut">
               <a:rPr lang="en-US" dirty="0"/>
-              <a:t>8/11/18</a:t>
+              <a:t>8/12/18</a:t>
             </a:fld>
             <a:endParaRPr lang="en-US" dirty="0"/>
           </a:p>
@@ -2258,7 +2258,7 @@
           <a:p>
             <a:fld id="{9334D819-9F07-4261-B09B-9E467E5D9002}" type="datetimeFigureOut">
               <a:rPr lang="en-US" dirty="0"/>
-              <a:t>8/11/18</a:t>
+              <a:t>8/12/18</a:t>
             </a:fld>
             <a:endParaRPr lang="en-US" dirty="0"/>
           </a:p>
@@ -2530,7 +2530,7 @@
             <a:fld id="{9334D819-9F07-4261-B09B-9E467E5D9002}" type="datetimeFigureOut">
               <a:rPr lang="en-US" dirty="0"/>
               <a:pPr/>
-              <a:t>8/11/18</a:t>
+              <a:t>8/12/18</a:t>
             </a:fld>
             <a:endParaRPr lang="en-US" dirty="0"/>
           </a:p>
@@ -3727,7 +3727,7 @@
           <a:p>
             <a:fld id="{9334D819-9F07-4261-B09B-9E467E5D9002}" type="datetimeFigureOut">
               <a:rPr lang="en-US" dirty="0"/>
-              <a:t>8/11/18</a:t>
+              <a:t>8/12/18</a:t>
             </a:fld>
             <a:endParaRPr lang="en-US" dirty="0"/>
           </a:p>
@@ -4112,7 +4112,7 @@
           <a:p>
             <a:fld id="{9334D819-9F07-4261-B09B-9E467E5D9002}" type="datetimeFigureOut">
               <a:rPr lang="en-US" dirty="0"/>
-              <a:t>8/11/18</a:t>
+              <a:t>8/12/18</a:t>
             </a:fld>
             <a:endParaRPr lang="en-US" dirty="0"/>
           </a:p>
@@ -4230,7 +4230,7 @@
           <a:p>
             <a:fld id="{9334D819-9F07-4261-B09B-9E467E5D9002}" type="datetimeFigureOut">
               <a:rPr lang="en-US" dirty="0"/>
-              <a:t>8/11/18</a:t>
+              <a:t>8/12/18</a:t>
             </a:fld>
             <a:endParaRPr lang="en-US" dirty="0"/>
           </a:p>
@@ -4320,7 +4320,7 @@
           <a:p>
             <a:fld id="{9334D819-9F07-4261-B09B-9E467E5D9002}" type="datetimeFigureOut">
               <a:rPr lang="en-US" dirty="0"/>
-              <a:t>8/11/18</a:t>
+              <a:t>8/12/18</a:t>
             </a:fld>
             <a:endParaRPr lang="en-US" dirty="0"/>
           </a:p>
@@ -5078,7 +5078,7 @@
           <a:p>
             <a:fld id="{9334D819-9F07-4261-B09B-9E467E5D9002}" type="datetimeFigureOut">
               <a:rPr lang="en-US" dirty="0"/>
-              <a:t>8/11/18</a:t>
+              <a:t>8/12/18</a:t>
             </a:fld>
             <a:endParaRPr lang="en-US" dirty="0"/>
           </a:p>
@@ -5913,7 +5913,7 @@
           <a:p>
             <a:fld id="{9334D819-9F07-4261-B09B-9E467E5D9002}" type="datetimeFigureOut">
               <a:rPr lang="en-US" dirty="0"/>
-              <a:t>8/11/18</a:t>
+              <a:t>8/12/18</a:t>
             </a:fld>
             <a:endParaRPr lang="en-US" dirty="0"/>
           </a:p>
@@ -6136,7 +6136,7 @@
             <a:fld id="{9334D819-9F07-4261-B09B-9E467E5D9002}" type="datetimeFigureOut">
               <a:rPr lang="en-US" dirty="0"/>
               <a:pPr/>
-              <a:t>8/11/18</a:t>
+              <a:t>8/12/18</a:t>
             </a:fld>
             <a:endParaRPr lang="en-US" dirty="0"/>
           </a:p>
@@ -7166,12 +7166,14 @@
         </p:nvSpPr>
         <p:spPr/>
         <p:txBody>
-          <a:bodyPr/>
+          <a:bodyPr>
+            <a:normAutofit lnSpcReduction="10000"/>
+          </a:bodyPr>
           <a:lstStyle/>
           <a:p>
             <a:r>
               <a:rPr lang="en-US" dirty="0" smtClean="0"/>
-              <a:t>Slides by </a:t>
+              <a:t>by </a:t>
             </a:r>
             <a:r>
               <a:rPr lang="en-US" dirty="0" err="1" smtClean="0"/>
@@ -7180,6 +7182,12 @@
             <a:r>
               <a:rPr lang="en-US" dirty="0" smtClean="0"/>
               <a:t> caballero</a:t>
+            </a:r>
+          </a:p>
+          <a:p>
+            <a:r>
+              <a:rPr lang="en-US" dirty="0" smtClean="0"/>
+              <a:t>I.T. Girls august 13-17</a:t>
             </a:r>
             <a:endParaRPr lang="en-US" dirty="0"/>
           </a:p>

--- a/slides/Conditionals.pptx
+++ b/slides/Conditionals.pptx
@@ -5,17 +5,18 @@
     <p:sldMasterId id="2147483648" r:id="rId1"/>
   </p:sldMasterIdLst>
   <p:notesMasterIdLst>
-    <p:notesMasterId r:id="rId10"/>
+    <p:notesMasterId r:id="rId11"/>
   </p:notesMasterIdLst>
   <p:sldIdLst>
     <p:sldId id="256" r:id="rId2"/>
     <p:sldId id="257" r:id="rId3"/>
     <p:sldId id="259" r:id="rId4"/>
     <p:sldId id="258" r:id="rId5"/>
-    <p:sldId id="262" r:id="rId6"/>
-    <p:sldId id="260" r:id="rId7"/>
-    <p:sldId id="263" r:id="rId8"/>
-    <p:sldId id="261" r:id="rId9"/>
+    <p:sldId id="264" r:id="rId6"/>
+    <p:sldId id="262" r:id="rId7"/>
+    <p:sldId id="260" r:id="rId8"/>
+    <p:sldId id="263" r:id="rId9"/>
+    <p:sldId id="261" r:id="rId10"/>
   </p:sldIdLst>
   <p:sldSz cx="12192000" cy="6858000"/>
   <p:notesSz cx="6858000" cy="9144000"/>
@@ -122,6 +123,3238 @@
 </p:presentation>
 </file>
 
+<file path=ppt/diagrams/colors1.xml><?xml version="1.0" encoding="utf-8"?>
+<dgm:colorsDef xmlns:dgm="http://schemas.openxmlformats.org/drawingml/2006/diagram" xmlns:a="http://schemas.openxmlformats.org/drawingml/2006/main" uniqueId="urn:microsoft.com/office/officeart/2005/8/colors/accent3_5">
+  <dgm:title val=""/>
+  <dgm:desc val=""/>
+  <dgm:catLst>
+    <dgm:cat type="accent3" pri="11500"/>
+  </dgm:catLst>
+  <dgm:styleLbl name="node0">
+    <dgm:fillClrLst meth="cycle">
+      <a:schemeClr val="accent3">
+        <a:alpha val="80000"/>
+      </a:schemeClr>
+    </dgm:fillClrLst>
+    <dgm:linClrLst meth="repeat">
+      <a:schemeClr val="lt1"/>
+    </dgm:linClrLst>
+    <dgm:effectClrLst/>
+    <dgm:txLinClrLst/>
+    <dgm:txFillClrLst/>
+    <dgm:txEffectClrLst/>
+  </dgm:styleLbl>
+  <dgm:styleLbl name="node1">
+    <dgm:fillClrLst>
+      <a:schemeClr val="accent3">
+        <a:alpha val="90000"/>
+      </a:schemeClr>
+      <a:schemeClr val="accent3">
+        <a:alpha val="50000"/>
+      </a:schemeClr>
+    </dgm:fillClrLst>
+    <dgm:linClrLst meth="repeat">
+      <a:schemeClr val="lt1"/>
+    </dgm:linClrLst>
+    <dgm:effectClrLst/>
+    <dgm:txLinClrLst/>
+    <dgm:txFillClrLst/>
+    <dgm:txEffectClrLst/>
+  </dgm:styleLbl>
+  <dgm:styleLbl name="alignNode1">
+    <dgm:fillClrLst>
+      <a:schemeClr val="accent3">
+        <a:alpha val="90000"/>
+      </a:schemeClr>
+      <a:schemeClr val="accent3">
+        <a:alpha val="50000"/>
+      </a:schemeClr>
+    </dgm:fillClrLst>
+    <dgm:linClrLst>
+      <a:schemeClr val="accent3">
+        <a:alpha val="90000"/>
+      </a:schemeClr>
+      <a:schemeClr val="accent3">
+        <a:alpha val="50000"/>
+      </a:schemeClr>
+    </dgm:linClrLst>
+    <dgm:effectClrLst/>
+    <dgm:txLinClrLst/>
+    <dgm:txFillClrLst/>
+    <dgm:txEffectClrLst/>
+  </dgm:styleLbl>
+  <dgm:styleLbl name="lnNode1">
+    <dgm:fillClrLst>
+      <a:schemeClr val="accent3">
+        <a:shade val="90000"/>
+      </a:schemeClr>
+      <a:schemeClr val="accent3">
+        <a:alpha val="50000"/>
+        <a:tint val="50000"/>
+      </a:schemeClr>
+    </dgm:fillClrLst>
+    <dgm:linClrLst meth="repeat">
+      <a:schemeClr val="lt1"/>
+    </dgm:linClrLst>
+    <dgm:effectClrLst/>
+    <dgm:txLinClrLst/>
+    <dgm:txFillClrLst/>
+    <dgm:txEffectClrLst/>
+  </dgm:styleLbl>
+  <dgm:styleLbl name="vennNode1">
+    <dgm:fillClrLst>
+      <a:schemeClr val="accent3">
+        <a:shade val="80000"/>
+        <a:alpha val="50000"/>
+      </a:schemeClr>
+      <a:schemeClr val="accent3">
+        <a:alpha val="80000"/>
+      </a:schemeClr>
+    </dgm:fillClrLst>
+    <dgm:linClrLst meth="repeat">
+      <a:schemeClr val="lt1"/>
+    </dgm:linClrLst>
+    <dgm:effectClrLst/>
+    <dgm:txLinClrLst/>
+    <dgm:txFillClrLst/>
+    <dgm:txEffectClrLst/>
+  </dgm:styleLbl>
+  <dgm:styleLbl name="node2">
+    <dgm:fillClrLst>
+      <a:schemeClr val="accent3">
+        <a:alpha val="70000"/>
+      </a:schemeClr>
+    </dgm:fillClrLst>
+    <dgm:linClrLst meth="repeat">
+      <a:schemeClr val="lt1"/>
+    </dgm:linClrLst>
+    <dgm:effectClrLst/>
+    <dgm:txLinClrLst/>
+    <dgm:txFillClrLst/>
+    <dgm:txEffectClrLst/>
+  </dgm:styleLbl>
+  <dgm:styleLbl name="node3">
+    <dgm:fillClrLst>
+      <a:schemeClr val="accent3">
+        <a:alpha val="50000"/>
+      </a:schemeClr>
+    </dgm:fillClrLst>
+    <dgm:linClrLst meth="repeat">
+      <a:schemeClr val="lt1"/>
+    </dgm:linClrLst>
+    <dgm:effectClrLst/>
+    <dgm:txLinClrLst/>
+    <dgm:txFillClrLst/>
+    <dgm:txEffectClrLst/>
+  </dgm:styleLbl>
+  <dgm:styleLbl name="node4">
+    <dgm:fillClrLst>
+      <a:schemeClr val="accent3">
+        <a:alpha val="30000"/>
+      </a:schemeClr>
+    </dgm:fillClrLst>
+    <dgm:linClrLst meth="repeat">
+      <a:schemeClr val="lt1"/>
+    </dgm:linClrLst>
+    <dgm:effectClrLst/>
+    <dgm:txLinClrLst/>
+    <dgm:txFillClrLst/>
+    <dgm:txEffectClrLst/>
+  </dgm:styleLbl>
+  <dgm:styleLbl name="fgImgPlace1">
+    <dgm:fillClrLst>
+      <a:schemeClr val="accent3">
+        <a:tint val="50000"/>
+        <a:alpha val="90000"/>
+      </a:schemeClr>
+      <a:schemeClr val="accent3">
+        <a:tint val="20000"/>
+        <a:alpha val="50000"/>
+      </a:schemeClr>
+    </dgm:fillClrLst>
+    <dgm:linClrLst meth="repeat">
+      <a:schemeClr val="lt1"/>
+    </dgm:linClrLst>
+    <dgm:effectClrLst/>
+    <dgm:txLinClrLst/>
+    <dgm:txFillClrLst meth="repeat">
+      <a:schemeClr val="lt1"/>
+    </dgm:txFillClrLst>
+    <dgm:txEffectClrLst/>
+  </dgm:styleLbl>
+  <dgm:styleLbl name="alignImgPlace1">
+    <dgm:fillClrLst>
+      <a:schemeClr val="accent3">
+        <a:tint val="50000"/>
+      </a:schemeClr>
+      <a:schemeClr val="accent3">
+        <a:tint val="20000"/>
+      </a:schemeClr>
+    </dgm:fillClrLst>
+    <dgm:linClrLst meth="repeat">
+      <a:schemeClr val="lt1"/>
+    </dgm:linClrLst>
+    <dgm:effectClrLst/>
+    <dgm:txLinClrLst/>
+    <dgm:txFillClrLst meth="repeat">
+      <a:schemeClr val="lt1"/>
+    </dgm:txFillClrLst>
+    <dgm:txEffectClrLst/>
+  </dgm:styleLbl>
+  <dgm:styleLbl name="bgImgPlace1">
+    <dgm:fillClrLst>
+      <a:schemeClr val="accent3">
+        <a:tint val="50000"/>
+      </a:schemeClr>
+      <a:schemeClr val="accent3">
+        <a:tint val="20000"/>
+      </a:schemeClr>
+    </dgm:fillClrLst>
+    <dgm:linClrLst meth="repeat">
+      <a:schemeClr val="lt1"/>
+    </dgm:linClrLst>
+    <dgm:effectClrLst/>
+    <dgm:txLinClrLst/>
+    <dgm:txFillClrLst meth="repeat">
+      <a:schemeClr val="lt1"/>
+    </dgm:txFillClrLst>
+    <dgm:txEffectClrLst/>
+  </dgm:styleLbl>
+  <dgm:styleLbl name="sibTrans2D1">
+    <dgm:fillClrLst>
+      <a:schemeClr val="accent3">
+        <a:shade val="90000"/>
+      </a:schemeClr>
+      <a:schemeClr val="accent3">
+        <a:tint val="50000"/>
+      </a:schemeClr>
+    </dgm:fillClrLst>
+    <dgm:linClrLst>
+      <a:schemeClr val="accent3">
+        <a:shade val="90000"/>
+      </a:schemeClr>
+      <a:schemeClr val="accent3">
+        <a:tint val="50000"/>
+      </a:schemeClr>
+    </dgm:linClrLst>
+    <dgm:effectClrLst/>
+    <dgm:txLinClrLst/>
+    <dgm:txFillClrLst/>
+    <dgm:txEffectClrLst/>
+  </dgm:styleLbl>
+  <dgm:styleLbl name="fgSibTrans2D1">
+    <dgm:fillClrLst>
+      <a:schemeClr val="accent3">
+        <a:shade val="90000"/>
+      </a:schemeClr>
+      <a:schemeClr val="accent3">
+        <a:tint val="50000"/>
+      </a:schemeClr>
+    </dgm:fillClrLst>
+    <dgm:linClrLst>
+      <a:schemeClr val="accent3">
+        <a:shade val="90000"/>
+      </a:schemeClr>
+      <a:schemeClr val="accent3">
+        <a:tint val="50000"/>
+      </a:schemeClr>
+    </dgm:linClrLst>
+    <dgm:effectClrLst/>
+    <dgm:txLinClrLst/>
+    <dgm:txFillClrLst/>
+    <dgm:txEffectClrLst/>
+  </dgm:styleLbl>
+  <dgm:styleLbl name="bgSibTrans2D1">
+    <dgm:fillClrLst>
+      <a:schemeClr val="accent3">
+        <a:shade val="90000"/>
+      </a:schemeClr>
+      <a:schemeClr val="accent3">
+        <a:tint val="50000"/>
+      </a:schemeClr>
+    </dgm:fillClrLst>
+    <dgm:linClrLst>
+      <a:schemeClr val="accent3">
+        <a:shade val="90000"/>
+      </a:schemeClr>
+      <a:schemeClr val="accent3">
+        <a:tint val="50000"/>
+      </a:schemeClr>
+    </dgm:linClrLst>
+    <dgm:effectClrLst/>
+    <dgm:txLinClrLst/>
+    <dgm:txFillClrLst/>
+    <dgm:txEffectClrLst/>
+  </dgm:styleLbl>
+  <dgm:styleLbl name="sibTrans1D1">
+    <dgm:fillClrLst>
+      <a:schemeClr val="accent3">
+        <a:shade val="90000"/>
+      </a:schemeClr>
+      <a:schemeClr val="accent3">
+        <a:tint val="50000"/>
+      </a:schemeClr>
+    </dgm:fillClrLst>
+    <dgm:linClrLst>
+      <a:schemeClr val="accent3">
+        <a:shade val="90000"/>
+      </a:schemeClr>
+      <a:schemeClr val="accent3">
+        <a:tint val="50000"/>
+      </a:schemeClr>
+    </dgm:linClrLst>
+    <dgm:effectClrLst/>
+    <dgm:txLinClrLst/>
+    <dgm:txFillClrLst meth="repeat">
+      <a:schemeClr val="tx1"/>
+    </dgm:txFillClrLst>
+    <dgm:txEffectClrLst/>
+  </dgm:styleLbl>
+  <dgm:styleLbl name="callout">
+    <dgm:fillClrLst meth="repeat">
+      <a:schemeClr val="accent3"/>
+    </dgm:fillClrLst>
+    <dgm:linClrLst meth="repeat">
+      <a:schemeClr val="accent3"/>
+    </dgm:linClrLst>
+    <dgm:effectClrLst/>
+    <dgm:txLinClrLst/>
+    <dgm:txFillClrLst meth="repeat">
+      <a:schemeClr val="tx1"/>
+    </dgm:txFillClrLst>
+    <dgm:txEffectClrLst/>
+  </dgm:styleLbl>
+  <dgm:styleLbl name="asst0">
+    <dgm:fillClrLst meth="repeat">
+      <a:schemeClr val="accent3">
+        <a:alpha val="90000"/>
+      </a:schemeClr>
+    </dgm:fillClrLst>
+    <dgm:linClrLst meth="repeat">
+      <a:schemeClr val="lt1"/>
+    </dgm:linClrLst>
+    <dgm:effectClrLst/>
+    <dgm:txLinClrLst/>
+    <dgm:txFillClrLst/>
+    <dgm:txEffectClrLst/>
+  </dgm:styleLbl>
+  <dgm:styleLbl name="asst1">
+    <dgm:fillClrLst meth="repeat">
+      <a:schemeClr val="accent3">
+        <a:alpha val="90000"/>
+      </a:schemeClr>
+    </dgm:fillClrLst>
+    <dgm:linClrLst meth="repeat">
+      <a:schemeClr val="lt1"/>
+    </dgm:linClrLst>
+    <dgm:effectClrLst/>
+    <dgm:txLinClrLst/>
+    <dgm:txFillClrLst/>
+    <dgm:txEffectClrLst/>
+  </dgm:styleLbl>
+  <dgm:styleLbl name="asst2">
+    <dgm:fillClrLst>
+      <a:schemeClr val="accent3">
+        <a:alpha val="90000"/>
+      </a:schemeClr>
+    </dgm:fillClrLst>
+    <dgm:linClrLst meth="repeat">
+      <a:schemeClr val="lt1"/>
+    </dgm:linClrLst>
+    <dgm:effectClrLst/>
+    <dgm:txLinClrLst/>
+    <dgm:txFillClrLst/>
+    <dgm:txEffectClrLst/>
+  </dgm:styleLbl>
+  <dgm:styleLbl name="asst3">
+    <dgm:fillClrLst>
+      <a:schemeClr val="accent3">
+        <a:alpha val="70000"/>
+      </a:schemeClr>
+    </dgm:fillClrLst>
+    <dgm:linClrLst meth="repeat">
+      <a:schemeClr val="lt1"/>
+    </dgm:linClrLst>
+    <dgm:effectClrLst/>
+    <dgm:txLinClrLst/>
+    <dgm:txFillClrLst/>
+    <dgm:txEffectClrLst/>
+  </dgm:styleLbl>
+  <dgm:styleLbl name="asst4">
+    <dgm:fillClrLst>
+      <a:schemeClr val="accent3">
+        <a:alpha val="50000"/>
+      </a:schemeClr>
+    </dgm:fillClrLst>
+    <dgm:linClrLst meth="repeat">
+      <a:schemeClr val="lt1"/>
+    </dgm:linClrLst>
+    <dgm:effectClrLst/>
+    <dgm:txLinClrLst/>
+    <dgm:txFillClrLst/>
+    <dgm:txEffectClrLst/>
+  </dgm:styleLbl>
+  <dgm:styleLbl name="parChTrans2D1">
+    <dgm:fillClrLst meth="repeat">
+      <a:schemeClr val="accent3">
+        <a:shade val="80000"/>
+      </a:schemeClr>
+    </dgm:fillClrLst>
+    <dgm:linClrLst meth="repeat">
+      <a:schemeClr val="accent3">
+        <a:shade val="80000"/>
+      </a:schemeClr>
+    </dgm:linClrLst>
+    <dgm:effectClrLst/>
+    <dgm:txLinClrLst/>
+    <dgm:txFillClrLst/>
+    <dgm:txEffectClrLst/>
+  </dgm:styleLbl>
+  <dgm:styleLbl name="parChTrans2D2">
+    <dgm:fillClrLst meth="repeat">
+      <a:schemeClr val="accent3">
+        <a:tint val="90000"/>
+      </a:schemeClr>
+    </dgm:fillClrLst>
+    <dgm:linClrLst meth="repeat">
+      <a:schemeClr val="accent3">
+        <a:tint val="90000"/>
+      </a:schemeClr>
+    </dgm:linClrLst>
+    <dgm:effectClrLst/>
+    <dgm:txLinClrLst/>
+    <dgm:txFillClrLst/>
+    <dgm:txEffectClrLst/>
+  </dgm:styleLbl>
+  <dgm:styleLbl name="parChTrans2D3">
+    <dgm:fillClrLst meth="repeat">
+      <a:schemeClr val="accent3">
+        <a:tint val="70000"/>
+      </a:schemeClr>
+    </dgm:fillClrLst>
+    <dgm:linClrLst meth="repeat">
+      <a:schemeClr val="accent3">
+        <a:tint val="70000"/>
+      </a:schemeClr>
+    </dgm:linClrLst>
+    <dgm:effectClrLst/>
+    <dgm:txLinClrLst/>
+    <dgm:txFillClrLst/>
+    <dgm:txEffectClrLst/>
+  </dgm:styleLbl>
+  <dgm:styleLbl name="parChTrans2D4">
+    <dgm:fillClrLst meth="repeat">
+      <a:schemeClr val="accent3">
+        <a:tint val="50000"/>
+      </a:schemeClr>
+    </dgm:fillClrLst>
+    <dgm:linClrLst meth="repeat">
+      <a:schemeClr val="accent3">
+        <a:tint val="50000"/>
+      </a:schemeClr>
+    </dgm:linClrLst>
+    <dgm:effectClrLst/>
+    <dgm:txLinClrLst/>
+    <dgm:txFillClrLst meth="repeat">
+      <a:schemeClr val="dk1"/>
+    </dgm:txFillClrLst>
+    <dgm:txEffectClrLst/>
+  </dgm:styleLbl>
+  <dgm:styleLbl name="parChTrans1D1">
+    <dgm:fillClrLst meth="repeat">
+      <a:schemeClr val="accent3">
+        <a:shade val="80000"/>
+      </a:schemeClr>
+    </dgm:fillClrLst>
+    <dgm:linClrLst meth="repeat">
+      <a:schemeClr val="accent3">
+        <a:shade val="80000"/>
+      </a:schemeClr>
+    </dgm:linClrLst>
+    <dgm:effectClrLst/>
+    <dgm:txLinClrLst/>
+    <dgm:txFillClrLst meth="repeat">
+      <a:schemeClr val="tx1"/>
+    </dgm:txFillClrLst>
+    <dgm:txEffectClrLst/>
+  </dgm:styleLbl>
+  <dgm:styleLbl name="parChTrans1D2">
+    <dgm:fillClrLst meth="repeat">
+      <a:schemeClr val="accent3">
+        <a:tint val="90000"/>
+      </a:schemeClr>
+    </dgm:fillClrLst>
+    <dgm:linClrLst meth="repeat">
+      <a:schemeClr val="accent3">
+        <a:tint val="90000"/>
+      </a:schemeClr>
+    </dgm:linClrLst>
+    <dgm:effectClrLst/>
+    <dgm:txLinClrLst/>
+    <dgm:txFillClrLst meth="repeat">
+      <a:schemeClr val="tx1"/>
+    </dgm:txFillClrLst>
+    <dgm:txEffectClrLst/>
+  </dgm:styleLbl>
+  <dgm:styleLbl name="parChTrans1D3">
+    <dgm:fillClrLst meth="repeat">
+      <a:schemeClr val="accent3">
+        <a:tint val="70000"/>
+      </a:schemeClr>
+    </dgm:fillClrLst>
+    <dgm:linClrLst meth="repeat">
+      <a:schemeClr val="accent3">
+        <a:tint val="70000"/>
+      </a:schemeClr>
+    </dgm:linClrLst>
+    <dgm:effectClrLst/>
+    <dgm:txLinClrLst/>
+    <dgm:txFillClrLst meth="repeat">
+      <a:schemeClr val="tx1"/>
+    </dgm:txFillClrLst>
+    <dgm:txEffectClrLst/>
+  </dgm:styleLbl>
+  <dgm:styleLbl name="parChTrans1D4">
+    <dgm:fillClrLst meth="repeat">
+      <a:schemeClr val="accent3">
+        <a:tint val="50000"/>
+      </a:schemeClr>
+    </dgm:fillClrLst>
+    <dgm:linClrLst meth="repeat">
+      <a:schemeClr val="accent3">
+        <a:tint val="50000"/>
+      </a:schemeClr>
+    </dgm:linClrLst>
+    <dgm:effectClrLst/>
+    <dgm:txLinClrLst/>
+    <dgm:txFillClrLst meth="repeat">
+      <a:schemeClr val="tx1"/>
+    </dgm:txFillClrLst>
+    <dgm:txEffectClrLst/>
+  </dgm:styleLbl>
+  <dgm:styleLbl name="fgAcc1">
+    <dgm:fillClrLst meth="repeat">
+      <a:schemeClr val="lt1">
+        <a:alpha val="90000"/>
+      </a:schemeClr>
+    </dgm:fillClrLst>
+    <dgm:linClrLst>
+      <a:schemeClr val="accent3">
+        <a:alpha val="90000"/>
+      </a:schemeClr>
+      <a:schemeClr val="accent3">
+        <a:alpha val="50000"/>
+      </a:schemeClr>
+    </dgm:linClrLst>
+    <dgm:effectClrLst/>
+    <dgm:txLinClrLst/>
+    <dgm:txFillClrLst meth="repeat">
+      <a:schemeClr val="dk1"/>
+    </dgm:txFillClrLst>
+    <dgm:txEffectClrLst/>
+  </dgm:styleLbl>
+  <dgm:styleLbl name="conFgAcc1">
+    <dgm:fillClrLst meth="repeat">
+      <a:schemeClr val="lt1">
+        <a:alpha val="90000"/>
+      </a:schemeClr>
+    </dgm:fillClrLst>
+    <dgm:linClrLst>
+      <a:schemeClr val="accent3">
+        <a:alpha val="90000"/>
+      </a:schemeClr>
+      <a:schemeClr val="accent3">
+        <a:alpha val="50000"/>
+      </a:schemeClr>
+    </dgm:linClrLst>
+    <dgm:effectClrLst/>
+    <dgm:txLinClrLst/>
+    <dgm:txFillClrLst meth="repeat">
+      <a:schemeClr val="dk1"/>
+    </dgm:txFillClrLst>
+    <dgm:txEffectClrLst/>
+  </dgm:styleLbl>
+  <dgm:styleLbl name="alignAcc1">
+    <dgm:fillClrLst meth="repeat">
+      <a:schemeClr val="lt1">
+        <a:alpha val="90000"/>
+      </a:schemeClr>
+    </dgm:fillClrLst>
+    <dgm:linClrLst>
+      <a:schemeClr val="accent3">
+        <a:alpha val="90000"/>
+      </a:schemeClr>
+      <a:schemeClr val="accent3">
+        <a:alpha val="50000"/>
+      </a:schemeClr>
+    </dgm:linClrLst>
+    <dgm:effectClrLst/>
+    <dgm:txLinClrLst/>
+    <dgm:txFillClrLst meth="repeat">
+      <a:schemeClr val="dk1"/>
+    </dgm:txFillClrLst>
+    <dgm:txEffectClrLst/>
+  </dgm:styleLbl>
+  <dgm:styleLbl name="trAlignAcc1">
+    <dgm:fillClrLst meth="repeat">
+      <a:schemeClr val="lt1">
+        <a:alpha val="40000"/>
+      </a:schemeClr>
+    </dgm:fillClrLst>
+    <dgm:linClrLst>
+      <a:schemeClr val="accent3">
+        <a:alpha val="90000"/>
+      </a:schemeClr>
+      <a:schemeClr val="accent3">
+        <a:alpha val="50000"/>
+      </a:schemeClr>
+    </dgm:linClrLst>
+    <dgm:effectClrLst/>
+    <dgm:txLinClrLst/>
+    <dgm:txFillClrLst meth="repeat">
+      <a:schemeClr val="dk1"/>
+    </dgm:txFillClrLst>
+    <dgm:txEffectClrLst/>
+  </dgm:styleLbl>
+  <dgm:styleLbl name="bgAcc1">
+    <dgm:fillClrLst meth="repeat">
+      <a:schemeClr val="lt1">
+        <a:alpha val="90000"/>
+      </a:schemeClr>
+    </dgm:fillClrLst>
+    <dgm:linClrLst>
+      <a:schemeClr val="accent3">
+        <a:alpha val="90000"/>
+      </a:schemeClr>
+      <a:schemeClr val="accent3">
+        <a:alpha val="50000"/>
+      </a:schemeClr>
+    </dgm:linClrLst>
+    <dgm:effectClrLst/>
+    <dgm:txLinClrLst/>
+    <dgm:txFillClrLst meth="repeat">
+      <a:schemeClr val="dk1"/>
+    </dgm:txFillClrLst>
+    <dgm:txEffectClrLst/>
+  </dgm:styleLbl>
+  <dgm:styleLbl name="solidFgAcc1">
+    <dgm:fillClrLst meth="repeat">
+      <a:schemeClr val="lt1"/>
+    </dgm:fillClrLst>
+    <dgm:linClrLst>
+      <a:schemeClr val="accent3">
+        <a:alpha val="90000"/>
+      </a:schemeClr>
+      <a:schemeClr val="accent3">
+        <a:alpha val="50000"/>
+      </a:schemeClr>
+    </dgm:linClrLst>
+    <dgm:effectClrLst/>
+    <dgm:txLinClrLst/>
+    <dgm:txFillClrLst meth="repeat">
+      <a:schemeClr val="dk1"/>
+    </dgm:txFillClrLst>
+    <dgm:txEffectClrLst/>
+  </dgm:styleLbl>
+  <dgm:styleLbl name="solidAlignAcc1">
+    <dgm:fillClrLst meth="repeat">
+      <a:schemeClr val="lt1"/>
+    </dgm:fillClrLst>
+    <dgm:linClrLst meth="repeat">
+      <a:schemeClr val="accent3"/>
+    </dgm:linClrLst>
+    <dgm:effectClrLst/>
+    <dgm:txLinClrLst/>
+    <dgm:txFillClrLst meth="repeat">
+      <a:schemeClr val="dk1"/>
+    </dgm:txFillClrLst>
+    <dgm:txEffectClrLst/>
+  </dgm:styleLbl>
+  <dgm:styleLbl name="solidBgAcc1">
+    <dgm:fillClrLst meth="repeat">
+      <a:schemeClr val="lt1"/>
+    </dgm:fillClrLst>
+    <dgm:linClrLst meth="repeat">
+      <a:schemeClr val="accent3"/>
+    </dgm:linClrLst>
+    <dgm:effectClrLst/>
+    <dgm:txLinClrLst/>
+    <dgm:txFillClrLst meth="repeat">
+      <a:schemeClr val="dk1"/>
+    </dgm:txFillClrLst>
+    <dgm:txEffectClrLst/>
+  </dgm:styleLbl>
+  <dgm:styleLbl name="fgAccFollowNode1">
+    <dgm:fillClrLst>
+      <a:schemeClr val="accent3">
+        <a:alpha val="90000"/>
+        <a:tint val="40000"/>
+      </a:schemeClr>
+      <a:schemeClr val="accent3">
+        <a:alpha val="50000"/>
+        <a:tint val="40000"/>
+      </a:schemeClr>
+    </dgm:fillClrLst>
+    <dgm:linClrLst meth="repeat">
+      <a:schemeClr val="accent3">
+        <a:alpha val="90000"/>
+        <a:tint val="40000"/>
+      </a:schemeClr>
+    </dgm:linClrLst>
+    <dgm:effectClrLst/>
+    <dgm:txLinClrLst/>
+    <dgm:txFillClrLst meth="repeat">
+      <a:schemeClr val="dk1"/>
+    </dgm:txFillClrLst>
+    <dgm:txEffectClrLst/>
+  </dgm:styleLbl>
+  <dgm:styleLbl name="alignAccFollowNode1">
+    <dgm:fillClrLst meth="repeat">
+      <a:schemeClr val="accent3">
+        <a:alpha val="90000"/>
+        <a:tint val="40000"/>
+      </a:schemeClr>
+    </dgm:fillClrLst>
+    <dgm:linClrLst meth="repeat">
+      <a:schemeClr val="accent3">
+        <a:alpha val="90000"/>
+        <a:tint val="40000"/>
+      </a:schemeClr>
+    </dgm:linClrLst>
+    <dgm:effectClrLst/>
+    <dgm:txLinClrLst/>
+    <dgm:txFillClrLst meth="repeat">
+      <a:schemeClr val="dk1"/>
+    </dgm:txFillClrLst>
+    <dgm:txEffectClrLst/>
+  </dgm:styleLbl>
+  <dgm:styleLbl name="bgAccFollowNode1">
+    <dgm:fillClrLst meth="repeat">
+      <a:schemeClr val="accent3">
+        <a:alpha val="90000"/>
+        <a:tint val="40000"/>
+      </a:schemeClr>
+    </dgm:fillClrLst>
+    <dgm:linClrLst meth="repeat">
+      <a:schemeClr val="lt1"/>
+    </dgm:linClrLst>
+    <dgm:effectClrLst/>
+    <dgm:txLinClrLst/>
+    <dgm:txFillClrLst meth="repeat">
+      <a:schemeClr val="dk1"/>
+    </dgm:txFillClrLst>
+    <dgm:txEffectClrLst/>
+  </dgm:styleLbl>
+  <dgm:styleLbl name="fgAcc0">
+    <dgm:fillClrLst meth="repeat">
+      <a:schemeClr val="lt1">
+        <a:alpha val="90000"/>
+      </a:schemeClr>
+    </dgm:fillClrLst>
+    <dgm:linClrLst meth="repeat">
+      <a:schemeClr val="accent3">
+        <a:shade val="80000"/>
+      </a:schemeClr>
+    </dgm:linClrLst>
+    <dgm:effectClrLst/>
+    <dgm:txLinClrLst/>
+    <dgm:txFillClrLst meth="repeat">
+      <a:schemeClr val="dk1"/>
+    </dgm:txFillClrLst>
+    <dgm:txEffectClrLst/>
+  </dgm:styleLbl>
+  <dgm:styleLbl name="fgAcc2">
+    <dgm:fillClrLst meth="repeat">
+      <a:schemeClr val="lt1">
+        <a:alpha val="90000"/>
+      </a:schemeClr>
+    </dgm:fillClrLst>
+    <dgm:linClrLst meth="repeat">
+      <a:schemeClr val="accent3">
+        <a:tint val="90000"/>
+      </a:schemeClr>
+    </dgm:linClrLst>
+    <dgm:effectClrLst/>
+    <dgm:txLinClrLst/>
+    <dgm:txFillClrLst meth="repeat">
+      <a:schemeClr val="dk1"/>
+    </dgm:txFillClrLst>
+    <dgm:txEffectClrLst/>
+  </dgm:styleLbl>
+  <dgm:styleLbl name="fgAcc3">
+    <dgm:fillClrLst meth="repeat">
+      <a:schemeClr val="lt1">
+        <a:alpha val="90000"/>
+      </a:schemeClr>
+    </dgm:fillClrLst>
+    <dgm:linClrLst meth="repeat">
+      <a:schemeClr val="accent3">
+        <a:tint val="70000"/>
+      </a:schemeClr>
+    </dgm:linClrLst>
+    <dgm:effectClrLst/>
+    <dgm:txLinClrLst/>
+    <dgm:txFillClrLst meth="repeat">
+      <a:schemeClr val="dk1"/>
+    </dgm:txFillClrLst>
+    <dgm:txEffectClrLst/>
+  </dgm:styleLbl>
+  <dgm:styleLbl name="fgAcc4">
+    <dgm:fillClrLst meth="repeat">
+      <a:schemeClr val="lt1">
+        <a:alpha val="90000"/>
+      </a:schemeClr>
+    </dgm:fillClrLst>
+    <dgm:linClrLst meth="repeat">
+      <a:schemeClr val="accent3">
+        <a:tint val="50000"/>
+      </a:schemeClr>
+    </dgm:linClrLst>
+    <dgm:effectClrLst/>
+    <dgm:txLinClrLst/>
+    <dgm:txFillClrLst meth="repeat">
+      <a:schemeClr val="dk1"/>
+    </dgm:txFillClrLst>
+    <dgm:txEffectClrLst/>
+  </dgm:styleLbl>
+  <dgm:styleLbl name="bgShp">
+    <dgm:fillClrLst meth="repeat">
+      <a:schemeClr val="accent3">
+        <a:tint val="40000"/>
+      </a:schemeClr>
+    </dgm:fillClrLst>
+    <dgm:linClrLst meth="repeat">
+      <a:schemeClr val="dk1"/>
+    </dgm:linClrLst>
+    <dgm:effectClrLst/>
+    <dgm:txLinClrLst/>
+    <dgm:txFillClrLst meth="repeat">
+      <a:schemeClr val="dk1"/>
+    </dgm:txFillClrLst>
+    <dgm:txEffectClrLst/>
+  </dgm:styleLbl>
+  <dgm:styleLbl name="dkBgShp">
+    <dgm:fillClrLst meth="repeat">
+      <a:schemeClr val="accent3">
+        <a:shade val="90000"/>
+      </a:schemeClr>
+    </dgm:fillClrLst>
+    <dgm:linClrLst meth="repeat">
+      <a:schemeClr val="dk1"/>
+    </dgm:linClrLst>
+    <dgm:effectClrLst/>
+    <dgm:txLinClrLst/>
+    <dgm:txFillClrLst meth="repeat">
+      <a:schemeClr val="lt1"/>
+    </dgm:txFillClrLst>
+    <dgm:txEffectClrLst/>
+  </dgm:styleLbl>
+  <dgm:styleLbl name="trBgShp">
+    <dgm:fillClrLst meth="repeat">
+      <a:schemeClr val="accent3">
+        <a:tint val="50000"/>
+        <a:alpha val="40000"/>
+      </a:schemeClr>
+    </dgm:fillClrLst>
+    <dgm:linClrLst meth="repeat">
+      <a:schemeClr val="accent3"/>
+    </dgm:linClrLst>
+    <dgm:effectClrLst/>
+    <dgm:txLinClrLst/>
+    <dgm:txFillClrLst meth="repeat">
+      <a:schemeClr val="lt1"/>
+    </dgm:txFillClrLst>
+    <dgm:txEffectClrLst/>
+  </dgm:styleLbl>
+  <dgm:styleLbl name="fgShp">
+    <dgm:fillClrLst meth="repeat">
+      <a:schemeClr val="accent3">
+        <a:tint val="40000"/>
+      </a:schemeClr>
+    </dgm:fillClrLst>
+    <dgm:linClrLst meth="repeat">
+      <a:schemeClr val="lt1"/>
+    </dgm:linClrLst>
+    <dgm:effectClrLst/>
+    <dgm:txLinClrLst/>
+    <dgm:txFillClrLst meth="repeat">
+      <a:schemeClr val="dk1"/>
+    </dgm:txFillClrLst>
+    <dgm:txEffectClrLst/>
+  </dgm:styleLbl>
+  <dgm:styleLbl name="revTx">
+    <dgm:fillClrLst meth="repeat">
+      <a:schemeClr val="lt1">
+        <a:alpha val="0"/>
+      </a:schemeClr>
+    </dgm:fillClrLst>
+    <dgm:linClrLst meth="repeat">
+      <a:schemeClr val="dk1">
+        <a:alpha val="0"/>
+      </a:schemeClr>
+    </dgm:linClrLst>
+    <dgm:effectClrLst/>
+    <dgm:txLinClrLst/>
+    <dgm:txFillClrLst meth="repeat">
+      <a:schemeClr val="tx1"/>
+    </dgm:txFillClrLst>
+    <dgm:txEffectClrLst/>
+  </dgm:styleLbl>
+</dgm:colorsDef>
+</file>
+
+<file path=ppt/diagrams/data1.xml><?xml version="1.0" encoding="utf-8"?>
+<dgm:dataModel xmlns:dgm="http://schemas.openxmlformats.org/drawingml/2006/diagram" xmlns:a="http://schemas.openxmlformats.org/drawingml/2006/main">
+  <dgm:ptLst>
+    <dgm:pt modelId="{9CB67D95-F1C1-46CC-9D79-774782FC24F1}" type="doc">
+      <dgm:prSet loTypeId="urn:microsoft.com/office/officeart/2005/8/layout/hierarchy1" loCatId="hierarchy" qsTypeId="urn:microsoft.com/office/officeart/2005/8/quickstyle/simple1" qsCatId="simple" csTypeId="urn:microsoft.com/office/officeart/2005/8/colors/accent3_5" csCatId="accent3"/>
+      <dgm:spPr/>
+      <dgm:t>
+        <a:bodyPr/>
+        <a:lstStyle/>
+        <a:p>
+          <a:endParaRPr lang="en-US"/>
+        </a:p>
+      </dgm:t>
+    </dgm:pt>
+    <dgm:pt modelId="{62CA2D8E-07B2-4AF2-BE88-B39DDBECB95B}">
+      <dgm:prSet/>
+      <dgm:spPr/>
+      <dgm:t>
+        <a:bodyPr/>
+        <a:lstStyle/>
+        <a:p>
+          <a:r>
+            <a:rPr lang="en-US"/>
+            <a:t>One of the primitive data types</a:t>
+          </a:r>
+        </a:p>
+      </dgm:t>
+    </dgm:pt>
+    <dgm:pt modelId="{E899BC39-4AFB-4BE1-A385-EB4AF4E5E1C0}" type="parTrans" cxnId="{7FD98C3A-CEA6-4865-8FF1-C3839FDEC9DE}">
+      <dgm:prSet/>
+      <dgm:spPr/>
+      <dgm:t>
+        <a:bodyPr/>
+        <a:lstStyle/>
+        <a:p>
+          <a:endParaRPr lang="en-US"/>
+        </a:p>
+      </dgm:t>
+    </dgm:pt>
+    <dgm:pt modelId="{13C913A9-C81B-4E8D-A291-5DB9C04ECD7F}" type="sibTrans" cxnId="{7FD98C3A-CEA6-4865-8FF1-C3839FDEC9DE}">
+      <dgm:prSet/>
+      <dgm:spPr/>
+      <dgm:t>
+        <a:bodyPr/>
+        <a:lstStyle/>
+        <a:p>
+          <a:endParaRPr lang="en-US"/>
+        </a:p>
+      </dgm:t>
+    </dgm:pt>
+    <dgm:pt modelId="{E96AFE74-81C9-45EE-B78F-868F267E9ED4}">
+      <dgm:prSet/>
+      <dgm:spPr/>
+      <dgm:t>
+        <a:bodyPr/>
+        <a:lstStyle/>
+        <a:p>
+          <a:r>
+            <a:rPr lang="en-US"/>
+            <a:t>Two values: true and false</a:t>
+          </a:r>
+        </a:p>
+      </dgm:t>
+    </dgm:pt>
+    <dgm:pt modelId="{5F5A5D77-F6D8-417C-BD9C-753B06AD5298}" type="parTrans" cxnId="{F4AB64D9-1C7D-48EB-85C7-6A91E7617BA7}">
+      <dgm:prSet/>
+      <dgm:spPr/>
+      <dgm:t>
+        <a:bodyPr/>
+        <a:lstStyle/>
+        <a:p>
+          <a:endParaRPr lang="en-US"/>
+        </a:p>
+      </dgm:t>
+    </dgm:pt>
+    <dgm:pt modelId="{5026D9B8-E9DA-4B5C-98E6-8DB610755439}" type="sibTrans" cxnId="{F4AB64D9-1C7D-48EB-85C7-6A91E7617BA7}">
+      <dgm:prSet/>
+      <dgm:spPr/>
+      <dgm:t>
+        <a:bodyPr/>
+        <a:lstStyle/>
+        <a:p>
+          <a:endParaRPr lang="en-US"/>
+        </a:p>
+      </dgm:t>
+    </dgm:pt>
+    <dgm:pt modelId="{695927AF-E1E2-438F-802F-8133D8B12A54}">
+      <dgm:prSet/>
+      <dgm:spPr/>
+      <dgm:t>
+        <a:bodyPr/>
+        <a:lstStyle/>
+        <a:p>
+          <a:r>
+            <a:rPr lang="en-US"/>
+            <a:t>Can be used in conditionals</a:t>
+          </a:r>
+        </a:p>
+      </dgm:t>
+    </dgm:pt>
+    <dgm:pt modelId="{4C48C528-C46E-402E-8186-79F0DF6BDEBF}" type="parTrans" cxnId="{6B90EA67-F24C-41AB-B183-73B22356B103}">
+      <dgm:prSet/>
+      <dgm:spPr/>
+      <dgm:t>
+        <a:bodyPr/>
+        <a:lstStyle/>
+        <a:p>
+          <a:endParaRPr lang="en-US"/>
+        </a:p>
+      </dgm:t>
+    </dgm:pt>
+    <dgm:pt modelId="{E627A36D-FD5F-494F-BFAF-BAA5A9B43EA5}" type="sibTrans" cxnId="{6B90EA67-F24C-41AB-B183-73B22356B103}">
+      <dgm:prSet/>
+      <dgm:spPr/>
+      <dgm:t>
+        <a:bodyPr/>
+        <a:lstStyle/>
+        <a:p>
+          <a:endParaRPr lang="en-US"/>
+        </a:p>
+      </dgm:t>
+    </dgm:pt>
+    <dgm:pt modelId="{75D80368-D263-D349-94FC-A97561D19A9B}" type="pres">
+      <dgm:prSet presAssocID="{9CB67D95-F1C1-46CC-9D79-774782FC24F1}" presName="hierChild1" presStyleCnt="0">
+        <dgm:presLayoutVars>
+          <dgm:chPref val="1"/>
+          <dgm:dir/>
+          <dgm:animOne val="branch"/>
+          <dgm:animLvl val="lvl"/>
+          <dgm:resizeHandles/>
+        </dgm:presLayoutVars>
+      </dgm:prSet>
+      <dgm:spPr/>
+      <dgm:t>
+        <a:bodyPr/>
+        <a:lstStyle/>
+        <a:p>
+          <a:endParaRPr lang="en-US"/>
+        </a:p>
+      </dgm:t>
+    </dgm:pt>
+    <dgm:pt modelId="{56F1D389-1A54-4740-BB10-D6895913D8D8}" type="pres">
+      <dgm:prSet presAssocID="{62CA2D8E-07B2-4AF2-BE88-B39DDBECB95B}" presName="hierRoot1" presStyleCnt="0"/>
+      <dgm:spPr/>
+      <dgm:t>
+        <a:bodyPr/>
+        <a:lstStyle/>
+        <a:p>
+          <a:endParaRPr lang="en-US"/>
+        </a:p>
+      </dgm:t>
+    </dgm:pt>
+    <dgm:pt modelId="{F51ED5A2-0D66-8D46-8E56-1AE7CD34E75D}" type="pres">
+      <dgm:prSet presAssocID="{62CA2D8E-07B2-4AF2-BE88-B39DDBECB95B}" presName="composite" presStyleCnt="0"/>
+      <dgm:spPr/>
+      <dgm:t>
+        <a:bodyPr/>
+        <a:lstStyle/>
+        <a:p>
+          <a:endParaRPr lang="en-US"/>
+        </a:p>
+      </dgm:t>
+    </dgm:pt>
+    <dgm:pt modelId="{99F9E606-C7F4-0541-9B22-BBE40C974576}" type="pres">
+      <dgm:prSet presAssocID="{62CA2D8E-07B2-4AF2-BE88-B39DDBECB95B}" presName="background" presStyleLbl="node0" presStyleIdx="0" presStyleCnt="3"/>
+      <dgm:spPr/>
+      <dgm:t>
+        <a:bodyPr/>
+        <a:lstStyle/>
+        <a:p>
+          <a:endParaRPr lang="en-US"/>
+        </a:p>
+      </dgm:t>
+    </dgm:pt>
+    <dgm:pt modelId="{05BF8C9E-7A4C-E649-AF33-4407174FE5BA}" type="pres">
+      <dgm:prSet presAssocID="{62CA2D8E-07B2-4AF2-BE88-B39DDBECB95B}" presName="text" presStyleLbl="fgAcc0" presStyleIdx="0" presStyleCnt="3">
+        <dgm:presLayoutVars>
+          <dgm:chPref val="3"/>
+        </dgm:presLayoutVars>
+      </dgm:prSet>
+      <dgm:spPr/>
+      <dgm:t>
+        <a:bodyPr/>
+        <a:lstStyle/>
+        <a:p>
+          <a:endParaRPr lang="en-US"/>
+        </a:p>
+      </dgm:t>
+    </dgm:pt>
+    <dgm:pt modelId="{61CF25D5-6E7B-3041-A666-D5B81632A119}" type="pres">
+      <dgm:prSet presAssocID="{62CA2D8E-07B2-4AF2-BE88-B39DDBECB95B}" presName="hierChild2" presStyleCnt="0"/>
+      <dgm:spPr/>
+      <dgm:t>
+        <a:bodyPr/>
+        <a:lstStyle/>
+        <a:p>
+          <a:endParaRPr lang="en-US"/>
+        </a:p>
+      </dgm:t>
+    </dgm:pt>
+    <dgm:pt modelId="{F959E493-F406-5F40-8EA6-DBE2C0175A29}" type="pres">
+      <dgm:prSet presAssocID="{E96AFE74-81C9-45EE-B78F-868F267E9ED4}" presName="hierRoot1" presStyleCnt="0"/>
+      <dgm:spPr/>
+      <dgm:t>
+        <a:bodyPr/>
+        <a:lstStyle/>
+        <a:p>
+          <a:endParaRPr lang="en-US"/>
+        </a:p>
+      </dgm:t>
+    </dgm:pt>
+    <dgm:pt modelId="{D3004D83-5F71-5D45-AA78-90878D2B9FA1}" type="pres">
+      <dgm:prSet presAssocID="{E96AFE74-81C9-45EE-B78F-868F267E9ED4}" presName="composite" presStyleCnt="0"/>
+      <dgm:spPr/>
+      <dgm:t>
+        <a:bodyPr/>
+        <a:lstStyle/>
+        <a:p>
+          <a:endParaRPr lang="en-US"/>
+        </a:p>
+      </dgm:t>
+    </dgm:pt>
+    <dgm:pt modelId="{F8F23933-8675-9A41-B7FE-A8DA45792BCF}" type="pres">
+      <dgm:prSet presAssocID="{E96AFE74-81C9-45EE-B78F-868F267E9ED4}" presName="background" presStyleLbl="node0" presStyleIdx="1" presStyleCnt="3"/>
+      <dgm:spPr/>
+      <dgm:t>
+        <a:bodyPr/>
+        <a:lstStyle/>
+        <a:p>
+          <a:endParaRPr lang="en-US"/>
+        </a:p>
+      </dgm:t>
+    </dgm:pt>
+    <dgm:pt modelId="{169A7944-C651-A347-B425-0C7CD48B5B68}" type="pres">
+      <dgm:prSet presAssocID="{E96AFE74-81C9-45EE-B78F-868F267E9ED4}" presName="text" presStyleLbl="fgAcc0" presStyleIdx="1" presStyleCnt="3">
+        <dgm:presLayoutVars>
+          <dgm:chPref val="3"/>
+        </dgm:presLayoutVars>
+      </dgm:prSet>
+      <dgm:spPr/>
+      <dgm:t>
+        <a:bodyPr/>
+        <a:lstStyle/>
+        <a:p>
+          <a:endParaRPr lang="en-US"/>
+        </a:p>
+      </dgm:t>
+    </dgm:pt>
+    <dgm:pt modelId="{8898848E-D2B2-3A4A-BF3A-CC9D4202BFB3}" type="pres">
+      <dgm:prSet presAssocID="{E96AFE74-81C9-45EE-B78F-868F267E9ED4}" presName="hierChild2" presStyleCnt="0"/>
+      <dgm:spPr/>
+      <dgm:t>
+        <a:bodyPr/>
+        <a:lstStyle/>
+        <a:p>
+          <a:endParaRPr lang="en-US"/>
+        </a:p>
+      </dgm:t>
+    </dgm:pt>
+    <dgm:pt modelId="{7639FDDA-13B1-1C49-9039-E8B74E91AF8C}" type="pres">
+      <dgm:prSet presAssocID="{695927AF-E1E2-438F-802F-8133D8B12A54}" presName="hierRoot1" presStyleCnt="0"/>
+      <dgm:spPr/>
+      <dgm:t>
+        <a:bodyPr/>
+        <a:lstStyle/>
+        <a:p>
+          <a:endParaRPr lang="en-US"/>
+        </a:p>
+      </dgm:t>
+    </dgm:pt>
+    <dgm:pt modelId="{CFA5CED5-7C56-4A49-B936-9CAE20D71DF5}" type="pres">
+      <dgm:prSet presAssocID="{695927AF-E1E2-438F-802F-8133D8B12A54}" presName="composite" presStyleCnt="0"/>
+      <dgm:spPr/>
+      <dgm:t>
+        <a:bodyPr/>
+        <a:lstStyle/>
+        <a:p>
+          <a:endParaRPr lang="en-US"/>
+        </a:p>
+      </dgm:t>
+    </dgm:pt>
+    <dgm:pt modelId="{8762B50A-F3D8-B149-BB24-F69D5BC31DE3}" type="pres">
+      <dgm:prSet presAssocID="{695927AF-E1E2-438F-802F-8133D8B12A54}" presName="background" presStyleLbl="node0" presStyleIdx="2" presStyleCnt="3"/>
+      <dgm:spPr/>
+      <dgm:t>
+        <a:bodyPr/>
+        <a:lstStyle/>
+        <a:p>
+          <a:endParaRPr lang="en-US"/>
+        </a:p>
+      </dgm:t>
+    </dgm:pt>
+    <dgm:pt modelId="{B4B6B9A3-F9F7-FB49-80C8-7A3D87BAB5A7}" type="pres">
+      <dgm:prSet presAssocID="{695927AF-E1E2-438F-802F-8133D8B12A54}" presName="text" presStyleLbl="fgAcc0" presStyleIdx="2" presStyleCnt="3">
+        <dgm:presLayoutVars>
+          <dgm:chPref val="3"/>
+        </dgm:presLayoutVars>
+      </dgm:prSet>
+      <dgm:spPr/>
+      <dgm:t>
+        <a:bodyPr/>
+        <a:lstStyle/>
+        <a:p>
+          <a:endParaRPr lang="en-US"/>
+        </a:p>
+      </dgm:t>
+    </dgm:pt>
+    <dgm:pt modelId="{6F4D7A0D-705B-B64A-B873-A437502D6256}" type="pres">
+      <dgm:prSet presAssocID="{695927AF-E1E2-438F-802F-8133D8B12A54}" presName="hierChild2" presStyleCnt="0"/>
+      <dgm:spPr/>
+      <dgm:t>
+        <a:bodyPr/>
+        <a:lstStyle/>
+        <a:p>
+          <a:endParaRPr lang="en-US"/>
+        </a:p>
+      </dgm:t>
+    </dgm:pt>
+  </dgm:ptLst>
+  <dgm:cxnLst>
+    <dgm:cxn modelId="{6B90EA67-F24C-41AB-B183-73B22356B103}" srcId="{9CB67D95-F1C1-46CC-9D79-774782FC24F1}" destId="{695927AF-E1E2-438F-802F-8133D8B12A54}" srcOrd="2" destOrd="0" parTransId="{4C48C528-C46E-402E-8186-79F0DF6BDEBF}" sibTransId="{E627A36D-FD5F-494F-BFAF-BAA5A9B43EA5}"/>
+    <dgm:cxn modelId="{38575794-899C-EC47-AAB2-119BACDAF2F3}" type="presOf" srcId="{62CA2D8E-07B2-4AF2-BE88-B39DDBECB95B}" destId="{05BF8C9E-7A4C-E649-AF33-4407174FE5BA}" srcOrd="0" destOrd="0" presId="urn:microsoft.com/office/officeart/2005/8/layout/hierarchy1"/>
+    <dgm:cxn modelId="{109D36AD-32BE-904A-B192-138BA7C1DDBC}" type="presOf" srcId="{E96AFE74-81C9-45EE-B78F-868F267E9ED4}" destId="{169A7944-C651-A347-B425-0C7CD48B5B68}" srcOrd="0" destOrd="0" presId="urn:microsoft.com/office/officeart/2005/8/layout/hierarchy1"/>
+    <dgm:cxn modelId="{7FD98C3A-CEA6-4865-8FF1-C3839FDEC9DE}" srcId="{9CB67D95-F1C1-46CC-9D79-774782FC24F1}" destId="{62CA2D8E-07B2-4AF2-BE88-B39DDBECB95B}" srcOrd="0" destOrd="0" parTransId="{E899BC39-4AFB-4BE1-A385-EB4AF4E5E1C0}" sibTransId="{13C913A9-C81B-4E8D-A291-5DB9C04ECD7F}"/>
+    <dgm:cxn modelId="{6813CA6F-5701-2442-9E77-F11CF06BE873}" type="presOf" srcId="{695927AF-E1E2-438F-802F-8133D8B12A54}" destId="{B4B6B9A3-F9F7-FB49-80C8-7A3D87BAB5A7}" srcOrd="0" destOrd="0" presId="urn:microsoft.com/office/officeart/2005/8/layout/hierarchy1"/>
+    <dgm:cxn modelId="{0960046E-0F60-124D-9A65-652A356D2D35}" type="presOf" srcId="{9CB67D95-F1C1-46CC-9D79-774782FC24F1}" destId="{75D80368-D263-D349-94FC-A97561D19A9B}" srcOrd="0" destOrd="0" presId="urn:microsoft.com/office/officeart/2005/8/layout/hierarchy1"/>
+    <dgm:cxn modelId="{F4AB64D9-1C7D-48EB-85C7-6A91E7617BA7}" srcId="{9CB67D95-F1C1-46CC-9D79-774782FC24F1}" destId="{E96AFE74-81C9-45EE-B78F-868F267E9ED4}" srcOrd="1" destOrd="0" parTransId="{5F5A5D77-F6D8-417C-BD9C-753B06AD5298}" sibTransId="{5026D9B8-E9DA-4B5C-98E6-8DB610755439}"/>
+    <dgm:cxn modelId="{AE6345F0-BDDC-D845-A131-EC56AD3991DA}" type="presParOf" srcId="{75D80368-D263-D349-94FC-A97561D19A9B}" destId="{56F1D389-1A54-4740-BB10-D6895913D8D8}" srcOrd="0" destOrd="0" presId="urn:microsoft.com/office/officeart/2005/8/layout/hierarchy1"/>
+    <dgm:cxn modelId="{A2D5D05C-DE04-E141-9342-47579921BB2F}" type="presParOf" srcId="{56F1D389-1A54-4740-BB10-D6895913D8D8}" destId="{F51ED5A2-0D66-8D46-8E56-1AE7CD34E75D}" srcOrd="0" destOrd="0" presId="urn:microsoft.com/office/officeart/2005/8/layout/hierarchy1"/>
+    <dgm:cxn modelId="{B8B844DD-B692-944F-8647-FF78CB609F6B}" type="presParOf" srcId="{F51ED5A2-0D66-8D46-8E56-1AE7CD34E75D}" destId="{99F9E606-C7F4-0541-9B22-BBE40C974576}" srcOrd="0" destOrd="0" presId="urn:microsoft.com/office/officeart/2005/8/layout/hierarchy1"/>
+    <dgm:cxn modelId="{F94655C3-D2C6-9247-9BFF-AD13B7308742}" type="presParOf" srcId="{F51ED5A2-0D66-8D46-8E56-1AE7CD34E75D}" destId="{05BF8C9E-7A4C-E649-AF33-4407174FE5BA}" srcOrd="1" destOrd="0" presId="urn:microsoft.com/office/officeart/2005/8/layout/hierarchy1"/>
+    <dgm:cxn modelId="{1913A554-D531-3147-87D3-6D310AFF4729}" type="presParOf" srcId="{56F1D389-1A54-4740-BB10-D6895913D8D8}" destId="{61CF25D5-6E7B-3041-A666-D5B81632A119}" srcOrd="1" destOrd="0" presId="urn:microsoft.com/office/officeart/2005/8/layout/hierarchy1"/>
+    <dgm:cxn modelId="{8430ECA6-26B1-C243-980D-2580957AE612}" type="presParOf" srcId="{75D80368-D263-D349-94FC-A97561D19A9B}" destId="{F959E493-F406-5F40-8EA6-DBE2C0175A29}" srcOrd="1" destOrd="0" presId="urn:microsoft.com/office/officeart/2005/8/layout/hierarchy1"/>
+    <dgm:cxn modelId="{CD1B2ADD-F9C1-1946-A35C-5B87E4652EF8}" type="presParOf" srcId="{F959E493-F406-5F40-8EA6-DBE2C0175A29}" destId="{D3004D83-5F71-5D45-AA78-90878D2B9FA1}" srcOrd="0" destOrd="0" presId="urn:microsoft.com/office/officeart/2005/8/layout/hierarchy1"/>
+    <dgm:cxn modelId="{4EC99710-8746-3948-9E2D-2D86272D3510}" type="presParOf" srcId="{D3004D83-5F71-5D45-AA78-90878D2B9FA1}" destId="{F8F23933-8675-9A41-B7FE-A8DA45792BCF}" srcOrd="0" destOrd="0" presId="urn:microsoft.com/office/officeart/2005/8/layout/hierarchy1"/>
+    <dgm:cxn modelId="{E529EFBD-4A91-A641-BE7C-F8A5BBD0F162}" type="presParOf" srcId="{D3004D83-5F71-5D45-AA78-90878D2B9FA1}" destId="{169A7944-C651-A347-B425-0C7CD48B5B68}" srcOrd="1" destOrd="0" presId="urn:microsoft.com/office/officeart/2005/8/layout/hierarchy1"/>
+    <dgm:cxn modelId="{C38FFCF6-4857-BB4B-B5DC-5D3D935EA375}" type="presParOf" srcId="{F959E493-F406-5F40-8EA6-DBE2C0175A29}" destId="{8898848E-D2B2-3A4A-BF3A-CC9D4202BFB3}" srcOrd="1" destOrd="0" presId="urn:microsoft.com/office/officeart/2005/8/layout/hierarchy1"/>
+    <dgm:cxn modelId="{8D402454-4EFE-F442-A2C7-ED970F7FCAFA}" type="presParOf" srcId="{75D80368-D263-D349-94FC-A97561D19A9B}" destId="{7639FDDA-13B1-1C49-9039-E8B74E91AF8C}" srcOrd="2" destOrd="0" presId="urn:microsoft.com/office/officeart/2005/8/layout/hierarchy1"/>
+    <dgm:cxn modelId="{54F3E0DD-0EAF-B741-9E33-92F3DBD0EEC6}" type="presParOf" srcId="{7639FDDA-13B1-1C49-9039-E8B74E91AF8C}" destId="{CFA5CED5-7C56-4A49-B936-9CAE20D71DF5}" srcOrd="0" destOrd="0" presId="urn:microsoft.com/office/officeart/2005/8/layout/hierarchy1"/>
+    <dgm:cxn modelId="{0AE6514A-A289-3448-8975-A9E01EA401E9}" type="presParOf" srcId="{CFA5CED5-7C56-4A49-B936-9CAE20D71DF5}" destId="{8762B50A-F3D8-B149-BB24-F69D5BC31DE3}" srcOrd="0" destOrd="0" presId="urn:microsoft.com/office/officeart/2005/8/layout/hierarchy1"/>
+    <dgm:cxn modelId="{7D6CE881-0C11-AA4A-A871-D6CEEB164817}" type="presParOf" srcId="{CFA5CED5-7C56-4A49-B936-9CAE20D71DF5}" destId="{B4B6B9A3-F9F7-FB49-80C8-7A3D87BAB5A7}" srcOrd="1" destOrd="0" presId="urn:microsoft.com/office/officeart/2005/8/layout/hierarchy1"/>
+    <dgm:cxn modelId="{94F9E162-A3AB-F04D-97F1-34FCA6E4350C}" type="presParOf" srcId="{7639FDDA-13B1-1C49-9039-E8B74E91AF8C}" destId="{6F4D7A0D-705B-B64A-B873-A437502D6256}" srcOrd="1" destOrd="0" presId="urn:microsoft.com/office/officeart/2005/8/layout/hierarchy1"/>
+  </dgm:cxnLst>
+  <dgm:bg/>
+  <dgm:whole/>
+  <dgm:extLst>
+    <a:ext uri="http://schemas.microsoft.com/office/drawing/2008/diagram">
+      <dsp:dataModelExt xmlns:dsp="http://schemas.microsoft.com/office/drawing/2008/diagram" relId="rId6" minVer="http://schemas.openxmlformats.org/drawingml/2006/diagram"/>
+    </a:ext>
+  </dgm:extLst>
+</dgm:dataModel>
+</file>
+
+<file path=ppt/diagrams/drawing1.xml><?xml version="1.0" encoding="utf-8"?>
+<dsp:drawing xmlns:dgm="http://schemas.openxmlformats.org/drawingml/2006/diagram" xmlns:dsp="http://schemas.microsoft.com/office/drawing/2008/diagram" xmlns:a="http://schemas.openxmlformats.org/drawingml/2006/main">
+  <dsp:spTree>
+    <dsp:nvGrpSpPr>
+      <dsp:cNvPr id="0" name=""/>
+      <dsp:cNvGrpSpPr/>
+    </dsp:nvGrpSpPr>
+    <dsp:grpSpPr/>
+    <dsp:sp modelId="{99F9E606-C7F4-0541-9B22-BBE40C974576}">
+      <dsp:nvSpPr>
+        <dsp:cNvPr id="0" name=""/>
+        <dsp:cNvSpPr/>
+      </dsp:nvSpPr>
+      <dsp:spPr>
+        <a:xfrm>
+          <a:off x="0" y="736997"/>
+          <a:ext cx="2862857" cy="1817914"/>
+        </a:xfrm>
+        <a:prstGeom prst="roundRect">
+          <a:avLst>
+            <a:gd name="adj" fmla="val 10000"/>
+          </a:avLst>
+        </a:prstGeom>
+        <a:solidFill>
+          <a:schemeClr val="accent3">
+            <a:alpha val="80000"/>
+            <a:hueOff val="0"/>
+            <a:satOff val="0"/>
+            <a:lumOff val="0"/>
+            <a:alphaOff val="0"/>
+          </a:schemeClr>
+        </a:solidFill>
+        <a:ln w="12700" cap="flat" cmpd="sng" algn="in">
+          <a:solidFill>
+            <a:schemeClr val="lt1">
+              <a:hueOff val="0"/>
+              <a:satOff val="0"/>
+              <a:lumOff val="0"/>
+              <a:alphaOff val="0"/>
+            </a:schemeClr>
+          </a:solidFill>
+          <a:prstDash val="solid"/>
+        </a:ln>
+        <a:effectLst/>
+      </dsp:spPr>
+      <dsp:style>
+        <a:lnRef idx="2">
+          <a:scrgbClr r="0" g="0" b="0"/>
+        </a:lnRef>
+        <a:fillRef idx="1">
+          <a:scrgbClr r="0" g="0" b="0"/>
+        </a:fillRef>
+        <a:effectRef idx="0">
+          <a:scrgbClr r="0" g="0" b="0"/>
+        </a:effectRef>
+        <a:fontRef idx="minor">
+          <a:schemeClr val="lt1"/>
+        </a:fontRef>
+      </dsp:style>
+    </dsp:sp>
+    <dsp:sp modelId="{05BF8C9E-7A4C-E649-AF33-4407174FE5BA}">
+      <dsp:nvSpPr>
+        <dsp:cNvPr id="0" name=""/>
+        <dsp:cNvSpPr/>
+      </dsp:nvSpPr>
+      <dsp:spPr>
+        <a:xfrm>
+          <a:off x="318095" y="1039187"/>
+          <a:ext cx="2862857" cy="1817914"/>
+        </a:xfrm>
+        <a:prstGeom prst="roundRect">
+          <a:avLst>
+            <a:gd name="adj" fmla="val 10000"/>
+          </a:avLst>
+        </a:prstGeom>
+        <a:solidFill>
+          <a:schemeClr val="lt1">
+            <a:alpha val="90000"/>
+            <a:hueOff val="0"/>
+            <a:satOff val="0"/>
+            <a:lumOff val="0"/>
+            <a:alphaOff val="0"/>
+          </a:schemeClr>
+        </a:solidFill>
+        <a:ln w="12700" cap="flat" cmpd="sng" algn="in">
+          <a:solidFill>
+            <a:schemeClr val="accent3">
+              <a:shade val="80000"/>
+              <a:hueOff val="0"/>
+              <a:satOff val="0"/>
+              <a:lumOff val="0"/>
+              <a:alphaOff val="0"/>
+            </a:schemeClr>
+          </a:solidFill>
+          <a:prstDash val="solid"/>
+        </a:ln>
+        <a:effectLst/>
+      </dsp:spPr>
+      <dsp:style>
+        <a:lnRef idx="2">
+          <a:scrgbClr r="0" g="0" b="0"/>
+        </a:lnRef>
+        <a:fillRef idx="1">
+          <a:scrgbClr r="0" g="0" b="0"/>
+        </a:fillRef>
+        <a:effectRef idx="0">
+          <a:scrgbClr r="0" g="0" b="0"/>
+        </a:effectRef>
+        <a:fontRef idx="minor"/>
+      </dsp:style>
+      <dsp:txBody>
+        <a:bodyPr spcFirstLastPara="0" vert="horz" wrap="square" lIns="137160" tIns="137160" rIns="137160" bIns="137160" numCol="1" spcCol="1270" anchor="ctr" anchorCtr="0">
+          <a:noAutofit/>
+        </a:bodyPr>
+        <a:lstStyle/>
+        <a:p>
+          <a:pPr lvl="0" algn="ctr" defTabSz="1600200">
+            <a:lnSpc>
+              <a:spcPct val="90000"/>
+            </a:lnSpc>
+            <a:spcBef>
+              <a:spcPct val="0"/>
+            </a:spcBef>
+            <a:spcAft>
+              <a:spcPct val="35000"/>
+            </a:spcAft>
+          </a:pPr>
+          <a:r>
+            <a:rPr lang="en-US" sz="3600" kern="1200"/>
+            <a:t>One of the primitive data types</a:t>
+          </a:r>
+        </a:p>
+      </dsp:txBody>
+      <dsp:txXfrm>
+        <a:off x="371340" y="1092432"/>
+        <a:ext cx="2756367" cy="1711424"/>
+      </dsp:txXfrm>
+    </dsp:sp>
+    <dsp:sp modelId="{F8F23933-8675-9A41-B7FE-A8DA45792BCF}">
+      <dsp:nvSpPr>
+        <dsp:cNvPr id="0" name=""/>
+        <dsp:cNvSpPr/>
+      </dsp:nvSpPr>
+      <dsp:spPr>
+        <a:xfrm>
+          <a:off x="3499048" y="736997"/>
+          <a:ext cx="2862857" cy="1817914"/>
+        </a:xfrm>
+        <a:prstGeom prst="roundRect">
+          <a:avLst>
+            <a:gd name="adj" fmla="val 10000"/>
+          </a:avLst>
+        </a:prstGeom>
+        <a:solidFill>
+          <a:schemeClr val="accent3">
+            <a:alpha val="80000"/>
+            <a:hueOff val="0"/>
+            <a:satOff val="0"/>
+            <a:lumOff val="0"/>
+            <a:alphaOff val="0"/>
+          </a:schemeClr>
+        </a:solidFill>
+        <a:ln w="12700" cap="flat" cmpd="sng" algn="in">
+          <a:solidFill>
+            <a:schemeClr val="lt1">
+              <a:hueOff val="0"/>
+              <a:satOff val="0"/>
+              <a:lumOff val="0"/>
+              <a:alphaOff val="0"/>
+            </a:schemeClr>
+          </a:solidFill>
+          <a:prstDash val="solid"/>
+        </a:ln>
+        <a:effectLst/>
+      </dsp:spPr>
+      <dsp:style>
+        <a:lnRef idx="2">
+          <a:scrgbClr r="0" g="0" b="0"/>
+        </a:lnRef>
+        <a:fillRef idx="1">
+          <a:scrgbClr r="0" g="0" b="0"/>
+        </a:fillRef>
+        <a:effectRef idx="0">
+          <a:scrgbClr r="0" g="0" b="0"/>
+        </a:effectRef>
+        <a:fontRef idx="minor">
+          <a:schemeClr val="lt1"/>
+        </a:fontRef>
+      </dsp:style>
+    </dsp:sp>
+    <dsp:sp modelId="{169A7944-C651-A347-B425-0C7CD48B5B68}">
+      <dsp:nvSpPr>
+        <dsp:cNvPr id="0" name=""/>
+        <dsp:cNvSpPr/>
+      </dsp:nvSpPr>
+      <dsp:spPr>
+        <a:xfrm>
+          <a:off x="3817143" y="1039187"/>
+          <a:ext cx="2862857" cy="1817914"/>
+        </a:xfrm>
+        <a:prstGeom prst="roundRect">
+          <a:avLst>
+            <a:gd name="adj" fmla="val 10000"/>
+          </a:avLst>
+        </a:prstGeom>
+        <a:solidFill>
+          <a:schemeClr val="lt1">
+            <a:alpha val="90000"/>
+            <a:hueOff val="0"/>
+            <a:satOff val="0"/>
+            <a:lumOff val="0"/>
+            <a:alphaOff val="0"/>
+          </a:schemeClr>
+        </a:solidFill>
+        <a:ln w="12700" cap="flat" cmpd="sng" algn="in">
+          <a:solidFill>
+            <a:schemeClr val="accent3">
+              <a:shade val="80000"/>
+              <a:hueOff val="0"/>
+              <a:satOff val="0"/>
+              <a:lumOff val="0"/>
+              <a:alphaOff val="0"/>
+            </a:schemeClr>
+          </a:solidFill>
+          <a:prstDash val="solid"/>
+        </a:ln>
+        <a:effectLst/>
+      </dsp:spPr>
+      <dsp:style>
+        <a:lnRef idx="2">
+          <a:scrgbClr r="0" g="0" b="0"/>
+        </a:lnRef>
+        <a:fillRef idx="1">
+          <a:scrgbClr r="0" g="0" b="0"/>
+        </a:fillRef>
+        <a:effectRef idx="0">
+          <a:scrgbClr r="0" g="0" b="0"/>
+        </a:effectRef>
+        <a:fontRef idx="minor"/>
+      </dsp:style>
+      <dsp:txBody>
+        <a:bodyPr spcFirstLastPara="0" vert="horz" wrap="square" lIns="137160" tIns="137160" rIns="137160" bIns="137160" numCol="1" spcCol="1270" anchor="ctr" anchorCtr="0">
+          <a:noAutofit/>
+        </a:bodyPr>
+        <a:lstStyle/>
+        <a:p>
+          <a:pPr lvl="0" algn="ctr" defTabSz="1600200">
+            <a:lnSpc>
+              <a:spcPct val="90000"/>
+            </a:lnSpc>
+            <a:spcBef>
+              <a:spcPct val="0"/>
+            </a:spcBef>
+            <a:spcAft>
+              <a:spcPct val="35000"/>
+            </a:spcAft>
+          </a:pPr>
+          <a:r>
+            <a:rPr lang="en-US" sz="3600" kern="1200"/>
+            <a:t>Two values: true and false</a:t>
+          </a:r>
+        </a:p>
+      </dsp:txBody>
+      <dsp:txXfrm>
+        <a:off x="3870388" y="1092432"/>
+        <a:ext cx="2756367" cy="1711424"/>
+      </dsp:txXfrm>
+    </dsp:sp>
+    <dsp:sp modelId="{8762B50A-F3D8-B149-BB24-F69D5BC31DE3}">
+      <dsp:nvSpPr>
+        <dsp:cNvPr id="0" name=""/>
+        <dsp:cNvSpPr/>
+      </dsp:nvSpPr>
+      <dsp:spPr>
+        <a:xfrm>
+          <a:off x="6998096" y="736997"/>
+          <a:ext cx="2862857" cy="1817914"/>
+        </a:xfrm>
+        <a:prstGeom prst="roundRect">
+          <a:avLst>
+            <a:gd name="adj" fmla="val 10000"/>
+          </a:avLst>
+        </a:prstGeom>
+        <a:solidFill>
+          <a:schemeClr val="accent3">
+            <a:alpha val="80000"/>
+            <a:hueOff val="0"/>
+            <a:satOff val="0"/>
+            <a:lumOff val="0"/>
+            <a:alphaOff val="0"/>
+          </a:schemeClr>
+        </a:solidFill>
+        <a:ln w="12700" cap="flat" cmpd="sng" algn="in">
+          <a:solidFill>
+            <a:schemeClr val="lt1">
+              <a:hueOff val="0"/>
+              <a:satOff val="0"/>
+              <a:lumOff val="0"/>
+              <a:alphaOff val="0"/>
+            </a:schemeClr>
+          </a:solidFill>
+          <a:prstDash val="solid"/>
+        </a:ln>
+        <a:effectLst/>
+      </dsp:spPr>
+      <dsp:style>
+        <a:lnRef idx="2">
+          <a:scrgbClr r="0" g="0" b="0"/>
+        </a:lnRef>
+        <a:fillRef idx="1">
+          <a:scrgbClr r="0" g="0" b="0"/>
+        </a:fillRef>
+        <a:effectRef idx="0">
+          <a:scrgbClr r="0" g="0" b="0"/>
+        </a:effectRef>
+        <a:fontRef idx="minor">
+          <a:schemeClr val="lt1"/>
+        </a:fontRef>
+      </dsp:style>
+    </dsp:sp>
+    <dsp:sp modelId="{B4B6B9A3-F9F7-FB49-80C8-7A3D87BAB5A7}">
+      <dsp:nvSpPr>
+        <dsp:cNvPr id="0" name=""/>
+        <dsp:cNvSpPr/>
+      </dsp:nvSpPr>
+      <dsp:spPr>
+        <a:xfrm>
+          <a:off x="7316192" y="1039187"/>
+          <a:ext cx="2862857" cy="1817914"/>
+        </a:xfrm>
+        <a:prstGeom prst="roundRect">
+          <a:avLst>
+            <a:gd name="adj" fmla="val 10000"/>
+          </a:avLst>
+        </a:prstGeom>
+        <a:solidFill>
+          <a:schemeClr val="lt1">
+            <a:alpha val="90000"/>
+            <a:hueOff val="0"/>
+            <a:satOff val="0"/>
+            <a:lumOff val="0"/>
+            <a:alphaOff val="0"/>
+          </a:schemeClr>
+        </a:solidFill>
+        <a:ln w="12700" cap="flat" cmpd="sng" algn="in">
+          <a:solidFill>
+            <a:schemeClr val="accent3">
+              <a:shade val="80000"/>
+              <a:hueOff val="0"/>
+              <a:satOff val="0"/>
+              <a:lumOff val="0"/>
+              <a:alphaOff val="0"/>
+            </a:schemeClr>
+          </a:solidFill>
+          <a:prstDash val="solid"/>
+        </a:ln>
+        <a:effectLst/>
+      </dsp:spPr>
+      <dsp:style>
+        <a:lnRef idx="2">
+          <a:scrgbClr r="0" g="0" b="0"/>
+        </a:lnRef>
+        <a:fillRef idx="1">
+          <a:scrgbClr r="0" g="0" b="0"/>
+        </a:fillRef>
+        <a:effectRef idx="0">
+          <a:scrgbClr r="0" g="0" b="0"/>
+        </a:effectRef>
+        <a:fontRef idx="minor"/>
+      </dsp:style>
+      <dsp:txBody>
+        <a:bodyPr spcFirstLastPara="0" vert="horz" wrap="square" lIns="137160" tIns="137160" rIns="137160" bIns="137160" numCol="1" spcCol="1270" anchor="ctr" anchorCtr="0">
+          <a:noAutofit/>
+        </a:bodyPr>
+        <a:lstStyle/>
+        <a:p>
+          <a:pPr lvl="0" algn="ctr" defTabSz="1600200">
+            <a:lnSpc>
+              <a:spcPct val="90000"/>
+            </a:lnSpc>
+            <a:spcBef>
+              <a:spcPct val="0"/>
+            </a:spcBef>
+            <a:spcAft>
+              <a:spcPct val="35000"/>
+            </a:spcAft>
+          </a:pPr>
+          <a:r>
+            <a:rPr lang="en-US" sz="3600" kern="1200"/>
+            <a:t>Can be used in conditionals</a:t>
+          </a:r>
+        </a:p>
+      </dsp:txBody>
+      <dsp:txXfrm>
+        <a:off x="7369437" y="1092432"/>
+        <a:ext cx="2756367" cy="1711424"/>
+      </dsp:txXfrm>
+    </dsp:sp>
+  </dsp:spTree>
+</dsp:drawing>
+</file>
+
+<file path=ppt/diagrams/layout1.xml><?xml version="1.0" encoding="utf-8"?>
+<dgm:layoutDef xmlns:dgm="http://schemas.openxmlformats.org/drawingml/2006/diagram" xmlns:a="http://schemas.openxmlformats.org/drawingml/2006/main" uniqueId="urn:microsoft.com/office/officeart/2005/8/layout/hierarchy1">
+  <dgm:title val=""/>
+  <dgm:desc val=""/>
+  <dgm:catLst>
+    <dgm:cat type="hierarchy" pri="2000"/>
+  </dgm:catLst>
+  <dgm:sampData>
+    <dgm:dataModel>
+      <dgm:ptLst>
+        <dgm:pt modelId="0" type="doc"/>
+        <dgm:pt modelId="1">
+          <dgm:prSet phldr="1"/>
+        </dgm:pt>
+        <dgm:pt modelId="2">
+          <dgm:prSet phldr="1"/>
+        </dgm:pt>
+        <dgm:pt modelId="21">
+          <dgm:prSet phldr="1"/>
+        </dgm:pt>
+        <dgm:pt modelId="22">
+          <dgm:prSet phldr="1"/>
+        </dgm:pt>
+        <dgm:pt modelId="3">
+          <dgm:prSet phldr="1"/>
+        </dgm:pt>
+        <dgm:pt modelId="31">
+          <dgm:prSet phldr="1"/>
+        </dgm:pt>
+      </dgm:ptLst>
+      <dgm:cxnLst>
+        <dgm:cxn modelId="4" srcId="0" destId="1" srcOrd="0" destOrd="0"/>
+        <dgm:cxn modelId="5" srcId="1" destId="2" srcOrd="0" destOrd="0"/>
+        <dgm:cxn modelId="6" srcId="1" destId="3" srcOrd="1" destOrd="0"/>
+        <dgm:cxn modelId="23" srcId="2" destId="21" srcOrd="0" destOrd="0"/>
+        <dgm:cxn modelId="24" srcId="2" destId="22" srcOrd="1" destOrd="0"/>
+        <dgm:cxn modelId="33" srcId="3" destId="31" srcOrd="0" destOrd="0"/>
+      </dgm:cxnLst>
+      <dgm:bg/>
+      <dgm:whole/>
+    </dgm:dataModel>
+  </dgm:sampData>
+  <dgm:styleData>
+    <dgm:dataModel>
+      <dgm:ptLst>
+        <dgm:pt modelId="0" type="doc"/>
+        <dgm:pt modelId="1"/>
+        <dgm:pt modelId="11"/>
+        <dgm:pt modelId="12"/>
+      </dgm:ptLst>
+      <dgm:cxnLst>
+        <dgm:cxn modelId="2" srcId="0" destId="1" srcOrd="0" destOrd="0"/>
+        <dgm:cxn modelId="13" srcId="1" destId="11" srcOrd="0" destOrd="0"/>
+        <dgm:cxn modelId="14" srcId="1" destId="12" srcOrd="1" destOrd="0"/>
+      </dgm:cxnLst>
+      <dgm:bg/>
+      <dgm:whole/>
+    </dgm:dataModel>
+  </dgm:styleData>
+  <dgm:clrData>
+    <dgm:dataModel>
+      <dgm:ptLst>
+        <dgm:pt modelId="0" type="doc"/>
+        <dgm:pt modelId="1"/>
+        <dgm:pt modelId="2"/>
+        <dgm:pt modelId="21"/>
+        <dgm:pt modelId="211"/>
+        <dgm:pt modelId="3"/>
+        <dgm:pt modelId="31"/>
+        <dgm:pt modelId="311"/>
+      </dgm:ptLst>
+      <dgm:cxnLst>
+        <dgm:cxn modelId="4" srcId="0" destId="1" srcOrd="0" destOrd="0"/>
+        <dgm:cxn modelId="5" srcId="1" destId="2" srcOrd="0" destOrd="0"/>
+        <dgm:cxn modelId="6" srcId="1" destId="3" srcOrd="1" destOrd="0"/>
+        <dgm:cxn modelId="23" srcId="2" destId="21" srcOrd="0" destOrd="0"/>
+        <dgm:cxn modelId="24" srcId="21" destId="211" srcOrd="0" destOrd="0"/>
+        <dgm:cxn modelId="33" srcId="3" destId="31" srcOrd="0" destOrd="0"/>
+        <dgm:cxn modelId="34" srcId="31" destId="311" srcOrd="0" destOrd="0"/>
+      </dgm:cxnLst>
+      <dgm:bg/>
+      <dgm:whole/>
+    </dgm:dataModel>
+  </dgm:clrData>
+  <dgm:layoutNode name="hierChild1">
+    <dgm:varLst>
+      <dgm:chPref val="1"/>
+      <dgm:dir/>
+      <dgm:animOne val="branch"/>
+      <dgm:animLvl val="lvl"/>
+      <dgm:resizeHandles/>
+    </dgm:varLst>
+    <dgm:choose name="Name0">
+      <dgm:if name="Name1" func="var" arg="dir" op="equ" val="norm">
+        <dgm:alg type="hierChild">
+          <dgm:param type="linDir" val="fromL"/>
+        </dgm:alg>
+      </dgm:if>
+      <dgm:else name="Name2">
+        <dgm:alg type="hierChild">
+          <dgm:param type="linDir" val="fromR"/>
+        </dgm:alg>
+      </dgm:else>
+    </dgm:choose>
+    <dgm:shape xmlns:r="http://schemas.openxmlformats.org/officeDocument/2006/relationships" r:blip="">
+      <dgm:adjLst/>
+    </dgm:shape>
+    <dgm:presOf/>
+    <dgm:constrLst>
+      <dgm:constr type="primFontSz" for="des" ptType="node" op="equ" val="65"/>
+      <dgm:constr type="w" for="des" forName="composite" refType="w"/>
+      <dgm:constr type="h" for="des" forName="composite" refType="w" refFor="des" refForName="composite" fact="0.667"/>
+      <dgm:constr type="w" for="des" forName="composite2" refType="w" refFor="des" refForName="composite"/>
+      <dgm:constr type="h" for="des" forName="composite2" refType="h" refFor="des" refForName="composite"/>
+      <dgm:constr type="w" for="des" forName="composite3" refType="w" refFor="des" refForName="composite"/>
+      <dgm:constr type="h" for="des" forName="composite3" refType="h" refFor="des" refForName="composite"/>
+      <dgm:constr type="w" for="des" forName="composite4" refType="w" refFor="des" refForName="composite"/>
+      <dgm:constr type="h" for="des" forName="composite4" refType="h" refFor="des" refForName="composite"/>
+      <dgm:constr type="w" for="des" forName="composite5" refType="w" refFor="des" refForName="composite"/>
+      <dgm:constr type="h" for="des" forName="composite5" refType="h" refFor="des" refForName="composite"/>
+      <dgm:constr type="sibSp" refType="w" refFor="des" refForName="composite" fact="0.1"/>
+      <dgm:constr type="sibSp" for="des" forName="hierChild2" refType="sibSp"/>
+      <dgm:constr type="sibSp" for="des" forName="hierChild3" refType="sibSp"/>
+      <dgm:constr type="sibSp" for="des" forName="hierChild4" refType="sibSp"/>
+      <dgm:constr type="sibSp" for="des" forName="hierChild5" refType="sibSp"/>
+      <dgm:constr type="sibSp" for="des" forName="hierChild6" refType="sibSp"/>
+      <dgm:constr type="sp" for="des" forName="hierRoot1" refType="h" refFor="des" refForName="composite" fact="0.25"/>
+      <dgm:constr type="sp" for="des" forName="hierRoot2" refType="sp" refFor="des" refForName="hierRoot1"/>
+      <dgm:constr type="sp" for="des" forName="hierRoot3" refType="sp" refFor="des" refForName="hierRoot1"/>
+      <dgm:constr type="sp" for="des" forName="hierRoot4" refType="sp" refFor="des" refForName="hierRoot1"/>
+      <dgm:constr type="sp" for="des" forName="hierRoot5" refType="sp" refFor="des" refForName="hierRoot1"/>
+    </dgm:constrLst>
+    <dgm:ruleLst/>
+    <dgm:forEach name="Name3" axis="ch">
+      <dgm:forEach name="Name4" axis="self" ptType="node">
+        <dgm:layoutNode name="hierRoot1">
+          <dgm:alg type="hierRoot"/>
+          <dgm:shape xmlns:r="http://schemas.openxmlformats.org/officeDocument/2006/relationships" r:blip="">
+            <dgm:adjLst/>
+          </dgm:shape>
+          <dgm:presOf/>
+          <dgm:constrLst>
+            <dgm:constr type="bendDist" for="des" ptType="parTrans" refType="sp" fact="0.5"/>
+          </dgm:constrLst>
+          <dgm:ruleLst/>
+          <dgm:layoutNode name="composite">
+            <dgm:alg type="composite"/>
+            <dgm:shape xmlns:r="http://schemas.openxmlformats.org/officeDocument/2006/relationships" r:blip="">
+              <dgm:adjLst/>
+            </dgm:shape>
+            <dgm:presOf/>
+            <dgm:constrLst>
+              <dgm:constr type="w" for="ch" forName="background" refType="w" fact="0.9"/>
+              <dgm:constr type="h" for="ch" forName="background" refType="w" refFor="ch" refForName="background" fact="0.635"/>
+              <dgm:constr type="t" for="ch" forName="background"/>
+              <dgm:constr type="l" for="ch" forName="background"/>
+              <dgm:constr type="w" for="ch" forName="text" refType="w" fact="0.9"/>
+              <dgm:constr type="h" for="ch" forName="text" refType="w" refFor="ch" refForName="text" fact="0.635"/>
+              <dgm:constr type="t" for="ch" forName="text" refType="w" fact="0.095"/>
+              <dgm:constr type="l" for="ch" forName="text" refType="w" fact="0.1"/>
+            </dgm:constrLst>
+            <dgm:ruleLst/>
+            <dgm:layoutNode name="background" styleLbl="node0" moveWith="text">
+              <dgm:alg type="sp"/>
+              <dgm:shape xmlns:r="http://schemas.openxmlformats.org/officeDocument/2006/relationships" type="roundRect" r:blip="">
+                <dgm:adjLst>
+                  <dgm:adj idx="1" val="0.1"/>
+                </dgm:adjLst>
+              </dgm:shape>
+              <dgm:presOf/>
+              <dgm:constrLst/>
+              <dgm:ruleLst/>
+            </dgm:layoutNode>
+            <dgm:layoutNode name="text" styleLbl="fgAcc0">
+              <dgm:varLst>
+                <dgm:chPref val="3"/>
+              </dgm:varLst>
+              <dgm:alg type="tx"/>
+              <dgm:shape xmlns:r="http://schemas.openxmlformats.org/officeDocument/2006/relationships" type="roundRect" r:blip="">
+                <dgm:adjLst>
+                  <dgm:adj idx="1" val="0.1"/>
+                </dgm:adjLst>
+              </dgm:shape>
+              <dgm:presOf axis="self"/>
+              <dgm:constrLst>
+                <dgm:constr type="tMarg" refType="primFontSz" fact="0.3"/>
+                <dgm:constr type="bMarg" refType="primFontSz" fact="0.3"/>
+                <dgm:constr type="lMarg" refType="primFontSz" fact="0.3"/>
+                <dgm:constr type="rMarg" refType="primFontSz" fact="0.3"/>
+              </dgm:constrLst>
+              <dgm:ruleLst>
+                <dgm:rule type="primFontSz" val="5" fact="NaN" max="NaN"/>
+              </dgm:ruleLst>
+            </dgm:layoutNode>
+          </dgm:layoutNode>
+          <dgm:layoutNode name="hierChild2">
+            <dgm:choose name="Name5">
+              <dgm:if name="Name6" func="var" arg="dir" op="equ" val="norm">
+                <dgm:alg type="hierChild">
+                  <dgm:param type="linDir" val="fromL"/>
+                </dgm:alg>
+              </dgm:if>
+              <dgm:else name="Name7">
+                <dgm:alg type="hierChild">
+                  <dgm:param type="linDir" val="fromR"/>
+                </dgm:alg>
+              </dgm:else>
+            </dgm:choose>
+            <dgm:shape xmlns:r="http://schemas.openxmlformats.org/officeDocument/2006/relationships" r:blip="">
+              <dgm:adjLst/>
+            </dgm:shape>
+            <dgm:presOf/>
+            <dgm:constrLst/>
+            <dgm:ruleLst/>
+            <dgm:forEach name="Name8" axis="ch">
+              <dgm:forEach name="Name9" axis="self" ptType="parTrans" cnt="1">
+                <dgm:layoutNode name="Name10">
+                  <dgm:alg type="conn">
+                    <dgm:param type="dim" val="1D"/>
+                    <dgm:param type="endSty" val="noArr"/>
+                    <dgm:param type="connRout" val="bend"/>
+                    <dgm:param type="bendPt" val="end"/>
+                    <dgm:param type="begPts" val="bCtr"/>
+                    <dgm:param type="endPts" val="tCtr"/>
+                    <dgm:param type="srcNode" val="background"/>
+                    <dgm:param type="dstNode" val="background2"/>
+                  </dgm:alg>
+                  <dgm:shape xmlns:r="http://schemas.openxmlformats.org/officeDocument/2006/relationships" type="conn" r:blip="" zOrderOff="-999">
+                    <dgm:adjLst/>
+                  </dgm:shape>
+                  <dgm:presOf axis="self"/>
+                  <dgm:constrLst>
+                    <dgm:constr type="begPad"/>
+                    <dgm:constr type="endPad"/>
+                  </dgm:constrLst>
+                  <dgm:ruleLst/>
+                </dgm:layoutNode>
+              </dgm:forEach>
+              <dgm:forEach name="Name11" axis="self" ptType="node">
+                <dgm:layoutNode name="hierRoot2">
+                  <dgm:alg type="hierRoot"/>
+                  <dgm:shape xmlns:r="http://schemas.openxmlformats.org/officeDocument/2006/relationships" r:blip="">
+                    <dgm:adjLst/>
+                  </dgm:shape>
+                  <dgm:presOf/>
+                  <dgm:constrLst>
+                    <dgm:constr type="bendDist" for="des" ptType="parTrans" refType="sp" fact="0.5"/>
+                  </dgm:constrLst>
+                  <dgm:ruleLst/>
+                  <dgm:layoutNode name="composite2">
+                    <dgm:alg type="composite"/>
+                    <dgm:shape xmlns:r="http://schemas.openxmlformats.org/officeDocument/2006/relationships" r:blip="">
+                      <dgm:adjLst/>
+                    </dgm:shape>
+                    <dgm:presOf/>
+                    <dgm:constrLst>
+                      <dgm:constr type="w" for="ch" forName="background2" refType="w" fact="0.9"/>
+                      <dgm:constr type="h" for="ch" forName="background2" refType="w" refFor="ch" refForName="background2" fact="0.635"/>
+                      <dgm:constr type="t" for="ch" forName="background2"/>
+                      <dgm:constr type="l" for="ch" forName="background2"/>
+                      <dgm:constr type="w" for="ch" forName="text2" refType="w" fact="0.9"/>
+                      <dgm:constr type="h" for="ch" forName="text2" refType="w" refFor="ch" refForName="text2" fact="0.635"/>
+                      <dgm:constr type="t" for="ch" forName="text2" refType="w" fact="0.095"/>
+                      <dgm:constr type="l" for="ch" forName="text2" refType="w" fact="0.1"/>
+                    </dgm:constrLst>
+                    <dgm:ruleLst/>
+                    <dgm:layoutNode name="background2" moveWith="text2">
+                      <dgm:alg type="sp"/>
+                      <dgm:shape xmlns:r="http://schemas.openxmlformats.org/officeDocument/2006/relationships" type="roundRect" r:blip="">
+                        <dgm:adjLst>
+                          <dgm:adj idx="1" val="0.1"/>
+                        </dgm:adjLst>
+                      </dgm:shape>
+                      <dgm:presOf/>
+                      <dgm:constrLst/>
+                      <dgm:ruleLst/>
+                    </dgm:layoutNode>
+                    <dgm:layoutNode name="text2" styleLbl="fgAcc2">
+                      <dgm:varLst>
+                        <dgm:chPref val="3"/>
+                      </dgm:varLst>
+                      <dgm:alg type="tx"/>
+                      <dgm:shape xmlns:r="http://schemas.openxmlformats.org/officeDocument/2006/relationships" type="roundRect" r:blip="">
+                        <dgm:adjLst>
+                          <dgm:adj idx="1" val="0.1"/>
+                        </dgm:adjLst>
+                      </dgm:shape>
+                      <dgm:presOf axis="self"/>
+                      <dgm:constrLst>
+                        <dgm:constr type="tMarg" refType="primFontSz" fact="0.3"/>
+                        <dgm:constr type="bMarg" refType="primFontSz" fact="0.3"/>
+                        <dgm:constr type="lMarg" refType="primFontSz" fact="0.3"/>
+                        <dgm:constr type="rMarg" refType="primFontSz" fact="0.3"/>
+                      </dgm:constrLst>
+                      <dgm:ruleLst>
+                        <dgm:rule type="primFontSz" val="5" fact="NaN" max="NaN"/>
+                      </dgm:ruleLst>
+                    </dgm:layoutNode>
+                  </dgm:layoutNode>
+                  <dgm:layoutNode name="hierChild3">
+                    <dgm:choose name="Name12">
+                      <dgm:if name="Name13" func="var" arg="dir" op="equ" val="norm">
+                        <dgm:alg type="hierChild">
+                          <dgm:param type="linDir" val="fromL"/>
+                        </dgm:alg>
+                      </dgm:if>
+                      <dgm:else name="Name14">
+                        <dgm:alg type="hierChild">
+                          <dgm:param type="linDir" val="fromR"/>
+                        </dgm:alg>
+                      </dgm:else>
+                    </dgm:choose>
+                    <dgm:shape xmlns:r="http://schemas.openxmlformats.org/officeDocument/2006/relationships" r:blip="">
+                      <dgm:adjLst/>
+                    </dgm:shape>
+                    <dgm:presOf/>
+                    <dgm:constrLst/>
+                    <dgm:ruleLst/>
+                    <dgm:forEach name="Name15" axis="ch">
+                      <dgm:forEach name="Name16" axis="self" ptType="parTrans" cnt="1">
+                        <dgm:layoutNode name="Name17">
+                          <dgm:alg type="conn">
+                            <dgm:param type="dim" val="1D"/>
+                            <dgm:param type="endSty" val="noArr"/>
+                            <dgm:param type="connRout" val="bend"/>
+                            <dgm:param type="bendPt" val="end"/>
+                            <dgm:param type="begPts" val="bCtr"/>
+                            <dgm:param type="endPts" val="tCtr"/>
+                            <dgm:param type="srcNode" val="background2"/>
+                            <dgm:param type="dstNode" val="background3"/>
+                          </dgm:alg>
+                          <dgm:shape xmlns:r="http://schemas.openxmlformats.org/officeDocument/2006/relationships" type="conn" r:blip="" zOrderOff="-999">
+                            <dgm:adjLst/>
+                          </dgm:shape>
+                          <dgm:presOf axis="self"/>
+                          <dgm:constrLst>
+                            <dgm:constr type="begPad"/>
+                            <dgm:constr type="endPad"/>
+                          </dgm:constrLst>
+                          <dgm:ruleLst/>
+                        </dgm:layoutNode>
+                      </dgm:forEach>
+                      <dgm:forEach name="Name18" axis="self" ptType="node">
+                        <dgm:layoutNode name="hierRoot3">
+                          <dgm:alg type="hierRoot"/>
+                          <dgm:shape xmlns:r="http://schemas.openxmlformats.org/officeDocument/2006/relationships" r:blip="">
+                            <dgm:adjLst/>
+                          </dgm:shape>
+                          <dgm:presOf/>
+                          <dgm:constrLst>
+                            <dgm:constr type="bendDist" for="des" ptType="parTrans" refType="sp" fact="0.5"/>
+                          </dgm:constrLst>
+                          <dgm:ruleLst/>
+                          <dgm:layoutNode name="composite3">
+                            <dgm:alg type="composite"/>
+                            <dgm:shape xmlns:r="http://schemas.openxmlformats.org/officeDocument/2006/relationships" r:blip="">
+                              <dgm:adjLst/>
+                            </dgm:shape>
+                            <dgm:presOf/>
+                            <dgm:constrLst>
+                              <dgm:constr type="w" for="ch" forName="background3" refType="w" fact="0.9"/>
+                              <dgm:constr type="h" for="ch" forName="background3" refType="w" refFor="ch" refForName="background3" fact="0.635"/>
+                              <dgm:constr type="t" for="ch" forName="background3"/>
+                              <dgm:constr type="l" for="ch" forName="background3"/>
+                              <dgm:constr type="w" for="ch" forName="text3" refType="w" fact="0.9"/>
+                              <dgm:constr type="h" for="ch" forName="text3" refType="w" refFor="ch" refForName="text3" fact="0.635"/>
+                              <dgm:constr type="t" for="ch" forName="text3" refType="w" fact="0.095"/>
+                              <dgm:constr type="l" for="ch" forName="text3" refType="w" fact="0.1"/>
+                            </dgm:constrLst>
+                            <dgm:ruleLst/>
+                            <dgm:layoutNode name="background3" moveWith="text3">
+                              <dgm:alg type="sp"/>
+                              <dgm:shape xmlns:r="http://schemas.openxmlformats.org/officeDocument/2006/relationships" type="roundRect" r:blip="">
+                                <dgm:adjLst>
+                                  <dgm:adj idx="1" val="0.1"/>
+                                </dgm:adjLst>
+                              </dgm:shape>
+                              <dgm:presOf/>
+                              <dgm:constrLst/>
+                              <dgm:ruleLst/>
+                            </dgm:layoutNode>
+                            <dgm:layoutNode name="text3" styleLbl="fgAcc3">
+                              <dgm:varLst>
+                                <dgm:chPref val="3"/>
+                              </dgm:varLst>
+                              <dgm:alg type="tx"/>
+                              <dgm:shape xmlns:r="http://schemas.openxmlformats.org/officeDocument/2006/relationships" type="roundRect" r:blip="">
+                                <dgm:adjLst>
+                                  <dgm:adj idx="1" val="0.1"/>
+                                </dgm:adjLst>
+                              </dgm:shape>
+                              <dgm:presOf axis="self"/>
+                              <dgm:constrLst>
+                                <dgm:constr type="tMarg" refType="primFontSz" fact="0.3"/>
+                                <dgm:constr type="bMarg" refType="primFontSz" fact="0.3"/>
+                                <dgm:constr type="lMarg" refType="primFontSz" fact="0.3"/>
+                                <dgm:constr type="rMarg" refType="primFontSz" fact="0.3"/>
+                              </dgm:constrLst>
+                              <dgm:ruleLst>
+                                <dgm:rule type="primFontSz" val="5" fact="NaN" max="NaN"/>
+                              </dgm:ruleLst>
+                            </dgm:layoutNode>
+                          </dgm:layoutNode>
+                          <dgm:layoutNode name="hierChild4">
+                            <dgm:choose name="Name19">
+                              <dgm:if name="Name20" func="var" arg="dir" op="equ" val="norm">
+                                <dgm:alg type="hierChild">
+                                  <dgm:param type="linDir" val="fromL"/>
+                                </dgm:alg>
+                              </dgm:if>
+                              <dgm:else name="Name21">
+                                <dgm:alg type="hierChild">
+                                  <dgm:param type="linDir" val="fromR"/>
+                                </dgm:alg>
+                              </dgm:else>
+                            </dgm:choose>
+                            <dgm:shape xmlns:r="http://schemas.openxmlformats.org/officeDocument/2006/relationships" r:blip="">
+                              <dgm:adjLst/>
+                            </dgm:shape>
+                            <dgm:presOf/>
+                            <dgm:constrLst/>
+                            <dgm:ruleLst/>
+                            <dgm:forEach name="repeat" axis="ch">
+                              <dgm:forEach name="Name22" axis="self" ptType="parTrans" cnt="1">
+                                <dgm:layoutNode name="Name23">
+                                  <dgm:choose name="Name24">
+                                    <dgm:if name="Name25" axis="self" func="depth" op="lte" val="4">
+                                      <dgm:alg type="conn">
+                                        <dgm:param type="dim" val="1D"/>
+                                        <dgm:param type="endSty" val="noArr"/>
+                                        <dgm:param type="connRout" val="bend"/>
+                                        <dgm:param type="bendPt" val="end"/>
+                                        <dgm:param type="begPts" val="bCtr"/>
+                                        <dgm:param type="endPts" val="tCtr"/>
+                                        <dgm:param type="srcNode" val="background3"/>
+                                        <dgm:param type="dstNode" val="background4"/>
+                                      </dgm:alg>
+                                    </dgm:if>
+                                    <dgm:else name="Name26">
+                                      <dgm:alg type="conn">
+                                        <dgm:param type="dim" val="1D"/>
+                                        <dgm:param type="endSty" val="noArr"/>
+                                        <dgm:param type="connRout" val="bend"/>
+                                        <dgm:param type="bendPt" val="end"/>
+                                        <dgm:param type="begPts" val="bCtr"/>
+                                        <dgm:param type="endPts" val="tCtr"/>
+                                        <dgm:param type="srcNode" val="background4"/>
+                                        <dgm:param type="dstNode" val="background4"/>
+                                      </dgm:alg>
+                                    </dgm:else>
+                                  </dgm:choose>
+                                  <dgm:shape xmlns:r="http://schemas.openxmlformats.org/officeDocument/2006/relationships" type="conn" r:blip="" zOrderOff="-999">
+                                    <dgm:adjLst/>
+                                  </dgm:shape>
+                                  <dgm:presOf axis="self"/>
+                                  <dgm:constrLst>
+                                    <dgm:constr type="begPad"/>
+                                    <dgm:constr type="endPad"/>
+                                  </dgm:constrLst>
+                                  <dgm:ruleLst/>
+                                </dgm:layoutNode>
+                              </dgm:forEach>
+                              <dgm:forEach name="Name27" axis="self" ptType="node">
+                                <dgm:layoutNode name="hierRoot4">
+                                  <dgm:alg type="hierRoot"/>
+                                  <dgm:shape xmlns:r="http://schemas.openxmlformats.org/officeDocument/2006/relationships" r:blip="">
+                                    <dgm:adjLst/>
+                                  </dgm:shape>
+                                  <dgm:presOf/>
+                                  <dgm:constrLst>
+                                    <dgm:constr type="bendDist" for="des" ptType="parTrans" refType="sp" fact="0.5"/>
+                                  </dgm:constrLst>
+                                  <dgm:ruleLst/>
+                                  <dgm:layoutNode name="composite4">
+                                    <dgm:alg type="composite"/>
+                                    <dgm:shape xmlns:r="http://schemas.openxmlformats.org/officeDocument/2006/relationships" r:blip="">
+                                      <dgm:adjLst/>
+                                    </dgm:shape>
+                                    <dgm:presOf/>
+                                    <dgm:constrLst>
+                                      <dgm:constr type="w" for="ch" forName="background4" refType="w" fact="0.9"/>
+                                      <dgm:constr type="h" for="ch" forName="background4" refType="w" refFor="ch" refForName="background4" fact="0.635"/>
+                                      <dgm:constr type="t" for="ch" forName="background4"/>
+                                      <dgm:constr type="l" for="ch" forName="background4"/>
+                                      <dgm:constr type="w" for="ch" forName="text4" refType="w" fact="0.9"/>
+                                      <dgm:constr type="h" for="ch" forName="text4" refType="w" refFor="ch" refForName="text4" fact="0.635"/>
+                                      <dgm:constr type="t" for="ch" forName="text4" refType="w" fact="0.095"/>
+                                      <dgm:constr type="l" for="ch" forName="text4" refType="w" fact="0.1"/>
+                                    </dgm:constrLst>
+                                    <dgm:ruleLst/>
+                                    <dgm:layoutNode name="background4" moveWith="text4">
+                                      <dgm:alg type="sp"/>
+                                      <dgm:shape xmlns:r="http://schemas.openxmlformats.org/officeDocument/2006/relationships" type="roundRect" r:blip="">
+                                        <dgm:adjLst>
+                                          <dgm:adj idx="1" val="0.1"/>
+                                        </dgm:adjLst>
+                                      </dgm:shape>
+                                      <dgm:presOf/>
+                                      <dgm:constrLst/>
+                                      <dgm:ruleLst/>
+                                    </dgm:layoutNode>
+                                    <dgm:layoutNode name="text4" styleLbl="fgAcc4">
+                                      <dgm:varLst>
+                                        <dgm:chPref val="3"/>
+                                      </dgm:varLst>
+                                      <dgm:alg type="tx"/>
+                                      <dgm:shape xmlns:r="http://schemas.openxmlformats.org/officeDocument/2006/relationships" type="roundRect" r:blip="">
+                                        <dgm:adjLst>
+                                          <dgm:adj idx="1" val="0.1"/>
+                                        </dgm:adjLst>
+                                      </dgm:shape>
+                                      <dgm:presOf axis="self"/>
+                                      <dgm:constrLst>
+                                        <dgm:constr type="tMarg" refType="primFontSz" fact="0.3"/>
+                                        <dgm:constr type="bMarg" refType="primFontSz" fact="0.3"/>
+                                        <dgm:constr type="lMarg" refType="primFontSz" fact="0.3"/>
+                                        <dgm:constr type="rMarg" refType="primFontSz" fact="0.3"/>
+                                      </dgm:constrLst>
+                                      <dgm:ruleLst>
+                                        <dgm:rule type="primFontSz" val="5" fact="NaN" max="NaN"/>
+                                      </dgm:ruleLst>
+                                    </dgm:layoutNode>
+                                  </dgm:layoutNode>
+                                  <dgm:layoutNode name="hierChild5">
+                                    <dgm:choose name="Name28">
+                                      <dgm:if name="Name29" func="var" arg="dir" op="equ" val="norm">
+                                        <dgm:alg type="hierChild">
+                                          <dgm:param type="linDir" val="fromL"/>
+                                        </dgm:alg>
+                                      </dgm:if>
+                                      <dgm:else name="Name30">
+                                        <dgm:alg type="hierChild">
+                                          <dgm:param type="linDir" val="fromR"/>
+                                        </dgm:alg>
+                                      </dgm:else>
+                                    </dgm:choose>
+                                    <dgm:shape xmlns:r="http://schemas.openxmlformats.org/officeDocument/2006/relationships" r:blip="">
+                                      <dgm:adjLst/>
+                                    </dgm:shape>
+                                    <dgm:presOf/>
+                                    <dgm:constrLst/>
+                                    <dgm:ruleLst/>
+                                    <dgm:forEach name="Name31" ref="repeat"/>
+                                  </dgm:layoutNode>
+                                </dgm:layoutNode>
+                              </dgm:forEach>
+                            </dgm:forEach>
+                          </dgm:layoutNode>
+                        </dgm:layoutNode>
+                      </dgm:forEach>
+                    </dgm:forEach>
+                  </dgm:layoutNode>
+                </dgm:layoutNode>
+              </dgm:forEach>
+            </dgm:forEach>
+          </dgm:layoutNode>
+        </dgm:layoutNode>
+      </dgm:forEach>
+    </dgm:forEach>
+  </dgm:layoutNode>
+</dgm:layoutDef>
+</file>
+
+<file path=ppt/diagrams/quickStyle1.xml><?xml version="1.0" encoding="utf-8"?>
+<dgm:styleDef xmlns:dgm="http://schemas.openxmlformats.org/drawingml/2006/diagram" xmlns:a="http://schemas.openxmlformats.org/drawingml/2006/main" uniqueId="urn:microsoft.com/office/officeart/2005/8/quickstyle/simple1">
+  <dgm:title val=""/>
+  <dgm:desc val=""/>
+  <dgm:catLst>
+    <dgm:cat type="simple" pri="10100"/>
+  </dgm:catLst>
+  <dgm:scene3d>
+    <a:camera prst="orthographicFront"/>
+    <a:lightRig rig="threePt" dir="t"/>
+  </dgm:scene3d>
+  <dgm:styleLbl name="node0">
+    <dgm:scene3d>
+      <a:camera prst="orthographicFront"/>
+      <a:lightRig rig="threePt" dir="t"/>
+    </dgm:scene3d>
+    <dgm:sp3d/>
+    <dgm:txPr/>
+    <dgm:style>
+      <a:lnRef idx="2">
+        <a:scrgbClr r="0" g="0" b="0"/>
+      </a:lnRef>
+      <a:fillRef idx="1">
+        <a:scrgbClr r="0" g="0" b="0"/>
+      </a:fillRef>
+      <a:effectRef idx="0">
+        <a:scrgbClr r="0" g="0" b="0"/>
+      </a:effectRef>
+      <a:fontRef idx="minor">
+        <a:schemeClr val="lt1"/>
+      </a:fontRef>
+    </dgm:style>
+  </dgm:styleLbl>
+  <dgm:styleLbl name="lnNode1">
+    <dgm:scene3d>
+      <a:camera prst="orthographicFront"/>
+      <a:lightRig rig="threePt" dir="t"/>
+    </dgm:scene3d>
+    <dgm:sp3d/>
+    <dgm:txPr/>
+    <dgm:style>
+      <a:lnRef idx="2">
+        <a:scrgbClr r="0" g="0" b="0"/>
+      </a:lnRef>
+      <a:fillRef idx="1">
+        <a:scrgbClr r="0" g="0" b="0"/>
+      </a:fillRef>
+      <a:effectRef idx="0">
+        <a:scrgbClr r="0" g="0" b="0"/>
+      </a:effectRef>
+      <a:fontRef idx="minor">
+        <a:schemeClr val="lt1"/>
+      </a:fontRef>
+    </dgm:style>
+  </dgm:styleLbl>
+  <dgm:styleLbl name="vennNode1">
+    <dgm:scene3d>
+      <a:camera prst="orthographicFront"/>
+      <a:lightRig rig="threePt" dir="t"/>
+    </dgm:scene3d>
+    <dgm:sp3d/>
+    <dgm:txPr/>
+    <dgm:style>
+      <a:lnRef idx="2">
+        <a:scrgbClr r="0" g="0" b="0"/>
+      </a:lnRef>
+      <a:fillRef idx="1">
+        <a:scrgbClr r="0" g="0" b="0"/>
+      </a:fillRef>
+      <a:effectRef idx="0">
+        <a:scrgbClr r="0" g="0" b="0"/>
+      </a:effectRef>
+      <a:fontRef idx="minor">
+        <a:schemeClr val="tx1"/>
+      </a:fontRef>
+    </dgm:style>
+  </dgm:styleLbl>
+  <dgm:styleLbl name="alignNode1">
+    <dgm:scene3d>
+      <a:camera prst="orthographicFront"/>
+      <a:lightRig rig="threePt" dir="t"/>
+    </dgm:scene3d>
+    <dgm:sp3d/>
+    <dgm:txPr/>
+    <dgm:style>
+      <a:lnRef idx="2">
+        <a:scrgbClr r="0" g="0" b="0"/>
+      </a:lnRef>
+      <a:fillRef idx="1">
+        <a:scrgbClr r="0" g="0" b="0"/>
+      </a:fillRef>
+      <a:effectRef idx="0">
+        <a:scrgbClr r="0" g="0" b="0"/>
+      </a:effectRef>
+      <a:fontRef idx="minor">
+        <a:schemeClr val="lt1"/>
+      </a:fontRef>
+    </dgm:style>
+  </dgm:styleLbl>
+  <dgm:styleLbl name="node1">
+    <dgm:scene3d>
+      <a:camera prst="orthographicFront"/>
+      <a:lightRig rig="threePt" dir="t"/>
+    </dgm:scene3d>
+    <dgm:sp3d/>
+    <dgm:txPr/>
+    <dgm:style>
+      <a:lnRef idx="2">
+        <a:scrgbClr r="0" g="0" b="0"/>
+      </a:lnRef>
+      <a:fillRef idx="1">
+        <a:scrgbClr r="0" g="0" b="0"/>
+      </a:fillRef>
+      <a:effectRef idx="0">
+        <a:scrgbClr r="0" g="0" b="0"/>
+      </a:effectRef>
+      <a:fontRef idx="minor">
+        <a:schemeClr val="lt1"/>
+      </a:fontRef>
+    </dgm:style>
+  </dgm:styleLbl>
+  <dgm:styleLbl name="node2">
+    <dgm:scene3d>
+      <a:camera prst="orthographicFront"/>
+      <a:lightRig rig="threePt" dir="t"/>
+    </dgm:scene3d>
+    <dgm:sp3d/>
+    <dgm:txPr/>
+    <dgm:style>
+      <a:lnRef idx="2">
+        <a:scrgbClr r="0" g="0" b="0"/>
+      </a:lnRef>
+      <a:fillRef idx="1">
+        <a:scrgbClr r="0" g="0" b="0"/>
+      </a:fillRef>
+      <a:effectRef idx="0">
+        <a:scrgbClr r="0" g="0" b="0"/>
+      </a:effectRef>
+      <a:fontRef idx="minor">
+        <a:schemeClr val="lt1"/>
+      </a:fontRef>
+    </dgm:style>
+  </dgm:styleLbl>
+  <dgm:styleLbl name="node3">
+    <dgm:scene3d>
+      <a:camera prst="orthographicFront"/>
+      <a:lightRig rig="threePt" dir="t"/>
+    </dgm:scene3d>
+    <dgm:sp3d/>
+    <dgm:txPr/>
+    <dgm:style>
+      <a:lnRef idx="2">
+        <a:scrgbClr r="0" g="0" b="0"/>
+      </a:lnRef>
+      <a:fillRef idx="1">
+        <a:scrgbClr r="0" g="0" b="0"/>
+      </a:fillRef>
+      <a:effectRef idx="0">
+        <a:scrgbClr r="0" g="0" b="0"/>
+      </a:effectRef>
+      <a:fontRef idx="minor">
+        <a:schemeClr val="lt1"/>
+      </a:fontRef>
+    </dgm:style>
+  </dgm:styleLbl>
+  <dgm:styleLbl name="node4">
+    <dgm:scene3d>
+      <a:camera prst="orthographicFront"/>
+      <a:lightRig rig="threePt" dir="t"/>
+    </dgm:scene3d>
+    <dgm:sp3d/>
+    <dgm:txPr/>
+    <dgm:style>
+      <a:lnRef idx="2">
+        <a:scrgbClr r="0" g="0" b="0"/>
+      </a:lnRef>
+      <a:fillRef idx="1">
+        <a:scrgbClr r="0" g="0" b="0"/>
+      </a:fillRef>
+      <a:effectRef idx="0">
+        <a:scrgbClr r="0" g="0" b="0"/>
+      </a:effectRef>
+      <a:fontRef idx="minor">
+        <a:schemeClr val="lt1"/>
+      </a:fontRef>
+    </dgm:style>
+  </dgm:styleLbl>
+  <dgm:styleLbl name="fgImgPlace1">
+    <dgm:scene3d>
+      <a:camera prst="orthographicFront"/>
+      <a:lightRig rig="threePt" dir="t"/>
+    </dgm:scene3d>
+    <dgm:sp3d/>
+    <dgm:txPr/>
+    <dgm:style>
+      <a:lnRef idx="2">
+        <a:scrgbClr r="0" g="0" b="0"/>
+      </a:lnRef>
+      <a:fillRef idx="1">
+        <a:scrgbClr r="0" g="0" b="0"/>
+      </a:fillRef>
+      <a:effectRef idx="0">
+        <a:scrgbClr r="0" g="0" b="0"/>
+      </a:effectRef>
+      <a:fontRef idx="minor"/>
+    </dgm:style>
+  </dgm:styleLbl>
+  <dgm:styleLbl name="alignImgPlace1">
+    <dgm:scene3d>
+      <a:camera prst="orthographicFront"/>
+      <a:lightRig rig="threePt" dir="t"/>
+    </dgm:scene3d>
+    <dgm:sp3d/>
+    <dgm:txPr/>
+    <dgm:style>
+      <a:lnRef idx="2">
+        <a:scrgbClr r="0" g="0" b="0"/>
+      </a:lnRef>
+      <a:fillRef idx="1">
+        <a:scrgbClr r="0" g="0" b="0"/>
+      </a:fillRef>
+      <a:effectRef idx="0">
+        <a:scrgbClr r="0" g="0" b="0"/>
+      </a:effectRef>
+      <a:fontRef idx="minor"/>
+    </dgm:style>
+  </dgm:styleLbl>
+  <dgm:styleLbl name="bgImgPlace1">
+    <dgm:scene3d>
+      <a:camera prst="orthographicFront"/>
+      <a:lightRig rig="threePt" dir="t"/>
+    </dgm:scene3d>
+    <dgm:sp3d/>
+    <dgm:txPr/>
+    <dgm:style>
+      <a:lnRef idx="2">
+        <a:scrgbClr r="0" g="0" b="0"/>
+      </a:lnRef>
+      <a:fillRef idx="1">
+        <a:scrgbClr r="0" g="0" b="0"/>
+      </a:fillRef>
+      <a:effectRef idx="0">
+        <a:scrgbClr r="0" g="0" b="0"/>
+      </a:effectRef>
+      <a:fontRef idx="minor"/>
+    </dgm:style>
+  </dgm:styleLbl>
+  <dgm:styleLbl name="sibTrans2D1">
+    <dgm:scene3d>
+      <a:camera prst="orthographicFront"/>
+      <a:lightRig rig="threePt" dir="t"/>
+    </dgm:scene3d>
+    <dgm:sp3d/>
+    <dgm:txPr/>
+    <dgm:style>
+      <a:lnRef idx="0">
+        <a:scrgbClr r="0" g="0" b="0"/>
+      </a:lnRef>
+      <a:fillRef idx="1">
+        <a:scrgbClr r="0" g="0" b="0"/>
+      </a:fillRef>
+      <a:effectRef idx="0">
+        <a:scrgbClr r="0" g="0" b="0"/>
+      </a:effectRef>
+      <a:fontRef idx="minor">
+        <a:schemeClr val="lt1"/>
+      </a:fontRef>
+    </dgm:style>
+  </dgm:styleLbl>
+  <dgm:styleLbl name="fgSibTrans2D1">
+    <dgm:scene3d>
+      <a:camera prst="orthographicFront"/>
+      <a:lightRig rig="threePt" dir="t"/>
+    </dgm:scene3d>
+    <dgm:sp3d/>
+    <dgm:txPr/>
+    <dgm:style>
+      <a:lnRef idx="0">
+        <a:scrgbClr r="0" g="0" b="0"/>
+      </a:lnRef>
+      <a:fillRef idx="1">
+        <a:scrgbClr r="0" g="0" b="0"/>
+      </a:fillRef>
+      <a:effectRef idx="0">
+        <a:scrgbClr r="0" g="0" b="0"/>
+      </a:effectRef>
+      <a:fontRef idx="minor">
+        <a:schemeClr val="lt1"/>
+      </a:fontRef>
+    </dgm:style>
+  </dgm:styleLbl>
+  <dgm:styleLbl name="bgSibTrans2D1">
+    <dgm:scene3d>
+      <a:camera prst="orthographicFront"/>
+      <a:lightRig rig="threePt" dir="t"/>
+    </dgm:scene3d>
+    <dgm:sp3d/>
+    <dgm:txPr/>
+    <dgm:style>
+      <a:lnRef idx="0">
+        <a:scrgbClr r="0" g="0" b="0"/>
+      </a:lnRef>
+      <a:fillRef idx="1">
+        <a:scrgbClr r="0" g="0" b="0"/>
+      </a:fillRef>
+      <a:effectRef idx="0">
+        <a:scrgbClr r="0" g="0" b="0"/>
+      </a:effectRef>
+      <a:fontRef idx="minor">
+        <a:schemeClr val="lt1"/>
+      </a:fontRef>
+    </dgm:style>
+  </dgm:styleLbl>
+  <dgm:styleLbl name="sibTrans1D1">
+    <dgm:scene3d>
+      <a:camera prst="orthographicFront"/>
+      <a:lightRig rig="threePt" dir="t"/>
+    </dgm:scene3d>
+    <dgm:sp3d/>
+    <dgm:txPr/>
+    <dgm:style>
+      <a:lnRef idx="1">
+        <a:scrgbClr r="0" g="0" b="0"/>
+      </a:lnRef>
+      <a:fillRef idx="0">
+        <a:scrgbClr r="0" g="0" b="0"/>
+      </a:fillRef>
+      <a:effectRef idx="0">
+        <a:scrgbClr r="0" g="0" b="0"/>
+      </a:effectRef>
+      <a:fontRef idx="minor"/>
+    </dgm:style>
+  </dgm:styleLbl>
+  <dgm:styleLbl name="callout">
+    <dgm:scene3d>
+      <a:camera prst="orthographicFront"/>
+      <a:lightRig rig="threePt" dir="t"/>
+    </dgm:scene3d>
+    <dgm:sp3d/>
+    <dgm:txPr/>
+    <dgm:style>
+      <a:lnRef idx="2">
+        <a:scrgbClr r="0" g="0" b="0"/>
+      </a:lnRef>
+      <a:fillRef idx="1">
+        <a:scrgbClr r="0" g="0" b="0"/>
+      </a:fillRef>
+      <a:effectRef idx="0">
+        <a:scrgbClr r="0" g="0" b="0"/>
+      </a:effectRef>
+      <a:fontRef idx="minor"/>
+    </dgm:style>
+  </dgm:styleLbl>
+  <dgm:styleLbl name="asst0">
+    <dgm:scene3d>
+      <a:camera prst="orthographicFront"/>
+      <a:lightRig rig="threePt" dir="t"/>
+    </dgm:scene3d>
+    <dgm:sp3d/>
+    <dgm:txPr/>
+    <dgm:style>
+      <a:lnRef idx="2">
+        <a:scrgbClr r="0" g="0" b="0"/>
+      </a:lnRef>
+      <a:fillRef idx="1">
+        <a:scrgbClr r="0" g="0" b="0"/>
+      </a:fillRef>
+      <a:effectRef idx="0">
+        <a:scrgbClr r="0" g="0" b="0"/>
+      </a:effectRef>
+      <a:fontRef idx="minor">
+        <a:schemeClr val="lt1"/>
+      </a:fontRef>
+    </dgm:style>
+  </dgm:styleLbl>
+  <dgm:styleLbl name="asst1">
+    <dgm:scene3d>
+      <a:camera prst="orthographicFront"/>
+      <a:lightRig rig="threePt" dir="t"/>
+    </dgm:scene3d>
+    <dgm:sp3d/>
+    <dgm:txPr/>
+    <dgm:style>
+      <a:lnRef idx="2">
+        <a:scrgbClr r="0" g="0" b="0"/>
+      </a:lnRef>
+      <a:fillRef idx="1">
+        <a:scrgbClr r="0" g="0" b="0"/>
+      </a:fillRef>
+      <a:effectRef idx="0">
+        <a:scrgbClr r="0" g="0" b="0"/>
+      </a:effectRef>
+      <a:fontRef idx="minor">
+        <a:schemeClr val="lt1"/>
+      </a:fontRef>
+    </dgm:style>
+  </dgm:styleLbl>
+  <dgm:styleLbl name="asst2">
+    <dgm:scene3d>
+      <a:camera prst="orthographicFront"/>
+      <a:lightRig rig="threePt" dir="t"/>
+    </dgm:scene3d>
+    <dgm:sp3d/>
+    <dgm:txPr/>
+    <dgm:style>
+      <a:lnRef idx="2">
+        <a:scrgbClr r="0" g="0" b="0"/>
+      </a:lnRef>
+      <a:fillRef idx="1">
+        <a:scrgbClr r="0" g="0" b="0"/>
+      </a:fillRef>
+      <a:effectRef idx="0">
+        <a:scrgbClr r="0" g="0" b="0"/>
+      </a:effectRef>
+      <a:fontRef idx="minor">
+        <a:schemeClr val="lt1"/>
+      </a:fontRef>
+    </dgm:style>
+  </dgm:styleLbl>
+  <dgm:styleLbl name="asst3">
+    <dgm:scene3d>
+      <a:camera prst="orthographicFront"/>
+      <a:lightRig rig="threePt" dir="t"/>
+    </dgm:scene3d>
+    <dgm:sp3d/>
+    <dgm:txPr/>
+    <dgm:style>
+      <a:lnRef idx="2">
+        <a:scrgbClr r="0" g="0" b="0"/>
+      </a:lnRef>
+      <a:fillRef idx="1">
+        <a:scrgbClr r="0" g="0" b="0"/>
+      </a:fillRef>
+      <a:effectRef idx="0">
+        <a:scrgbClr r="0" g="0" b="0"/>
+      </a:effectRef>
+      <a:fontRef idx="minor">
+        <a:schemeClr val="lt1"/>
+      </a:fontRef>
+    </dgm:style>
+  </dgm:styleLbl>
+  <dgm:styleLbl name="asst4">
+    <dgm:scene3d>
+      <a:camera prst="orthographicFront"/>
+      <a:lightRig rig="threePt" dir="t"/>
+    </dgm:scene3d>
+    <dgm:sp3d/>
+    <dgm:txPr/>
+    <dgm:style>
+      <a:lnRef idx="2">
+        <a:scrgbClr r="0" g="0" b="0"/>
+      </a:lnRef>
+      <a:fillRef idx="1">
+        <a:scrgbClr r="0" g="0" b="0"/>
+      </a:fillRef>
+      <a:effectRef idx="0">
+        <a:scrgbClr r="0" g="0" b="0"/>
+      </a:effectRef>
+      <a:fontRef idx="minor">
+        <a:schemeClr val="lt1"/>
+      </a:fontRef>
+    </dgm:style>
+  </dgm:styleLbl>
+  <dgm:styleLbl name="parChTrans2D1">
+    <dgm:scene3d>
+      <a:camera prst="orthographicFront"/>
+      <a:lightRig rig="threePt" dir="t"/>
+    </dgm:scene3d>
+    <dgm:sp3d/>
+    <dgm:txPr/>
+    <dgm:style>
+      <a:lnRef idx="2">
+        <a:scrgbClr r="0" g="0" b="0"/>
+      </a:lnRef>
+      <a:fillRef idx="1">
+        <a:scrgbClr r="0" g="0" b="0"/>
+      </a:fillRef>
+      <a:effectRef idx="0">
+        <a:scrgbClr r="0" g="0" b="0"/>
+      </a:effectRef>
+      <a:fontRef idx="minor">
+        <a:schemeClr val="lt1"/>
+      </a:fontRef>
+    </dgm:style>
+  </dgm:styleLbl>
+  <dgm:styleLbl name="parChTrans2D2">
+    <dgm:scene3d>
+      <a:camera prst="orthographicFront"/>
+      <a:lightRig rig="threePt" dir="t"/>
+    </dgm:scene3d>
+    <dgm:sp3d/>
+    <dgm:txPr/>
+    <dgm:style>
+      <a:lnRef idx="2">
+        <a:scrgbClr r="0" g="0" b="0"/>
+      </a:lnRef>
+      <a:fillRef idx="1">
+        <a:scrgbClr r="0" g="0" b="0"/>
+      </a:fillRef>
+      <a:effectRef idx="0">
+        <a:scrgbClr r="0" g="0" b="0"/>
+      </a:effectRef>
+      <a:fontRef idx="minor">
+        <a:schemeClr val="lt1"/>
+      </a:fontRef>
+    </dgm:style>
+  </dgm:styleLbl>
+  <dgm:styleLbl name="parChTrans2D3">
+    <dgm:scene3d>
+      <a:camera prst="orthographicFront"/>
+      <a:lightRig rig="threePt" dir="t"/>
+    </dgm:scene3d>
+    <dgm:sp3d/>
+    <dgm:txPr/>
+    <dgm:style>
+      <a:lnRef idx="2">
+        <a:scrgbClr r="0" g="0" b="0"/>
+      </a:lnRef>
+      <a:fillRef idx="1">
+        <a:scrgbClr r="0" g="0" b="0"/>
+      </a:fillRef>
+      <a:effectRef idx="0">
+        <a:scrgbClr r="0" g="0" b="0"/>
+      </a:effectRef>
+      <a:fontRef idx="minor">
+        <a:schemeClr val="lt1"/>
+      </a:fontRef>
+    </dgm:style>
+  </dgm:styleLbl>
+  <dgm:styleLbl name="parChTrans2D4">
+    <dgm:scene3d>
+      <a:camera prst="orthographicFront"/>
+      <a:lightRig rig="threePt" dir="t"/>
+    </dgm:scene3d>
+    <dgm:sp3d/>
+    <dgm:txPr/>
+    <dgm:style>
+      <a:lnRef idx="2">
+        <a:scrgbClr r="0" g="0" b="0"/>
+      </a:lnRef>
+      <a:fillRef idx="1">
+        <a:scrgbClr r="0" g="0" b="0"/>
+      </a:fillRef>
+      <a:effectRef idx="0">
+        <a:scrgbClr r="0" g="0" b="0"/>
+      </a:effectRef>
+      <a:fontRef idx="minor">
+        <a:schemeClr val="lt1"/>
+      </a:fontRef>
+    </dgm:style>
+  </dgm:styleLbl>
+  <dgm:styleLbl name="parChTrans1D1">
+    <dgm:scene3d>
+      <a:camera prst="orthographicFront"/>
+      <a:lightRig rig="threePt" dir="t"/>
+    </dgm:scene3d>
+    <dgm:sp3d/>
+    <dgm:txPr/>
+    <dgm:style>
+      <a:lnRef idx="2">
+        <a:scrgbClr r="0" g="0" b="0"/>
+      </a:lnRef>
+      <a:fillRef idx="0">
+        <a:scrgbClr r="0" g="0" b="0"/>
+      </a:fillRef>
+      <a:effectRef idx="0">
+        <a:scrgbClr r="0" g="0" b="0"/>
+      </a:effectRef>
+      <a:fontRef idx="minor"/>
+    </dgm:style>
+  </dgm:styleLbl>
+  <dgm:styleLbl name="parChTrans1D2">
+    <dgm:scene3d>
+      <a:camera prst="orthographicFront"/>
+      <a:lightRig rig="threePt" dir="t"/>
+    </dgm:scene3d>
+    <dgm:sp3d/>
+    <dgm:txPr/>
+    <dgm:style>
+      <a:lnRef idx="2">
+        <a:scrgbClr r="0" g="0" b="0"/>
+      </a:lnRef>
+      <a:fillRef idx="0">
+        <a:scrgbClr r="0" g="0" b="0"/>
+      </a:fillRef>
+      <a:effectRef idx="0">
+        <a:scrgbClr r="0" g="0" b="0"/>
+      </a:effectRef>
+      <a:fontRef idx="minor"/>
+    </dgm:style>
+  </dgm:styleLbl>
+  <dgm:styleLbl name="parChTrans1D3">
+    <dgm:scene3d>
+      <a:camera prst="orthographicFront"/>
+      <a:lightRig rig="threePt" dir="t"/>
+    </dgm:scene3d>
+    <dgm:sp3d/>
+    <dgm:txPr/>
+    <dgm:style>
+      <a:lnRef idx="2">
+        <a:scrgbClr r="0" g="0" b="0"/>
+      </a:lnRef>
+      <a:fillRef idx="0">
+        <a:scrgbClr r="0" g="0" b="0"/>
+      </a:fillRef>
+      <a:effectRef idx="0">
+        <a:scrgbClr r="0" g="0" b="0"/>
+      </a:effectRef>
+      <a:fontRef idx="minor"/>
+    </dgm:style>
+  </dgm:styleLbl>
+  <dgm:styleLbl name="parChTrans1D4">
+    <dgm:scene3d>
+      <a:camera prst="orthographicFront"/>
+      <a:lightRig rig="threePt" dir="t"/>
+    </dgm:scene3d>
+    <dgm:sp3d/>
+    <dgm:txPr/>
+    <dgm:style>
+      <a:lnRef idx="2">
+        <a:scrgbClr r="0" g="0" b="0"/>
+      </a:lnRef>
+      <a:fillRef idx="0">
+        <a:scrgbClr r="0" g="0" b="0"/>
+      </a:fillRef>
+      <a:effectRef idx="0">
+        <a:scrgbClr r="0" g="0" b="0"/>
+      </a:effectRef>
+      <a:fontRef idx="minor"/>
+    </dgm:style>
+  </dgm:styleLbl>
+  <dgm:styleLbl name="fgAcc1">
+    <dgm:scene3d>
+      <a:camera prst="orthographicFront"/>
+      <a:lightRig rig="threePt" dir="t"/>
+    </dgm:scene3d>
+    <dgm:sp3d/>
+    <dgm:txPr/>
+    <dgm:style>
+      <a:lnRef idx="2">
+        <a:scrgbClr r="0" g="0" b="0"/>
+      </a:lnRef>
+      <a:fillRef idx="1">
+        <a:scrgbClr r="0" g="0" b="0"/>
+      </a:fillRef>
+      <a:effectRef idx="0">
+        <a:scrgbClr r="0" g="0" b="0"/>
+      </a:effectRef>
+      <a:fontRef idx="minor"/>
+    </dgm:style>
+  </dgm:styleLbl>
+  <dgm:styleLbl name="conFgAcc1">
+    <dgm:scene3d>
+      <a:camera prst="orthographicFront"/>
+      <a:lightRig rig="threePt" dir="t"/>
+    </dgm:scene3d>
+    <dgm:sp3d/>
+    <dgm:txPr/>
+    <dgm:style>
+      <a:lnRef idx="2">
+        <a:scrgbClr r="0" g="0" b="0"/>
+      </a:lnRef>
+      <a:fillRef idx="1">
+        <a:scrgbClr r="0" g="0" b="0"/>
+      </a:fillRef>
+      <a:effectRef idx="0">
+        <a:scrgbClr r="0" g="0" b="0"/>
+      </a:effectRef>
+      <a:fontRef idx="minor"/>
+    </dgm:style>
+  </dgm:styleLbl>
+  <dgm:styleLbl name="alignAcc1">
+    <dgm:scene3d>
+      <a:camera prst="orthographicFront"/>
+      <a:lightRig rig="threePt" dir="t"/>
+    </dgm:scene3d>
+    <dgm:sp3d/>
+    <dgm:txPr/>
+    <dgm:style>
+      <a:lnRef idx="2">
+        <a:scrgbClr r="0" g="0" b="0"/>
+      </a:lnRef>
+      <a:fillRef idx="1">
+        <a:scrgbClr r="0" g="0" b="0"/>
+      </a:fillRef>
+      <a:effectRef idx="0">
+        <a:scrgbClr r="0" g="0" b="0"/>
+      </a:effectRef>
+      <a:fontRef idx="minor"/>
+    </dgm:style>
+  </dgm:styleLbl>
+  <dgm:styleLbl name="trAlignAcc1">
+    <dgm:scene3d>
+      <a:camera prst="orthographicFront"/>
+      <a:lightRig rig="threePt" dir="t"/>
+    </dgm:scene3d>
+    <dgm:sp3d/>
+    <dgm:txPr/>
+    <dgm:style>
+      <a:lnRef idx="1">
+        <a:scrgbClr r="0" g="0" b="0"/>
+      </a:lnRef>
+      <a:fillRef idx="1">
+        <a:scrgbClr r="0" g="0" b="0"/>
+      </a:fillRef>
+      <a:effectRef idx="0">
+        <a:scrgbClr r="0" g="0" b="0"/>
+      </a:effectRef>
+      <a:fontRef idx="minor"/>
+    </dgm:style>
+  </dgm:styleLbl>
+  <dgm:styleLbl name="bgAcc1">
+    <dgm:scene3d>
+      <a:camera prst="orthographicFront"/>
+      <a:lightRig rig="threePt" dir="t"/>
+    </dgm:scene3d>
+    <dgm:sp3d/>
+    <dgm:txPr/>
+    <dgm:style>
+      <a:lnRef idx="2">
+        <a:scrgbClr r="0" g="0" b="0"/>
+      </a:lnRef>
+      <a:fillRef idx="1">
+        <a:scrgbClr r="0" g="0" b="0"/>
+      </a:fillRef>
+      <a:effectRef idx="0">
+        <a:scrgbClr r="0" g="0" b="0"/>
+      </a:effectRef>
+      <a:fontRef idx="minor"/>
+    </dgm:style>
+  </dgm:styleLbl>
+  <dgm:styleLbl name="solidFgAcc1">
+    <dgm:scene3d>
+      <a:camera prst="orthographicFront"/>
+      <a:lightRig rig="threePt" dir="t"/>
+    </dgm:scene3d>
+    <dgm:sp3d/>
+    <dgm:txPr/>
+    <dgm:style>
+      <a:lnRef idx="2">
+        <a:scrgbClr r="0" g="0" b="0"/>
+      </a:lnRef>
+      <a:fillRef idx="1">
+        <a:scrgbClr r="0" g="0" b="0"/>
+      </a:fillRef>
+      <a:effectRef idx="0">
+        <a:scrgbClr r="0" g="0" b="0"/>
+      </a:effectRef>
+      <a:fontRef idx="minor"/>
+    </dgm:style>
+  </dgm:styleLbl>
+  <dgm:styleLbl name="solidAlignAcc1">
+    <dgm:scene3d>
+      <a:camera prst="orthographicFront"/>
+      <a:lightRig rig="threePt" dir="t"/>
+    </dgm:scene3d>
+    <dgm:sp3d/>
+    <dgm:txPr/>
+    <dgm:style>
+      <a:lnRef idx="2">
+        <a:scrgbClr r="0" g="0" b="0"/>
+      </a:lnRef>
+      <a:fillRef idx="1">
+        <a:scrgbClr r="0" g="0" b="0"/>
+      </a:fillRef>
+      <a:effectRef idx="0">
+        <a:scrgbClr r="0" g="0" b="0"/>
+      </a:effectRef>
+      <a:fontRef idx="minor"/>
+    </dgm:style>
+  </dgm:styleLbl>
+  <dgm:styleLbl name="solidBgAcc1">
+    <dgm:scene3d>
+      <a:camera prst="orthographicFront"/>
+      <a:lightRig rig="threePt" dir="t"/>
+    </dgm:scene3d>
+    <dgm:sp3d/>
+    <dgm:txPr/>
+    <dgm:style>
+      <a:lnRef idx="2">
+        <a:scrgbClr r="0" g="0" b="0"/>
+      </a:lnRef>
+      <a:fillRef idx="1">
+        <a:scrgbClr r="0" g="0" b="0"/>
+      </a:fillRef>
+      <a:effectRef idx="0">
+        <a:scrgbClr r="0" g="0" b="0"/>
+      </a:effectRef>
+      <a:fontRef idx="minor"/>
+    </dgm:style>
+  </dgm:styleLbl>
+  <dgm:styleLbl name="fgAccFollowNode1">
+    <dgm:scene3d>
+      <a:camera prst="orthographicFront"/>
+      <a:lightRig rig="threePt" dir="t"/>
+    </dgm:scene3d>
+    <dgm:sp3d/>
+    <dgm:txPr/>
+    <dgm:style>
+      <a:lnRef idx="2">
+        <a:scrgbClr r="0" g="0" b="0"/>
+      </a:lnRef>
+      <a:fillRef idx="1">
+        <a:scrgbClr r="0" g="0" b="0"/>
+      </a:fillRef>
+      <a:effectRef idx="0">
+        <a:scrgbClr r="0" g="0" b="0"/>
+      </a:effectRef>
+      <a:fontRef idx="minor"/>
+    </dgm:style>
+  </dgm:styleLbl>
+  <dgm:styleLbl name="alignAccFollowNode1">
+    <dgm:scene3d>
+      <a:camera prst="orthographicFront"/>
+      <a:lightRig rig="threePt" dir="t"/>
+    </dgm:scene3d>
+    <dgm:sp3d/>
+    <dgm:txPr/>
+    <dgm:style>
+      <a:lnRef idx="2">
+        <a:scrgbClr r="0" g="0" b="0"/>
+      </a:lnRef>
+      <a:fillRef idx="1">
+        <a:scrgbClr r="0" g="0" b="0"/>
+      </a:fillRef>
+      <a:effectRef idx="0">
+        <a:scrgbClr r="0" g="0" b="0"/>
+      </a:effectRef>
+      <a:fontRef idx="minor"/>
+    </dgm:style>
+  </dgm:styleLbl>
+  <dgm:styleLbl name="bgAccFollowNode1">
+    <dgm:scene3d>
+      <a:camera prst="orthographicFront"/>
+      <a:lightRig rig="threePt" dir="t"/>
+    </dgm:scene3d>
+    <dgm:sp3d/>
+    <dgm:txPr/>
+    <dgm:style>
+      <a:lnRef idx="2">
+        <a:scrgbClr r="0" g="0" b="0"/>
+      </a:lnRef>
+      <a:fillRef idx="1">
+        <a:scrgbClr r="0" g="0" b="0"/>
+      </a:fillRef>
+      <a:effectRef idx="0">
+        <a:scrgbClr r="0" g="0" b="0"/>
+      </a:effectRef>
+      <a:fontRef idx="minor"/>
+    </dgm:style>
+  </dgm:styleLbl>
+  <dgm:styleLbl name="fgAcc0">
+    <dgm:scene3d>
+      <a:camera prst="orthographicFront"/>
+      <a:lightRig rig="threePt" dir="t"/>
+    </dgm:scene3d>
+    <dgm:sp3d/>
+    <dgm:txPr/>
+    <dgm:style>
+      <a:lnRef idx="2">
+        <a:scrgbClr r="0" g="0" b="0"/>
+      </a:lnRef>
+      <a:fillRef idx="1">
+        <a:scrgbClr r="0" g="0" b="0"/>
+      </a:fillRef>
+      <a:effectRef idx="0">
+        <a:scrgbClr r="0" g="0" b="0"/>
+      </a:effectRef>
+      <a:fontRef idx="minor"/>
+    </dgm:style>
+  </dgm:styleLbl>
+  <dgm:styleLbl name="fgAcc2">
+    <dgm:scene3d>
+      <a:camera prst="orthographicFront"/>
+      <a:lightRig rig="threePt" dir="t"/>
+    </dgm:scene3d>
+    <dgm:sp3d/>
+    <dgm:txPr/>
+    <dgm:style>
+      <a:lnRef idx="2">
+        <a:scrgbClr r="0" g="0" b="0"/>
+      </a:lnRef>
+      <a:fillRef idx="1">
+        <a:scrgbClr r="0" g="0" b="0"/>
+      </a:fillRef>
+      <a:effectRef idx="0">
+        <a:scrgbClr r="0" g="0" b="0"/>
+      </a:effectRef>
+      <a:fontRef idx="minor"/>
+    </dgm:style>
+  </dgm:styleLbl>
+  <dgm:styleLbl name="fgAcc3">
+    <dgm:scene3d>
+      <a:camera prst="orthographicFront"/>
+      <a:lightRig rig="threePt" dir="t"/>
+    </dgm:scene3d>
+    <dgm:sp3d/>
+    <dgm:txPr/>
+    <dgm:style>
+      <a:lnRef idx="2">
+        <a:scrgbClr r="0" g="0" b="0"/>
+      </a:lnRef>
+      <a:fillRef idx="1">
+        <a:scrgbClr r="0" g="0" b="0"/>
+      </a:fillRef>
+      <a:effectRef idx="0">
+        <a:scrgbClr r="0" g="0" b="0"/>
+      </a:effectRef>
+      <a:fontRef idx="minor"/>
+    </dgm:style>
+  </dgm:styleLbl>
+  <dgm:styleLbl name="fgAcc4">
+    <dgm:scene3d>
+      <a:camera prst="orthographicFront"/>
+      <a:lightRig rig="threePt" dir="t"/>
+    </dgm:scene3d>
+    <dgm:sp3d/>
+    <dgm:txPr/>
+    <dgm:style>
+      <a:lnRef idx="2">
+        <a:scrgbClr r="0" g="0" b="0"/>
+      </a:lnRef>
+      <a:fillRef idx="1">
+        <a:scrgbClr r="0" g="0" b="0"/>
+      </a:fillRef>
+      <a:effectRef idx="0">
+        <a:scrgbClr r="0" g="0" b="0"/>
+      </a:effectRef>
+      <a:fontRef idx="minor"/>
+    </dgm:style>
+  </dgm:styleLbl>
+  <dgm:styleLbl name="bgShp">
+    <dgm:scene3d>
+      <a:camera prst="orthographicFront"/>
+      <a:lightRig rig="threePt" dir="t"/>
+    </dgm:scene3d>
+    <dgm:sp3d/>
+    <dgm:txPr/>
+    <dgm:style>
+      <a:lnRef idx="0">
+        <a:scrgbClr r="0" g="0" b="0"/>
+      </a:lnRef>
+      <a:fillRef idx="1">
+        <a:scrgbClr r="0" g="0" b="0"/>
+      </a:fillRef>
+      <a:effectRef idx="0">
+        <a:scrgbClr r="0" g="0" b="0"/>
+      </a:effectRef>
+      <a:fontRef idx="minor"/>
+    </dgm:style>
+  </dgm:styleLbl>
+  <dgm:styleLbl name="dkBgShp">
+    <dgm:scene3d>
+      <a:camera prst="orthographicFront"/>
+      <a:lightRig rig="threePt" dir="t"/>
+    </dgm:scene3d>
+    <dgm:sp3d/>
+    <dgm:txPr/>
+    <dgm:style>
+      <a:lnRef idx="0">
+        <a:scrgbClr r="0" g="0" b="0"/>
+      </a:lnRef>
+      <a:fillRef idx="1">
+        <a:scrgbClr r="0" g="0" b="0"/>
+      </a:fillRef>
+      <a:effectRef idx="0">
+        <a:scrgbClr r="0" g="0" b="0"/>
+      </a:effectRef>
+      <a:fontRef idx="minor"/>
+    </dgm:style>
+  </dgm:styleLbl>
+  <dgm:styleLbl name="trBgShp">
+    <dgm:scene3d>
+      <a:camera prst="orthographicFront"/>
+      <a:lightRig rig="threePt" dir="t"/>
+    </dgm:scene3d>
+    <dgm:sp3d/>
+    <dgm:txPr/>
+    <dgm:style>
+      <a:lnRef idx="0">
+        <a:scrgbClr r="0" g="0" b="0"/>
+      </a:lnRef>
+      <a:fillRef idx="1">
+        <a:scrgbClr r="0" g="0" b="0"/>
+      </a:fillRef>
+      <a:effectRef idx="0">
+        <a:scrgbClr r="0" g="0" b="0"/>
+      </a:effectRef>
+      <a:fontRef idx="minor"/>
+    </dgm:style>
+  </dgm:styleLbl>
+  <dgm:styleLbl name="fgShp">
+    <dgm:scene3d>
+      <a:camera prst="orthographicFront"/>
+      <a:lightRig rig="threePt" dir="t"/>
+    </dgm:scene3d>
+    <dgm:sp3d/>
+    <dgm:txPr/>
+    <dgm:style>
+      <a:lnRef idx="2">
+        <a:scrgbClr r="0" g="0" b="0"/>
+      </a:lnRef>
+      <a:fillRef idx="1">
+        <a:scrgbClr r="0" g="0" b="0"/>
+      </a:fillRef>
+      <a:effectRef idx="0">
+        <a:scrgbClr r="0" g="0" b="0"/>
+      </a:effectRef>
+      <a:fontRef idx="minor"/>
+    </dgm:style>
+  </dgm:styleLbl>
+  <dgm:styleLbl name="revTx">
+    <dgm:scene3d>
+      <a:camera prst="orthographicFront"/>
+      <a:lightRig rig="threePt" dir="t"/>
+    </dgm:scene3d>
+    <dgm:sp3d/>
+    <dgm:txPr/>
+    <dgm:style>
+      <a:lnRef idx="0">
+        <a:scrgbClr r="0" g="0" b="0"/>
+      </a:lnRef>
+      <a:fillRef idx="0">
+        <a:scrgbClr r="0" g="0" b="0"/>
+      </a:fillRef>
+      <a:effectRef idx="0">
+        <a:scrgbClr r="0" g="0" b="0"/>
+      </a:effectRef>
+      <a:fontRef idx="minor"/>
+    </dgm:style>
+  </dgm:styleLbl>
+</dgm:styleDef>
+</file>
+
 <file path=ppt/notesMasters/notesMaster1.xml><?xml version="1.0" encoding="utf-8"?>
 <p:notesMaster xmlns:a="http://schemas.openxmlformats.org/drawingml/2006/main" xmlns:r="http://schemas.openxmlformats.org/officeDocument/2006/relationships" xmlns:p="http://schemas.openxmlformats.org/presentationml/2006/main">
   <p:cSld>
@@ -204,7 +3437,7 @@
           <a:p>
             <a:fld id="{52092BE7-2E1B-2B43-8691-0BE8C1EA7B52}" type="datetimeFigureOut">
               <a:rPr lang="en-US" smtClean="0"/>
-              <a:t>8/12/18</a:t>
+              <a:t>8/13/18</a:t>
             </a:fld>
             <a:endParaRPr lang="en-US"/>
           </a:p>
@@ -1684,7 +4917,7 @@
             <a:fld id="{9334D819-9F07-4261-B09B-9E467E5D9002}" type="datetimeFigureOut">
               <a:rPr lang="en-US" dirty="0"/>
               <a:pPr/>
-              <a:t>8/12/18</a:t>
+              <a:t>8/13/18</a:t>
             </a:fld>
             <a:endParaRPr lang="en-US" dirty="0"/>
           </a:p>
@@ -1918,7 +5151,7 @@
           <a:p>
             <a:fld id="{9334D819-9F07-4261-B09B-9E467E5D9002}" type="datetimeFigureOut">
               <a:rPr lang="en-US" dirty="0"/>
-              <a:t>8/12/18</a:t>
+              <a:t>8/13/18</a:t>
             </a:fld>
             <a:endParaRPr lang="en-US" dirty="0"/>
           </a:p>
@@ -2093,7 +5326,7 @@
           <a:p>
             <a:fld id="{9334D819-9F07-4261-B09B-9E467E5D9002}" type="datetimeFigureOut">
               <a:rPr lang="en-US" dirty="0"/>
-              <a:t>8/12/18</a:t>
+              <a:t>8/13/18</a:t>
             </a:fld>
             <a:endParaRPr lang="en-US" dirty="0"/>
           </a:p>
@@ -2258,7 +5491,7 @@
           <a:p>
             <a:fld id="{9334D819-9F07-4261-B09B-9E467E5D9002}" type="datetimeFigureOut">
               <a:rPr lang="en-US" dirty="0"/>
-              <a:t>8/12/18</a:t>
+              <a:t>8/13/18</a:t>
             </a:fld>
             <a:endParaRPr lang="en-US" dirty="0"/>
           </a:p>
@@ -2530,7 +5763,7 @@
             <a:fld id="{9334D819-9F07-4261-B09B-9E467E5D9002}" type="datetimeFigureOut">
               <a:rPr lang="en-US" dirty="0"/>
               <a:pPr/>
-              <a:t>8/12/18</a:t>
+              <a:t>8/13/18</a:t>
             </a:fld>
             <a:endParaRPr lang="en-US" dirty="0"/>
           </a:p>
@@ -3727,7 +6960,7 @@
           <a:p>
             <a:fld id="{9334D819-9F07-4261-B09B-9E467E5D9002}" type="datetimeFigureOut">
               <a:rPr lang="en-US" dirty="0"/>
-              <a:t>8/12/18</a:t>
+              <a:t>8/13/18</a:t>
             </a:fld>
             <a:endParaRPr lang="en-US" dirty="0"/>
           </a:p>
@@ -4112,7 +7345,7 @@
           <a:p>
             <a:fld id="{9334D819-9F07-4261-B09B-9E467E5D9002}" type="datetimeFigureOut">
               <a:rPr lang="en-US" dirty="0"/>
-              <a:t>8/12/18</a:t>
+              <a:t>8/13/18</a:t>
             </a:fld>
             <a:endParaRPr lang="en-US" dirty="0"/>
           </a:p>
@@ -4230,7 +7463,7 @@
           <a:p>
             <a:fld id="{9334D819-9F07-4261-B09B-9E467E5D9002}" type="datetimeFigureOut">
               <a:rPr lang="en-US" dirty="0"/>
-              <a:t>8/12/18</a:t>
+              <a:t>8/13/18</a:t>
             </a:fld>
             <a:endParaRPr lang="en-US" dirty="0"/>
           </a:p>
@@ -4320,7 +7553,7 @@
           <a:p>
             <a:fld id="{9334D819-9F07-4261-B09B-9E467E5D9002}" type="datetimeFigureOut">
               <a:rPr lang="en-US" dirty="0"/>
-              <a:t>8/12/18</a:t>
+              <a:t>8/13/18</a:t>
             </a:fld>
             <a:endParaRPr lang="en-US" dirty="0"/>
           </a:p>
@@ -5078,7 +8311,7 @@
           <a:p>
             <a:fld id="{9334D819-9F07-4261-B09B-9E467E5D9002}" type="datetimeFigureOut">
               <a:rPr lang="en-US" dirty="0"/>
-              <a:t>8/12/18</a:t>
+              <a:t>8/13/18</a:t>
             </a:fld>
             <a:endParaRPr lang="en-US" dirty="0"/>
           </a:p>
@@ -5913,7 +9146,7 @@
           <a:p>
             <a:fld id="{9334D819-9F07-4261-B09B-9E467E5D9002}" type="datetimeFigureOut">
               <a:rPr lang="en-US" dirty="0"/>
-              <a:t>8/12/18</a:t>
+              <a:t>8/13/18</a:t>
             </a:fld>
             <a:endParaRPr lang="en-US" dirty="0"/>
           </a:p>
@@ -6136,7 +9369,7 @@
             <a:fld id="{9334D819-9F07-4261-B09B-9E467E5D9002}" type="datetimeFigureOut">
               <a:rPr lang="en-US" dirty="0"/>
               <a:pPr/>
-              <a:t>8/12/18</a:t>
+              <a:t>8/13/18</a:t>
             </a:fld>
             <a:endParaRPr lang="en-US" dirty="0"/>
           </a:p>
@@ -7209,6 +10442,14 @@
 <file path=ppt/slides/slide2.xml><?xml version="1.0" encoding="utf-8"?>
 <p:sld xmlns:a="http://schemas.openxmlformats.org/drawingml/2006/main" xmlns:r="http://schemas.openxmlformats.org/officeDocument/2006/relationships" xmlns:p="http://schemas.openxmlformats.org/presentationml/2006/main">
   <p:cSld>
+    <p:bg>
+      <p:bgPr>
+        <a:solidFill>
+          <a:schemeClr val="bg1"/>
+        </a:solidFill>
+        <a:effectLst/>
+      </p:bgPr>
+    </p:bg>
     <p:spTree>
       <p:nvGrpSpPr>
         <p:cNvPr id="1" name=""/>
@@ -7223,6 +10464,165 @@
           <a:chExt cx="0" cy="0"/>
         </a:xfrm>
       </p:grpSpPr>
+      <p:sp useBgFill="1">
+        <p:nvSpPr>
+          <p:cNvPr id="10" name="Rectangle 9">
+            <a:extLst>
+              <a:ext uri="{FF2B5EF4-FFF2-40B4-BE49-F238E27FC236}">
+                <a16:creationId xmlns:a16="http://schemas.microsoft.com/office/drawing/2014/main" xmlns="" id="{1B0A7D14-7B67-4022-A8BE-1CCD4A0F1B06}"/>
+              </a:ext>
+              <a:ext uri="{C183D7F6-B498-43B3-948B-1728B52AA6E4}">
+                <adec:decorative xmlns:adec="http://schemas.microsoft.com/office/drawing/2017/decorative" xmlns="" val="1"/>
+              </a:ext>
+            </a:extLst>
+          </p:cNvPr>
+          <p:cNvSpPr>
+            <a:spLocks noGrp="1" noRot="1" noChangeAspect="1" noMove="1" noResize="1" noEditPoints="1" noAdjustHandles="1" noChangeArrowheads="1" noChangeShapeType="1" noTextEdit="1"/>
+          </p:cNvSpPr>
+          <p:nvPr>
+            <p:extLst>
+              <p:ext uri="{386F3935-93C4-4BCD-93E2-E3B085C9AB24}">
+                <p16:designElem xmlns:p16="http://schemas.microsoft.com/office/powerpoint/2015/main" val="1"/>
+              </p:ext>
+            </p:extLst>
+          </p:nvPr>
+        </p:nvSpPr>
+        <p:spPr bwMode="white">
+          <a:xfrm>
+            <a:off x="0" y="0"/>
+            <a:ext cx="12192000" cy="6858000"/>
+          </a:xfrm>
+          <a:prstGeom prst="rect">
+            <a:avLst/>
+          </a:prstGeom>
+          <a:ln>
+            <a:noFill/>
+          </a:ln>
+        </p:spPr>
+        <p:style>
+          <a:lnRef idx="2">
+            <a:schemeClr val="accent1">
+              <a:shade val="50000"/>
+            </a:schemeClr>
+          </a:lnRef>
+          <a:fillRef idx="1">
+            <a:schemeClr val="accent1"/>
+          </a:fillRef>
+          <a:effectRef idx="0">
+            <a:schemeClr val="accent1"/>
+          </a:effectRef>
+          <a:fontRef idx="minor">
+            <a:schemeClr val="lt1"/>
+          </a:fontRef>
+        </p:style>
+        <p:txBody>
+          <a:bodyPr rot="0" spcFirstLastPara="0" vert="horz" wrap="square" lIns="91440" tIns="45720" rIns="91440" bIns="45720" numCol="1" spcCol="0" rtlCol="0" fromWordArt="0" anchor="ctr" anchorCtr="0" forceAA="0" compatLnSpc="1">
+            <a:prstTxWarp prst="textNoShape">
+              <a:avLst/>
+            </a:prstTxWarp>
+            <a:noAutofit/>
+          </a:bodyPr>
+          <a:lstStyle>
+            <a:defPPr>
+              <a:defRPr lang="en-US"/>
+            </a:defPPr>
+            <a:lvl1pPr marL="0" algn="l" defTabSz="914400" rtl="0" eaLnBrk="1" latinLnBrk="0" hangingPunct="1">
+              <a:defRPr sz="1800" kern="1200">
+                <a:solidFill>
+                  <a:schemeClr val="lt1"/>
+                </a:solidFill>
+                <a:latin typeface="+mn-lt"/>
+                <a:ea typeface="+mn-ea"/>
+                <a:cs typeface="+mn-cs"/>
+              </a:defRPr>
+            </a:lvl1pPr>
+            <a:lvl2pPr marL="457200" algn="l" defTabSz="914400" rtl="0" eaLnBrk="1" latinLnBrk="0" hangingPunct="1">
+              <a:defRPr sz="1800" kern="1200">
+                <a:solidFill>
+                  <a:schemeClr val="lt1"/>
+                </a:solidFill>
+                <a:latin typeface="+mn-lt"/>
+                <a:ea typeface="+mn-ea"/>
+                <a:cs typeface="+mn-cs"/>
+              </a:defRPr>
+            </a:lvl2pPr>
+            <a:lvl3pPr marL="914400" algn="l" defTabSz="914400" rtl="0" eaLnBrk="1" latinLnBrk="0" hangingPunct="1">
+              <a:defRPr sz="1800" kern="1200">
+                <a:solidFill>
+                  <a:schemeClr val="lt1"/>
+                </a:solidFill>
+                <a:latin typeface="+mn-lt"/>
+                <a:ea typeface="+mn-ea"/>
+                <a:cs typeface="+mn-cs"/>
+              </a:defRPr>
+            </a:lvl3pPr>
+            <a:lvl4pPr marL="1371600" algn="l" defTabSz="914400" rtl="0" eaLnBrk="1" latinLnBrk="0" hangingPunct="1">
+              <a:defRPr sz="1800" kern="1200">
+                <a:solidFill>
+                  <a:schemeClr val="lt1"/>
+                </a:solidFill>
+                <a:latin typeface="+mn-lt"/>
+                <a:ea typeface="+mn-ea"/>
+                <a:cs typeface="+mn-cs"/>
+              </a:defRPr>
+            </a:lvl4pPr>
+            <a:lvl5pPr marL="1828800" algn="l" defTabSz="914400" rtl="0" eaLnBrk="1" latinLnBrk="0" hangingPunct="1">
+              <a:defRPr sz="1800" kern="1200">
+                <a:solidFill>
+                  <a:schemeClr val="lt1"/>
+                </a:solidFill>
+                <a:latin typeface="+mn-lt"/>
+                <a:ea typeface="+mn-ea"/>
+                <a:cs typeface="+mn-cs"/>
+              </a:defRPr>
+            </a:lvl5pPr>
+            <a:lvl6pPr marL="2286000" algn="l" defTabSz="914400" rtl="0" eaLnBrk="1" latinLnBrk="0" hangingPunct="1">
+              <a:defRPr sz="1800" kern="1200">
+                <a:solidFill>
+                  <a:schemeClr val="lt1"/>
+                </a:solidFill>
+                <a:latin typeface="+mn-lt"/>
+                <a:ea typeface="+mn-ea"/>
+                <a:cs typeface="+mn-cs"/>
+              </a:defRPr>
+            </a:lvl6pPr>
+            <a:lvl7pPr marL="2743200" algn="l" defTabSz="914400" rtl="0" eaLnBrk="1" latinLnBrk="0" hangingPunct="1">
+              <a:defRPr sz="1800" kern="1200">
+                <a:solidFill>
+                  <a:schemeClr val="lt1"/>
+                </a:solidFill>
+                <a:latin typeface="+mn-lt"/>
+                <a:ea typeface="+mn-ea"/>
+                <a:cs typeface="+mn-cs"/>
+              </a:defRPr>
+            </a:lvl7pPr>
+            <a:lvl8pPr marL="3200400" algn="l" defTabSz="914400" rtl="0" eaLnBrk="1" latinLnBrk="0" hangingPunct="1">
+              <a:defRPr sz="1800" kern="1200">
+                <a:solidFill>
+                  <a:schemeClr val="lt1"/>
+                </a:solidFill>
+                <a:latin typeface="+mn-lt"/>
+                <a:ea typeface="+mn-ea"/>
+                <a:cs typeface="+mn-cs"/>
+              </a:defRPr>
+            </a:lvl8pPr>
+            <a:lvl9pPr marL="3657600" algn="l" defTabSz="914400" rtl="0" eaLnBrk="1" latinLnBrk="0" hangingPunct="1">
+              <a:defRPr sz="1800" kern="1200">
+                <a:solidFill>
+                  <a:schemeClr val="lt1"/>
+                </a:solidFill>
+                <a:latin typeface="+mn-lt"/>
+                <a:ea typeface="+mn-ea"/>
+                <a:cs typeface="+mn-cs"/>
+              </a:defRPr>
+            </a:lvl9pPr>
+          </a:lstStyle>
+          <a:p>
+            <a:pPr algn="ctr"/>
+            <a:endParaRPr lang="en-US"/>
+          </a:p>
+        </p:txBody>
+      </p:sp>
       <p:sp>
         <p:nvSpPr>
           <p:cNvPr id="2" name="Title 1"/>
@@ -7235,16 +10635,18 @@
         </p:nvSpPr>
         <p:spPr>
           <a:xfrm>
-            <a:off x="1251678" y="876655"/>
-            <a:ext cx="10178322" cy="1492132"/>
+            <a:off x="1364361" y="691144"/>
+            <a:ext cx="3735958" cy="1492132"/>
           </a:xfrm>
         </p:spPr>
         <p:txBody>
-          <a:bodyPr/>
+          <a:bodyPr anchor="ctr">
+            <a:normAutofit/>
+          </a:bodyPr>
           <a:lstStyle/>
           <a:p>
             <a:r>
-              <a:rPr lang="en-US" dirty="0" smtClean="0"/>
+              <a:rPr lang="en-US" sz="7200" dirty="0"/>
               <a:t>Boolean</a:t>
             </a:r>
             <a:endParaRPr lang="en-US" dirty="0"/>
@@ -7253,109 +10655,581 @@
       </p:sp>
       <p:sp>
         <p:nvSpPr>
-          <p:cNvPr id="3" name="Content Placeholder 2"/>
+          <p:cNvPr id="12" name="Freeform 6">
+            <a:extLst>
+              <a:ext uri="{FF2B5EF4-FFF2-40B4-BE49-F238E27FC236}">
+                <a16:creationId xmlns:a16="http://schemas.microsoft.com/office/drawing/2014/main" xmlns="" id="{AB09A9E8-BF27-4613-A775-071F082083A9}"/>
+              </a:ext>
+              <a:ext uri="{C183D7F6-B498-43B3-948B-1728B52AA6E4}">
+                <adec:decorative xmlns:adec="http://schemas.microsoft.com/office/drawing/2017/decorative" xmlns="" val="1"/>
+              </a:ext>
+            </a:extLst>
+          </p:cNvPr>
           <p:cNvSpPr>
-            <a:spLocks noGrp="1"/>
+            <a:spLocks noGrp="1" noRot="1" noChangeAspect="1" noMove="1" noResize="1" noEditPoints="1" noAdjustHandles="1" noChangeArrowheads="1" noChangeShapeType="1" noTextEdit="1"/>
           </p:cNvSpPr>
           <p:nvPr>
-            <p:ph idx="1"/>
+            <p:extLst>
+              <p:ext uri="{386F3935-93C4-4BCD-93E2-E3B085C9AB24}">
+                <p16:designElem xmlns:p16="http://schemas.microsoft.com/office/powerpoint/2015/main" val="1"/>
+              </p:ext>
+            </p:extLst>
+          </p:nvPr>
+        </p:nvSpPr>
+        <p:spPr bwMode="auto">
+          <a:xfrm>
+            <a:off x="0" y="0"/>
+            <a:ext cx="885825" cy="6858000"/>
+          </a:xfrm>
+          <a:custGeom>
+            <a:avLst/>
+            <a:gdLst/>
+            <a:ahLst/>
+            <a:cxnLst/>
+            <a:rect l="0" t="0" r="r" b="b"/>
+            <a:pathLst>
+              <a:path w="558" h="4320">
+                <a:moveTo>
+                  <a:pt x="0" y="0"/>
+                </a:moveTo>
+                <a:lnTo>
+                  <a:pt x="447" y="0"/>
+                </a:lnTo>
+                <a:lnTo>
+                  <a:pt x="448" y="43"/>
+                </a:lnTo>
+                <a:lnTo>
+                  <a:pt x="453" y="81"/>
+                </a:lnTo>
+                <a:lnTo>
+                  <a:pt x="460" y="114"/>
+                </a:lnTo>
+                <a:lnTo>
+                  <a:pt x="469" y="143"/>
+                </a:lnTo>
+                <a:lnTo>
+                  <a:pt x="479" y="169"/>
+                </a:lnTo>
+                <a:lnTo>
+                  <a:pt x="491" y="192"/>
+                </a:lnTo>
+                <a:lnTo>
+                  <a:pt x="503" y="216"/>
+                </a:lnTo>
+                <a:lnTo>
+                  <a:pt x="515" y="240"/>
+                </a:lnTo>
+                <a:lnTo>
+                  <a:pt x="525" y="263"/>
+                </a:lnTo>
+                <a:lnTo>
+                  <a:pt x="535" y="289"/>
+                </a:lnTo>
+                <a:lnTo>
+                  <a:pt x="545" y="318"/>
+                </a:lnTo>
+                <a:lnTo>
+                  <a:pt x="552" y="351"/>
+                </a:lnTo>
+                <a:lnTo>
+                  <a:pt x="556" y="389"/>
+                </a:lnTo>
+                <a:lnTo>
+                  <a:pt x="558" y="432"/>
+                </a:lnTo>
+                <a:lnTo>
+                  <a:pt x="556" y="475"/>
+                </a:lnTo>
+                <a:lnTo>
+                  <a:pt x="552" y="513"/>
+                </a:lnTo>
+                <a:lnTo>
+                  <a:pt x="545" y="546"/>
+                </a:lnTo>
+                <a:lnTo>
+                  <a:pt x="535" y="575"/>
+                </a:lnTo>
+                <a:lnTo>
+                  <a:pt x="525" y="601"/>
+                </a:lnTo>
+                <a:lnTo>
+                  <a:pt x="515" y="624"/>
+                </a:lnTo>
+                <a:lnTo>
+                  <a:pt x="503" y="648"/>
+                </a:lnTo>
+                <a:lnTo>
+                  <a:pt x="491" y="672"/>
+                </a:lnTo>
+                <a:lnTo>
+                  <a:pt x="479" y="695"/>
+                </a:lnTo>
+                <a:lnTo>
+                  <a:pt x="469" y="721"/>
+                </a:lnTo>
+                <a:lnTo>
+                  <a:pt x="460" y="750"/>
+                </a:lnTo>
+                <a:lnTo>
+                  <a:pt x="453" y="783"/>
+                </a:lnTo>
+                <a:lnTo>
+                  <a:pt x="448" y="821"/>
+                </a:lnTo>
+                <a:lnTo>
+                  <a:pt x="447" y="864"/>
+                </a:lnTo>
+                <a:lnTo>
+                  <a:pt x="448" y="907"/>
+                </a:lnTo>
+                <a:lnTo>
+                  <a:pt x="453" y="945"/>
+                </a:lnTo>
+                <a:lnTo>
+                  <a:pt x="460" y="978"/>
+                </a:lnTo>
+                <a:lnTo>
+                  <a:pt x="469" y="1007"/>
+                </a:lnTo>
+                <a:lnTo>
+                  <a:pt x="479" y="1033"/>
+                </a:lnTo>
+                <a:lnTo>
+                  <a:pt x="491" y="1056"/>
+                </a:lnTo>
+                <a:lnTo>
+                  <a:pt x="503" y="1080"/>
+                </a:lnTo>
+                <a:lnTo>
+                  <a:pt x="515" y="1104"/>
+                </a:lnTo>
+                <a:lnTo>
+                  <a:pt x="525" y="1127"/>
+                </a:lnTo>
+                <a:lnTo>
+                  <a:pt x="535" y="1153"/>
+                </a:lnTo>
+                <a:lnTo>
+                  <a:pt x="545" y="1182"/>
+                </a:lnTo>
+                <a:lnTo>
+                  <a:pt x="552" y="1215"/>
+                </a:lnTo>
+                <a:lnTo>
+                  <a:pt x="556" y="1253"/>
+                </a:lnTo>
+                <a:lnTo>
+                  <a:pt x="558" y="1296"/>
+                </a:lnTo>
+                <a:lnTo>
+                  <a:pt x="556" y="1339"/>
+                </a:lnTo>
+                <a:lnTo>
+                  <a:pt x="552" y="1377"/>
+                </a:lnTo>
+                <a:lnTo>
+                  <a:pt x="545" y="1410"/>
+                </a:lnTo>
+                <a:lnTo>
+                  <a:pt x="535" y="1439"/>
+                </a:lnTo>
+                <a:lnTo>
+                  <a:pt x="525" y="1465"/>
+                </a:lnTo>
+                <a:lnTo>
+                  <a:pt x="515" y="1488"/>
+                </a:lnTo>
+                <a:lnTo>
+                  <a:pt x="503" y="1512"/>
+                </a:lnTo>
+                <a:lnTo>
+                  <a:pt x="491" y="1536"/>
+                </a:lnTo>
+                <a:lnTo>
+                  <a:pt x="479" y="1559"/>
+                </a:lnTo>
+                <a:lnTo>
+                  <a:pt x="469" y="1585"/>
+                </a:lnTo>
+                <a:lnTo>
+                  <a:pt x="460" y="1614"/>
+                </a:lnTo>
+                <a:lnTo>
+                  <a:pt x="453" y="1647"/>
+                </a:lnTo>
+                <a:lnTo>
+                  <a:pt x="448" y="1685"/>
+                </a:lnTo>
+                <a:lnTo>
+                  <a:pt x="447" y="1728"/>
+                </a:lnTo>
+                <a:lnTo>
+                  <a:pt x="448" y="1771"/>
+                </a:lnTo>
+                <a:lnTo>
+                  <a:pt x="453" y="1809"/>
+                </a:lnTo>
+                <a:lnTo>
+                  <a:pt x="460" y="1842"/>
+                </a:lnTo>
+                <a:lnTo>
+                  <a:pt x="469" y="1871"/>
+                </a:lnTo>
+                <a:lnTo>
+                  <a:pt x="479" y="1897"/>
+                </a:lnTo>
+                <a:lnTo>
+                  <a:pt x="491" y="1920"/>
+                </a:lnTo>
+                <a:lnTo>
+                  <a:pt x="503" y="1944"/>
+                </a:lnTo>
+                <a:lnTo>
+                  <a:pt x="515" y="1968"/>
+                </a:lnTo>
+                <a:lnTo>
+                  <a:pt x="525" y="1991"/>
+                </a:lnTo>
+                <a:lnTo>
+                  <a:pt x="535" y="2017"/>
+                </a:lnTo>
+                <a:lnTo>
+                  <a:pt x="545" y="2046"/>
+                </a:lnTo>
+                <a:lnTo>
+                  <a:pt x="552" y="2079"/>
+                </a:lnTo>
+                <a:lnTo>
+                  <a:pt x="556" y="2117"/>
+                </a:lnTo>
+                <a:lnTo>
+                  <a:pt x="558" y="2159"/>
+                </a:lnTo>
+                <a:lnTo>
+                  <a:pt x="556" y="2203"/>
+                </a:lnTo>
+                <a:lnTo>
+                  <a:pt x="552" y="2241"/>
+                </a:lnTo>
+                <a:lnTo>
+                  <a:pt x="545" y="2274"/>
+                </a:lnTo>
+                <a:lnTo>
+                  <a:pt x="535" y="2303"/>
+                </a:lnTo>
+                <a:lnTo>
+                  <a:pt x="525" y="2329"/>
+                </a:lnTo>
+                <a:lnTo>
+                  <a:pt x="515" y="2352"/>
+                </a:lnTo>
+                <a:lnTo>
+                  <a:pt x="503" y="2376"/>
+                </a:lnTo>
+                <a:lnTo>
+                  <a:pt x="491" y="2400"/>
+                </a:lnTo>
+                <a:lnTo>
+                  <a:pt x="479" y="2423"/>
+                </a:lnTo>
+                <a:lnTo>
+                  <a:pt x="469" y="2449"/>
+                </a:lnTo>
+                <a:lnTo>
+                  <a:pt x="460" y="2478"/>
+                </a:lnTo>
+                <a:lnTo>
+                  <a:pt x="453" y="2511"/>
+                </a:lnTo>
+                <a:lnTo>
+                  <a:pt x="448" y="2549"/>
+                </a:lnTo>
+                <a:lnTo>
+                  <a:pt x="447" y="2592"/>
+                </a:lnTo>
+                <a:lnTo>
+                  <a:pt x="448" y="2635"/>
+                </a:lnTo>
+                <a:lnTo>
+                  <a:pt x="453" y="2673"/>
+                </a:lnTo>
+                <a:lnTo>
+                  <a:pt x="460" y="2706"/>
+                </a:lnTo>
+                <a:lnTo>
+                  <a:pt x="469" y="2735"/>
+                </a:lnTo>
+                <a:lnTo>
+                  <a:pt x="479" y="2761"/>
+                </a:lnTo>
+                <a:lnTo>
+                  <a:pt x="491" y="2784"/>
+                </a:lnTo>
+                <a:lnTo>
+                  <a:pt x="515" y="2832"/>
+                </a:lnTo>
+                <a:lnTo>
+                  <a:pt x="525" y="2855"/>
+                </a:lnTo>
+                <a:lnTo>
+                  <a:pt x="535" y="2881"/>
+                </a:lnTo>
+                <a:lnTo>
+                  <a:pt x="545" y="2910"/>
+                </a:lnTo>
+                <a:lnTo>
+                  <a:pt x="552" y="2943"/>
+                </a:lnTo>
+                <a:lnTo>
+                  <a:pt x="556" y="2981"/>
+                </a:lnTo>
+                <a:lnTo>
+                  <a:pt x="558" y="3024"/>
+                </a:lnTo>
+                <a:lnTo>
+                  <a:pt x="556" y="3067"/>
+                </a:lnTo>
+                <a:lnTo>
+                  <a:pt x="552" y="3105"/>
+                </a:lnTo>
+                <a:lnTo>
+                  <a:pt x="545" y="3138"/>
+                </a:lnTo>
+                <a:lnTo>
+                  <a:pt x="535" y="3167"/>
+                </a:lnTo>
+                <a:lnTo>
+                  <a:pt x="525" y="3193"/>
+                </a:lnTo>
+                <a:lnTo>
+                  <a:pt x="515" y="3216"/>
+                </a:lnTo>
+                <a:lnTo>
+                  <a:pt x="503" y="3240"/>
+                </a:lnTo>
+                <a:lnTo>
+                  <a:pt x="491" y="3264"/>
+                </a:lnTo>
+                <a:lnTo>
+                  <a:pt x="479" y="3287"/>
+                </a:lnTo>
+                <a:lnTo>
+                  <a:pt x="469" y="3313"/>
+                </a:lnTo>
+                <a:lnTo>
+                  <a:pt x="460" y="3342"/>
+                </a:lnTo>
+                <a:lnTo>
+                  <a:pt x="453" y="3375"/>
+                </a:lnTo>
+                <a:lnTo>
+                  <a:pt x="448" y="3413"/>
+                </a:lnTo>
+                <a:lnTo>
+                  <a:pt x="447" y="3456"/>
+                </a:lnTo>
+                <a:lnTo>
+                  <a:pt x="448" y="3499"/>
+                </a:lnTo>
+                <a:lnTo>
+                  <a:pt x="453" y="3537"/>
+                </a:lnTo>
+                <a:lnTo>
+                  <a:pt x="460" y="3570"/>
+                </a:lnTo>
+                <a:lnTo>
+                  <a:pt x="469" y="3599"/>
+                </a:lnTo>
+                <a:lnTo>
+                  <a:pt x="479" y="3625"/>
+                </a:lnTo>
+                <a:lnTo>
+                  <a:pt x="491" y="3648"/>
+                </a:lnTo>
+                <a:lnTo>
+                  <a:pt x="503" y="3672"/>
+                </a:lnTo>
+                <a:lnTo>
+                  <a:pt x="515" y="3696"/>
+                </a:lnTo>
+                <a:lnTo>
+                  <a:pt x="525" y="3719"/>
+                </a:lnTo>
+                <a:lnTo>
+                  <a:pt x="535" y="3745"/>
+                </a:lnTo>
+                <a:lnTo>
+                  <a:pt x="545" y="3774"/>
+                </a:lnTo>
+                <a:lnTo>
+                  <a:pt x="552" y="3807"/>
+                </a:lnTo>
+                <a:lnTo>
+                  <a:pt x="556" y="3845"/>
+                </a:lnTo>
+                <a:lnTo>
+                  <a:pt x="558" y="3888"/>
+                </a:lnTo>
+                <a:lnTo>
+                  <a:pt x="556" y="3931"/>
+                </a:lnTo>
+                <a:lnTo>
+                  <a:pt x="552" y="3969"/>
+                </a:lnTo>
+                <a:lnTo>
+                  <a:pt x="545" y="4002"/>
+                </a:lnTo>
+                <a:lnTo>
+                  <a:pt x="535" y="4031"/>
+                </a:lnTo>
+                <a:lnTo>
+                  <a:pt x="525" y="4057"/>
+                </a:lnTo>
+                <a:lnTo>
+                  <a:pt x="515" y="4080"/>
+                </a:lnTo>
+                <a:lnTo>
+                  <a:pt x="503" y="4104"/>
+                </a:lnTo>
+                <a:lnTo>
+                  <a:pt x="491" y="4128"/>
+                </a:lnTo>
+                <a:lnTo>
+                  <a:pt x="479" y="4151"/>
+                </a:lnTo>
+                <a:lnTo>
+                  <a:pt x="469" y="4177"/>
+                </a:lnTo>
+                <a:lnTo>
+                  <a:pt x="460" y="4206"/>
+                </a:lnTo>
+                <a:lnTo>
+                  <a:pt x="453" y="4239"/>
+                </a:lnTo>
+                <a:lnTo>
+                  <a:pt x="448" y="4277"/>
+                </a:lnTo>
+                <a:lnTo>
+                  <a:pt x="447" y="4320"/>
+                </a:lnTo>
+                <a:lnTo>
+                  <a:pt x="0" y="4320"/>
+                </a:lnTo>
+                <a:lnTo>
+                  <a:pt x="0" y="0"/>
+                </a:lnTo>
+                <a:close/>
+              </a:path>
+            </a:pathLst>
+          </a:custGeom>
+          <a:solidFill>
+            <a:schemeClr val="accent1"/>
+          </a:solidFill>
+          <a:ln w="0">
+            <a:noFill/>
+            <a:prstDash val="solid"/>
+            <a:round/>
+            <a:headEnd/>
+            <a:tailEnd/>
+          </a:ln>
+        </p:spPr>
+      </p:sp>
+      <p:sp>
+        <p:nvSpPr>
+          <p:cNvPr id="14" name="Rectangle 13">
+            <a:extLst>
+              <a:ext uri="{FF2B5EF4-FFF2-40B4-BE49-F238E27FC236}">
+                <a16:creationId xmlns:a16="http://schemas.microsoft.com/office/drawing/2014/main" xmlns="" id="{C3AFE299-6F79-44AF-9A77-2DC2DC1F8461}"/>
+              </a:ext>
+              <a:ext uri="{C183D7F6-B498-43B3-948B-1728B52AA6E4}">
+                <adec:decorative xmlns:adec="http://schemas.microsoft.com/office/drawing/2017/decorative" xmlns="" val="1"/>
+              </a:ext>
+            </a:extLst>
+          </p:cNvPr>
+          <p:cNvSpPr>
+            <a:spLocks noGrp="1" noRot="1" noChangeAspect="1" noMove="1" noResize="1" noEditPoints="1" noAdjustHandles="1" noChangeArrowheads="1" noChangeShapeType="1" noTextEdit="1"/>
+          </p:cNvSpPr>
+          <p:nvPr>
+            <p:extLst>
+              <p:ext uri="{386F3935-93C4-4BCD-93E2-E3B085C9AB24}">
+                <p16:designElem xmlns:p16="http://schemas.microsoft.com/office/powerpoint/2015/main" val="1"/>
+              </p:ext>
+            </p:extLst>
           </p:nvPr>
         </p:nvSpPr>
         <p:spPr>
           <a:xfrm>
-            <a:off x="1251678" y="2084582"/>
-            <a:ext cx="10178322" cy="3747808"/>
+            <a:off x="11908536" y="0"/>
+            <a:ext cx="283464" cy="6858000"/>
           </a:xfrm>
+          <a:prstGeom prst="rect">
+            <a:avLst/>
+          </a:prstGeom>
           <a:solidFill>
             <a:schemeClr val="accent1"/>
           </a:solidFill>
+          <a:ln>
+            <a:noFill/>
+          </a:ln>
         </p:spPr>
-        <p:txBody>
-          <a:bodyPr>
-            <a:normAutofit/>
-          </a:bodyPr>
-          <a:lstStyle/>
-          <a:p>
-            <a:r>
-              <a:rPr lang="en-US" sz="3600" dirty="0" smtClean="0"/>
-              <a:t>One of the primitive data types</a:t>
-            </a:r>
-          </a:p>
-          <a:p>
-            <a:r>
-              <a:rPr lang="en-US" sz="3600" dirty="0" smtClean="0"/>
-              <a:t>Two values: </a:t>
-            </a:r>
-            <a:r>
-              <a:rPr lang="en-US" sz="3600" dirty="0" smtClean="0">
-                <a:solidFill>
-                  <a:schemeClr val="accent4"/>
-                </a:solidFill>
-              </a:rPr>
-              <a:t>true</a:t>
-            </a:r>
-            <a:r>
-              <a:rPr lang="en-US" sz="3600" dirty="0" smtClean="0"/>
-              <a:t> and </a:t>
-            </a:r>
-            <a:r>
-              <a:rPr lang="en-US" sz="3600" dirty="0" smtClean="0">
-                <a:solidFill>
-                  <a:schemeClr val="accent5"/>
-                </a:solidFill>
-              </a:rPr>
-              <a:t>false</a:t>
-            </a:r>
-          </a:p>
-          <a:p>
-            <a:r>
-              <a:rPr lang="en-US" sz="3600" dirty="0" smtClean="0">
-                <a:solidFill>
-                  <a:schemeClr val="accent2"/>
-                </a:solidFill>
-              </a:rPr>
-              <a:t>Can be used in conditionals</a:t>
-            </a:r>
-          </a:p>
-          <a:p>
-            <a:r>
-              <a:rPr lang="en-US" sz="3600" dirty="0" smtClean="0">
-                <a:solidFill>
-                  <a:schemeClr val="accent2"/>
-                </a:solidFill>
-              </a:rPr>
-              <a:t>Only two values so often does not need to be declared</a:t>
-            </a:r>
-          </a:p>
-          <a:p>
-            <a:endParaRPr lang="en-US" sz="2400" dirty="0" smtClean="0">
-              <a:solidFill>
-                <a:schemeClr val="accent5"/>
-              </a:solidFill>
-            </a:endParaRPr>
-          </a:p>
-          <a:p>
-            <a:endParaRPr lang="en-US" sz="2400" dirty="0"/>
-          </a:p>
-        </p:txBody>
+        <p:style>
+          <a:lnRef idx="2">
+            <a:schemeClr val="accent1">
+              <a:shade val="50000"/>
+            </a:schemeClr>
+          </a:lnRef>
+          <a:fillRef idx="1">
+            <a:schemeClr val="accent1"/>
+          </a:fillRef>
+          <a:effectRef idx="0">
+            <a:schemeClr val="accent1"/>
+          </a:effectRef>
+          <a:fontRef idx="minor">
+            <a:schemeClr val="lt1"/>
+          </a:fontRef>
+        </p:style>
       </p:sp>
+      <p:graphicFrame>
+        <p:nvGraphicFramePr>
+          <p:cNvPr id="5" name="Content Placeholder 2">
+            <a:extLst>
+              <a:ext uri="{FF2B5EF4-FFF2-40B4-BE49-F238E27FC236}">
+                <a16:creationId xmlns:a16="http://schemas.microsoft.com/office/drawing/2014/main" xmlns="" id="{5E669B73-DE15-4AD8-A495-26BF4327822F}"/>
+              </a:ext>
+            </a:extLst>
+          </p:cNvPr>
+          <p:cNvGraphicFramePr>
+            <a:graphicFrameLocks noGrp="1"/>
+          </p:cNvGraphicFramePr>
+          <p:nvPr>
+            <p:ph idx="1"/>
+            <p:extLst>
+              <p:ext uri="{D42A27DB-BD31-4B8C-83A1-F6EECF244321}">
+                <p14:modId xmlns:p14="http://schemas.microsoft.com/office/powerpoint/2010/main" val="2038941328"/>
+              </p:ext>
+            </p:extLst>
+          </p:nvPr>
+        </p:nvGraphicFramePr>
+        <p:xfrm>
+          <a:off x="1250950" y="2286000"/>
+          <a:ext cx="10179050" cy="3594100"/>
+        </p:xfrm>
+        <a:graphic>
+          <a:graphicData uri="http://schemas.openxmlformats.org/drawingml/2006/diagram">
+            <dgm:relIds xmlns:dgm="http://schemas.openxmlformats.org/drawingml/2006/diagram" xmlns:r="http://schemas.openxmlformats.org/officeDocument/2006/relationships" r:dm="rId2" r:lo="rId3" r:qs="rId4" r:cs="rId5"/>
+          </a:graphicData>
+        </a:graphic>
+      </p:graphicFrame>
     </p:spTree>
     <p:extLst>
       <p:ext uri="{BB962C8B-B14F-4D97-AF65-F5344CB8AC3E}">
-        <p14:creationId xmlns:p14="http://schemas.microsoft.com/office/powerpoint/2010/main" val="449928894"/>
+        <p14:creationId xmlns:p14="http://schemas.microsoft.com/office/powerpoint/2010/main" val="3723093140"/>
       </p:ext>
     </p:extLst>
   </p:cSld>
   <p:clrMapOvr>
     <a:masterClrMapping/>
   </p:clrMapOvr>
-  <p:timing>
-    <p:tnLst>
-      <p:par>
-        <p:cTn id="1" dur="indefinite" restart="never" nodeType="tmRoot"/>
-      </p:par>
-    </p:tnLst>
-  </p:timing>
 </p:sld>
 </file>
 
@@ -7432,8 +11306,13 @@
           <a:p>
             <a:r>
               <a:rPr lang="en-US" sz="2400" dirty="0" smtClean="0"/>
-              <a:t>Often used to allow users to respond to the program</a:t>
+              <a:t>Often used to </a:t>
             </a:r>
+            <a:r>
+              <a:rPr lang="en-US" sz="2400" dirty="0" smtClean="0"/>
+              <a:t>allows programs to respond to the user</a:t>
+            </a:r>
+            <a:endParaRPr lang="en-US" sz="2400" dirty="0" smtClean="0"/>
           </a:p>
           <a:p>
             <a:r>
@@ -7445,7 +11324,11 @@
             <a:pPr lvl="1"/>
             <a:r>
               <a:rPr lang="en-US" sz="2400" dirty="0" smtClean="0"/>
-              <a:t>If-Else statements</a:t>
+              <a:t>If-Else </a:t>
+            </a:r>
+            <a:r>
+              <a:rPr lang="en-US" sz="2400" dirty="0" smtClean="0"/>
+              <a:t>statements</a:t>
             </a:r>
           </a:p>
           <a:p>
@@ -8397,6 +12280,1811 @@
       </p:grpSpPr>
       <p:sp>
         <p:nvSpPr>
+          <p:cNvPr id="42" name="Freeform 6">
+            <a:extLst>
+              <a:ext uri="{FF2B5EF4-FFF2-40B4-BE49-F238E27FC236}">
+                <a16:creationId xmlns:a16="http://schemas.microsoft.com/office/drawing/2014/main" xmlns="" id="{B217C2AD-51B4-40CE-A71F-F5D3F846D97B}"/>
+              </a:ext>
+              <a:ext uri="{C183D7F6-B498-43B3-948B-1728B52AA6E4}">
+                <adec:decorative xmlns:adec="http://schemas.microsoft.com/office/drawing/2017/decorative" xmlns="" val="1"/>
+              </a:ext>
+            </a:extLst>
+          </p:cNvPr>
+          <p:cNvSpPr>
+            <a:spLocks noGrp="1" noRot="1" noChangeAspect="1" noMove="1" noResize="1" noEditPoints="1" noAdjustHandles="1" noChangeArrowheads="1" noChangeShapeType="1" noTextEdit="1"/>
+          </p:cNvSpPr>
+          <p:nvPr>
+            <p:extLst>
+              <p:ext uri="{386F3935-93C4-4BCD-93E2-E3B085C9AB24}">
+                <p16:designElem xmlns:p16="http://schemas.microsoft.com/office/powerpoint/2015/main" val="1"/>
+              </p:ext>
+            </p:extLst>
+          </p:nvPr>
+        </p:nvSpPr>
+        <p:spPr bwMode="auto">
+          <a:xfrm>
+            <a:off x="3557016" y="630936"/>
+            <a:ext cx="5235575" cy="5229225"/>
+          </a:xfrm>
+          <a:custGeom>
+            <a:avLst/>
+            <a:gdLst/>
+            <a:ahLst/>
+            <a:cxnLst/>
+            <a:rect l="0" t="0" r="r" b="b"/>
+            <a:pathLst>
+              <a:path w="3298" h="3294">
+                <a:moveTo>
+                  <a:pt x="1649" y="0"/>
+                </a:moveTo>
+                <a:lnTo>
+                  <a:pt x="1681" y="3"/>
+                </a:lnTo>
+                <a:lnTo>
+                  <a:pt x="1712" y="11"/>
+                </a:lnTo>
+                <a:lnTo>
+                  <a:pt x="1742" y="23"/>
+                </a:lnTo>
+                <a:lnTo>
+                  <a:pt x="1773" y="38"/>
+                </a:lnTo>
+                <a:lnTo>
+                  <a:pt x="1802" y="55"/>
+                </a:lnTo>
+                <a:lnTo>
+                  <a:pt x="1832" y="73"/>
+                </a:lnTo>
+                <a:lnTo>
+                  <a:pt x="1862" y="89"/>
+                </a:lnTo>
+                <a:lnTo>
+                  <a:pt x="1892" y="105"/>
+                </a:lnTo>
+                <a:lnTo>
+                  <a:pt x="1921" y="117"/>
+                </a:lnTo>
+                <a:lnTo>
+                  <a:pt x="1953" y="125"/>
+                </a:lnTo>
+                <a:lnTo>
+                  <a:pt x="1984" y="129"/>
+                </a:lnTo>
+                <a:lnTo>
+                  <a:pt x="2017" y="129"/>
+                </a:lnTo>
+                <a:lnTo>
+                  <a:pt x="2051" y="127"/>
+                </a:lnTo>
+                <a:lnTo>
+                  <a:pt x="2085" y="123"/>
+                </a:lnTo>
+                <a:lnTo>
+                  <a:pt x="2119" y="118"/>
+                </a:lnTo>
+                <a:lnTo>
+                  <a:pt x="2153" y="114"/>
+                </a:lnTo>
+                <a:lnTo>
+                  <a:pt x="2187" y="111"/>
+                </a:lnTo>
+                <a:lnTo>
+                  <a:pt x="2219" y="112"/>
+                </a:lnTo>
+                <a:lnTo>
+                  <a:pt x="2250" y="116"/>
+                </a:lnTo>
+                <a:lnTo>
+                  <a:pt x="2280" y="125"/>
+                </a:lnTo>
+                <a:lnTo>
+                  <a:pt x="2305" y="138"/>
+                </a:lnTo>
+                <a:lnTo>
+                  <a:pt x="2329" y="155"/>
+                </a:lnTo>
+                <a:lnTo>
+                  <a:pt x="2350" y="175"/>
+                </a:lnTo>
+                <a:lnTo>
+                  <a:pt x="2371" y="198"/>
+                </a:lnTo>
+                <a:lnTo>
+                  <a:pt x="2390" y="222"/>
+                </a:lnTo>
+                <a:lnTo>
+                  <a:pt x="2409" y="247"/>
+                </a:lnTo>
+                <a:lnTo>
+                  <a:pt x="2428" y="272"/>
+                </a:lnTo>
+                <a:lnTo>
+                  <a:pt x="2447" y="296"/>
+                </a:lnTo>
+                <a:lnTo>
+                  <a:pt x="2467" y="319"/>
+                </a:lnTo>
+                <a:lnTo>
+                  <a:pt x="2490" y="339"/>
+                </a:lnTo>
+                <a:lnTo>
+                  <a:pt x="2512" y="357"/>
+                </a:lnTo>
+                <a:lnTo>
+                  <a:pt x="2537" y="371"/>
+                </a:lnTo>
+                <a:lnTo>
+                  <a:pt x="2564" y="383"/>
+                </a:lnTo>
+                <a:lnTo>
+                  <a:pt x="2593" y="393"/>
+                </a:lnTo>
+                <a:lnTo>
+                  <a:pt x="2623" y="402"/>
+                </a:lnTo>
+                <a:lnTo>
+                  <a:pt x="2653" y="410"/>
+                </a:lnTo>
+                <a:lnTo>
+                  <a:pt x="2684" y="418"/>
+                </a:lnTo>
+                <a:lnTo>
+                  <a:pt x="2713" y="427"/>
+                </a:lnTo>
+                <a:lnTo>
+                  <a:pt x="2742" y="437"/>
+                </a:lnTo>
+                <a:lnTo>
+                  <a:pt x="2769" y="449"/>
+                </a:lnTo>
+                <a:lnTo>
+                  <a:pt x="2793" y="464"/>
+                </a:lnTo>
+                <a:lnTo>
+                  <a:pt x="2815" y="482"/>
+                </a:lnTo>
+                <a:lnTo>
+                  <a:pt x="2833" y="504"/>
+                </a:lnTo>
+                <a:lnTo>
+                  <a:pt x="2848" y="528"/>
+                </a:lnTo>
+                <a:lnTo>
+                  <a:pt x="2860" y="555"/>
+                </a:lnTo>
+                <a:lnTo>
+                  <a:pt x="2870" y="584"/>
+                </a:lnTo>
+                <a:lnTo>
+                  <a:pt x="2879" y="613"/>
+                </a:lnTo>
+                <a:lnTo>
+                  <a:pt x="2887" y="644"/>
+                </a:lnTo>
+                <a:lnTo>
+                  <a:pt x="2895" y="674"/>
+                </a:lnTo>
+                <a:lnTo>
+                  <a:pt x="2904" y="704"/>
+                </a:lnTo>
+                <a:lnTo>
+                  <a:pt x="2914" y="733"/>
+                </a:lnTo>
+                <a:lnTo>
+                  <a:pt x="2926" y="760"/>
+                </a:lnTo>
+                <a:lnTo>
+                  <a:pt x="2940" y="785"/>
+                </a:lnTo>
+                <a:lnTo>
+                  <a:pt x="2958" y="807"/>
+                </a:lnTo>
+                <a:lnTo>
+                  <a:pt x="2978" y="830"/>
+                </a:lnTo>
+                <a:lnTo>
+                  <a:pt x="3001" y="850"/>
+                </a:lnTo>
+                <a:lnTo>
+                  <a:pt x="3025" y="869"/>
+                </a:lnTo>
+                <a:lnTo>
+                  <a:pt x="3051" y="888"/>
+                </a:lnTo>
+                <a:lnTo>
+                  <a:pt x="3076" y="907"/>
+                </a:lnTo>
+                <a:lnTo>
+                  <a:pt x="3100" y="926"/>
+                </a:lnTo>
+                <a:lnTo>
+                  <a:pt x="3123" y="947"/>
+                </a:lnTo>
+                <a:lnTo>
+                  <a:pt x="3143" y="968"/>
+                </a:lnTo>
+                <a:lnTo>
+                  <a:pt x="3160" y="992"/>
+                </a:lnTo>
+                <a:lnTo>
+                  <a:pt x="3173" y="1017"/>
+                </a:lnTo>
+                <a:lnTo>
+                  <a:pt x="3182" y="1047"/>
+                </a:lnTo>
+                <a:lnTo>
+                  <a:pt x="3186" y="1078"/>
+                </a:lnTo>
+                <a:lnTo>
+                  <a:pt x="3187" y="1110"/>
+                </a:lnTo>
+                <a:lnTo>
+                  <a:pt x="3184" y="1144"/>
+                </a:lnTo>
+                <a:lnTo>
+                  <a:pt x="3180" y="1178"/>
+                </a:lnTo>
+                <a:lnTo>
+                  <a:pt x="3175" y="1212"/>
+                </a:lnTo>
+                <a:lnTo>
+                  <a:pt x="3171" y="1246"/>
+                </a:lnTo>
+                <a:lnTo>
+                  <a:pt x="3169" y="1280"/>
+                </a:lnTo>
+                <a:lnTo>
+                  <a:pt x="3169" y="1313"/>
+                </a:lnTo>
+                <a:lnTo>
+                  <a:pt x="3173" y="1344"/>
+                </a:lnTo>
+                <a:lnTo>
+                  <a:pt x="3181" y="1375"/>
+                </a:lnTo>
+                <a:lnTo>
+                  <a:pt x="3193" y="1404"/>
+                </a:lnTo>
+                <a:lnTo>
+                  <a:pt x="3209" y="1434"/>
+                </a:lnTo>
+                <a:lnTo>
+                  <a:pt x="3225" y="1464"/>
+                </a:lnTo>
+                <a:lnTo>
+                  <a:pt x="3243" y="1494"/>
+                </a:lnTo>
+                <a:lnTo>
+                  <a:pt x="3260" y="1523"/>
+                </a:lnTo>
+                <a:lnTo>
+                  <a:pt x="3275" y="1554"/>
+                </a:lnTo>
+                <a:lnTo>
+                  <a:pt x="3287" y="1584"/>
+                </a:lnTo>
+                <a:lnTo>
+                  <a:pt x="3295" y="1615"/>
+                </a:lnTo>
+                <a:lnTo>
+                  <a:pt x="3298" y="1647"/>
+                </a:lnTo>
+                <a:lnTo>
+                  <a:pt x="3295" y="1679"/>
+                </a:lnTo>
+                <a:lnTo>
+                  <a:pt x="3287" y="1710"/>
+                </a:lnTo>
+                <a:lnTo>
+                  <a:pt x="3275" y="1740"/>
+                </a:lnTo>
+                <a:lnTo>
+                  <a:pt x="3260" y="1771"/>
+                </a:lnTo>
+                <a:lnTo>
+                  <a:pt x="3243" y="1800"/>
+                </a:lnTo>
+                <a:lnTo>
+                  <a:pt x="3225" y="1830"/>
+                </a:lnTo>
+                <a:lnTo>
+                  <a:pt x="3209" y="1860"/>
+                </a:lnTo>
+                <a:lnTo>
+                  <a:pt x="3193" y="1890"/>
+                </a:lnTo>
+                <a:lnTo>
+                  <a:pt x="3181" y="1919"/>
+                </a:lnTo>
+                <a:lnTo>
+                  <a:pt x="3173" y="1950"/>
+                </a:lnTo>
+                <a:lnTo>
+                  <a:pt x="3169" y="1981"/>
+                </a:lnTo>
+                <a:lnTo>
+                  <a:pt x="3169" y="2014"/>
+                </a:lnTo>
+                <a:lnTo>
+                  <a:pt x="3171" y="2048"/>
+                </a:lnTo>
+                <a:lnTo>
+                  <a:pt x="3175" y="2082"/>
+                </a:lnTo>
+                <a:lnTo>
+                  <a:pt x="3180" y="2116"/>
+                </a:lnTo>
+                <a:lnTo>
+                  <a:pt x="3184" y="2150"/>
+                </a:lnTo>
+                <a:lnTo>
+                  <a:pt x="3187" y="2184"/>
+                </a:lnTo>
+                <a:lnTo>
+                  <a:pt x="3186" y="2216"/>
+                </a:lnTo>
+                <a:lnTo>
+                  <a:pt x="3182" y="2247"/>
+                </a:lnTo>
+                <a:lnTo>
+                  <a:pt x="3173" y="2277"/>
+                </a:lnTo>
+                <a:lnTo>
+                  <a:pt x="3160" y="2302"/>
+                </a:lnTo>
+                <a:lnTo>
+                  <a:pt x="3143" y="2326"/>
+                </a:lnTo>
+                <a:lnTo>
+                  <a:pt x="3123" y="2347"/>
+                </a:lnTo>
+                <a:lnTo>
+                  <a:pt x="3100" y="2368"/>
+                </a:lnTo>
+                <a:lnTo>
+                  <a:pt x="3076" y="2387"/>
+                </a:lnTo>
+                <a:lnTo>
+                  <a:pt x="3051" y="2406"/>
+                </a:lnTo>
+                <a:lnTo>
+                  <a:pt x="3025" y="2425"/>
+                </a:lnTo>
+                <a:lnTo>
+                  <a:pt x="3001" y="2444"/>
+                </a:lnTo>
+                <a:lnTo>
+                  <a:pt x="2978" y="2464"/>
+                </a:lnTo>
+                <a:lnTo>
+                  <a:pt x="2958" y="2487"/>
+                </a:lnTo>
+                <a:lnTo>
+                  <a:pt x="2940" y="2509"/>
+                </a:lnTo>
+                <a:lnTo>
+                  <a:pt x="2926" y="2534"/>
+                </a:lnTo>
+                <a:lnTo>
+                  <a:pt x="2914" y="2561"/>
+                </a:lnTo>
+                <a:lnTo>
+                  <a:pt x="2904" y="2590"/>
+                </a:lnTo>
+                <a:lnTo>
+                  <a:pt x="2895" y="2620"/>
+                </a:lnTo>
+                <a:lnTo>
+                  <a:pt x="2887" y="2650"/>
+                </a:lnTo>
+                <a:lnTo>
+                  <a:pt x="2879" y="2681"/>
+                </a:lnTo>
+                <a:lnTo>
+                  <a:pt x="2870" y="2710"/>
+                </a:lnTo>
+                <a:lnTo>
+                  <a:pt x="2860" y="2739"/>
+                </a:lnTo>
+                <a:lnTo>
+                  <a:pt x="2848" y="2766"/>
+                </a:lnTo>
+                <a:lnTo>
+                  <a:pt x="2833" y="2790"/>
+                </a:lnTo>
+                <a:lnTo>
+                  <a:pt x="2815" y="2812"/>
+                </a:lnTo>
+                <a:lnTo>
+                  <a:pt x="2793" y="2830"/>
+                </a:lnTo>
+                <a:lnTo>
+                  <a:pt x="2769" y="2845"/>
+                </a:lnTo>
+                <a:lnTo>
+                  <a:pt x="2742" y="2857"/>
+                </a:lnTo>
+                <a:lnTo>
+                  <a:pt x="2713" y="2867"/>
+                </a:lnTo>
+                <a:lnTo>
+                  <a:pt x="2684" y="2876"/>
+                </a:lnTo>
+                <a:lnTo>
+                  <a:pt x="2653" y="2884"/>
+                </a:lnTo>
+                <a:lnTo>
+                  <a:pt x="2623" y="2892"/>
+                </a:lnTo>
+                <a:lnTo>
+                  <a:pt x="2593" y="2901"/>
+                </a:lnTo>
+                <a:lnTo>
+                  <a:pt x="2564" y="2911"/>
+                </a:lnTo>
+                <a:lnTo>
+                  <a:pt x="2537" y="2923"/>
+                </a:lnTo>
+                <a:lnTo>
+                  <a:pt x="2512" y="2937"/>
+                </a:lnTo>
+                <a:lnTo>
+                  <a:pt x="2490" y="2955"/>
+                </a:lnTo>
+                <a:lnTo>
+                  <a:pt x="2467" y="2975"/>
+                </a:lnTo>
+                <a:lnTo>
+                  <a:pt x="2447" y="2998"/>
+                </a:lnTo>
+                <a:lnTo>
+                  <a:pt x="2428" y="3022"/>
+                </a:lnTo>
+                <a:lnTo>
+                  <a:pt x="2409" y="3047"/>
+                </a:lnTo>
+                <a:lnTo>
+                  <a:pt x="2390" y="3072"/>
+                </a:lnTo>
+                <a:lnTo>
+                  <a:pt x="2371" y="3096"/>
+                </a:lnTo>
+                <a:lnTo>
+                  <a:pt x="2350" y="3119"/>
+                </a:lnTo>
+                <a:lnTo>
+                  <a:pt x="2329" y="3139"/>
+                </a:lnTo>
+                <a:lnTo>
+                  <a:pt x="2305" y="3156"/>
+                </a:lnTo>
+                <a:lnTo>
+                  <a:pt x="2280" y="3169"/>
+                </a:lnTo>
+                <a:lnTo>
+                  <a:pt x="2250" y="3178"/>
+                </a:lnTo>
+                <a:lnTo>
+                  <a:pt x="2219" y="3182"/>
+                </a:lnTo>
+                <a:lnTo>
+                  <a:pt x="2187" y="3183"/>
+                </a:lnTo>
+                <a:lnTo>
+                  <a:pt x="2153" y="3180"/>
+                </a:lnTo>
+                <a:lnTo>
+                  <a:pt x="2119" y="3176"/>
+                </a:lnTo>
+                <a:lnTo>
+                  <a:pt x="2085" y="3171"/>
+                </a:lnTo>
+                <a:lnTo>
+                  <a:pt x="2051" y="3167"/>
+                </a:lnTo>
+                <a:lnTo>
+                  <a:pt x="2017" y="3165"/>
+                </a:lnTo>
+                <a:lnTo>
+                  <a:pt x="1984" y="3165"/>
+                </a:lnTo>
+                <a:lnTo>
+                  <a:pt x="1953" y="3169"/>
+                </a:lnTo>
+                <a:lnTo>
+                  <a:pt x="1921" y="3177"/>
+                </a:lnTo>
+                <a:lnTo>
+                  <a:pt x="1892" y="3189"/>
+                </a:lnTo>
+                <a:lnTo>
+                  <a:pt x="1862" y="3205"/>
+                </a:lnTo>
+                <a:lnTo>
+                  <a:pt x="1832" y="3221"/>
+                </a:lnTo>
+                <a:lnTo>
+                  <a:pt x="1802" y="3239"/>
+                </a:lnTo>
+                <a:lnTo>
+                  <a:pt x="1773" y="3256"/>
+                </a:lnTo>
+                <a:lnTo>
+                  <a:pt x="1742" y="3271"/>
+                </a:lnTo>
+                <a:lnTo>
+                  <a:pt x="1712" y="3283"/>
+                </a:lnTo>
+                <a:lnTo>
+                  <a:pt x="1681" y="3291"/>
+                </a:lnTo>
+                <a:lnTo>
+                  <a:pt x="1649" y="3294"/>
+                </a:lnTo>
+                <a:lnTo>
+                  <a:pt x="1617" y="3291"/>
+                </a:lnTo>
+                <a:lnTo>
+                  <a:pt x="1586" y="3283"/>
+                </a:lnTo>
+                <a:lnTo>
+                  <a:pt x="1556" y="3271"/>
+                </a:lnTo>
+                <a:lnTo>
+                  <a:pt x="1525" y="3256"/>
+                </a:lnTo>
+                <a:lnTo>
+                  <a:pt x="1496" y="3239"/>
+                </a:lnTo>
+                <a:lnTo>
+                  <a:pt x="1466" y="3221"/>
+                </a:lnTo>
+                <a:lnTo>
+                  <a:pt x="1436" y="3205"/>
+                </a:lnTo>
+                <a:lnTo>
+                  <a:pt x="1406" y="3189"/>
+                </a:lnTo>
+                <a:lnTo>
+                  <a:pt x="1376" y="3177"/>
+                </a:lnTo>
+                <a:lnTo>
+                  <a:pt x="1345" y="3169"/>
+                </a:lnTo>
+                <a:lnTo>
+                  <a:pt x="1314" y="3165"/>
+                </a:lnTo>
+                <a:lnTo>
+                  <a:pt x="1281" y="3165"/>
+                </a:lnTo>
+                <a:lnTo>
+                  <a:pt x="1247" y="3167"/>
+                </a:lnTo>
+                <a:lnTo>
+                  <a:pt x="1213" y="3171"/>
+                </a:lnTo>
+                <a:lnTo>
+                  <a:pt x="1179" y="3176"/>
+                </a:lnTo>
+                <a:lnTo>
+                  <a:pt x="1145" y="3180"/>
+                </a:lnTo>
+                <a:lnTo>
+                  <a:pt x="1111" y="3183"/>
+                </a:lnTo>
+                <a:lnTo>
+                  <a:pt x="1079" y="3182"/>
+                </a:lnTo>
+                <a:lnTo>
+                  <a:pt x="1048" y="3178"/>
+                </a:lnTo>
+                <a:lnTo>
+                  <a:pt x="1018" y="3169"/>
+                </a:lnTo>
+                <a:lnTo>
+                  <a:pt x="993" y="3156"/>
+                </a:lnTo>
+                <a:lnTo>
+                  <a:pt x="969" y="3139"/>
+                </a:lnTo>
+                <a:lnTo>
+                  <a:pt x="948" y="3119"/>
+                </a:lnTo>
+                <a:lnTo>
+                  <a:pt x="927" y="3096"/>
+                </a:lnTo>
+                <a:lnTo>
+                  <a:pt x="908" y="3072"/>
+                </a:lnTo>
+                <a:lnTo>
+                  <a:pt x="889" y="3047"/>
+                </a:lnTo>
+                <a:lnTo>
+                  <a:pt x="870" y="3022"/>
+                </a:lnTo>
+                <a:lnTo>
+                  <a:pt x="851" y="2998"/>
+                </a:lnTo>
+                <a:lnTo>
+                  <a:pt x="831" y="2975"/>
+                </a:lnTo>
+                <a:lnTo>
+                  <a:pt x="808" y="2955"/>
+                </a:lnTo>
+                <a:lnTo>
+                  <a:pt x="786" y="2937"/>
+                </a:lnTo>
+                <a:lnTo>
+                  <a:pt x="761" y="2923"/>
+                </a:lnTo>
+                <a:lnTo>
+                  <a:pt x="734" y="2911"/>
+                </a:lnTo>
+                <a:lnTo>
+                  <a:pt x="705" y="2901"/>
+                </a:lnTo>
+                <a:lnTo>
+                  <a:pt x="675" y="2892"/>
+                </a:lnTo>
+                <a:lnTo>
+                  <a:pt x="645" y="2884"/>
+                </a:lnTo>
+                <a:lnTo>
+                  <a:pt x="614" y="2876"/>
+                </a:lnTo>
+                <a:lnTo>
+                  <a:pt x="585" y="2867"/>
+                </a:lnTo>
+                <a:lnTo>
+                  <a:pt x="556" y="2857"/>
+                </a:lnTo>
+                <a:lnTo>
+                  <a:pt x="529" y="2845"/>
+                </a:lnTo>
+                <a:lnTo>
+                  <a:pt x="505" y="2830"/>
+                </a:lnTo>
+                <a:lnTo>
+                  <a:pt x="483" y="2812"/>
+                </a:lnTo>
+                <a:lnTo>
+                  <a:pt x="465" y="2790"/>
+                </a:lnTo>
+                <a:lnTo>
+                  <a:pt x="450" y="2766"/>
+                </a:lnTo>
+                <a:lnTo>
+                  <a:pt x="438" y="2739"/>
+                </a:lnTo>
+                <a:lnTo>
+                  <a:pt x="428" y="2710"/>
+                </a:lnTo>
+                <a:lnTo>
+                  <a:pt x="419" y="2681"/>
+                </a:lnTo>
+                <a:lnTo>
+                  <a:pt x="411" y="2650"/>
+                </a:lnTo>
+                <a:lnTo>
+                  <a:pt x="403" y="2620"/>
+                </a:lnTo>
+                <a:lnTo>
+                  <a:pt x="394" y="2590"/>
+                </a:lnTo>
+                <a:lnTo>
+                  <a:pt x="384" y="2561"/>
+                </a:lnTo>
+                <a:lnTo>
+                  <a:pt x="372" y="2534"/>
+                </a:lnTo>
+                <a:lnTo>
+                  <a:pt x="358" y="2509"/>
+                </a:lnTo>
+                <a:lnTo>
+                  <a:pt x="340" y="2487"/>
+                </a:lnTo>
+                <a:lnTo>
+                  <a:pt x="320" y="2464"/>
+                </a:lnTo>
+                <a:lnTo>
+                  <a:pt x="297" y="2444"/>
+                </a:lnTo>
+                <a:lnTo>
+                  <a:pt x="272" y="2425"/>
+                </a:lnTo>
+                <a:lnTo>
+                  <a:pt x="247" y="2406"/>
+                </a:lnTo>
+                <a:lnTo>
+                  <a:pt x="222" y="2387"/>
+                </a:lnTo>
+                <a:lnTo>
+                  <a:pt x="198" y="2368"/>
+                </a:lnTo>
+                <a:lnTo>
+                  <a:pt x="175" y="2347"/>
+                </a:lnTo>
+                <a:lnTo>
+                  <a:pt x="155" y="2326"/>
+                </a:lnTo>
+                <a:lnTo>
+                  <a:pt x="138" y="2302"/>
+                </a:lnTo>
+                <a:lnTo>
+                  <a:pt x="125" y="2277"/>
+                </a:lnTo>
+                <a:lnTo>
+                  <a:pt x="116" y="2247"/>
+                </a:lnTo>
+                <a:lnTo>
+                  <a:pt x="112" y="2216"/>
+                </a:lnTo>
+                <a:lnTo>
+                  <a:pt x="111" y="2184"/>
+                </a:lnTo>
+                <a:lnTo>
+                  <a:pt x="114" y="2150"/>
+                </a:lnTo>
+                <a:lnTo>
+                  <a:pt x="118" y="2116"/>
+                </a:lnTo>
+                <a:lnTo>
+                  <a:pt x="123" y="2082"/>
+                </a:lnTo>
+                <a:lnTo>
+                  <a:pt x="127" y="2048"/>
+                </a:lnTo>
+                <a:lnTo>
+                  <a:pt x="129" y="2014"/>
+                </a:lnTo>
+                <a:lnTo>
+                  <a:pt x="129" y="1981"/>
+                </a:lnTo>
+                <a:lnTo>
+                  <a:pt x="125" y="1950"/>
+                </a:lnTo>
+                <a:lnTo>
+                  <a:pt x="117" y="1919"/>
+                </a:lnTo>
+                <a:lnTo>
+                  <a:pt x="105" y="1890"/>
+                </a:lnTo>
+                <a:lnTo>
+                  <a:pt x="90" y="1860"/>
+                </a:lnTo>
+                <a:lnTo>
+                  <a:pt x="73" y="1830"/>
+                </a:lnTo>
+                <a:lnTo>
+                  <a:pt x="55" y="1800"/>
+                </a:lnTo>
+                <a:lnTo>
+                  <a:pt x="38" y="1771"/>
+                </a:lnTo>
+                <a:lnTo>
+                  <a:pt x="23" y="1740"/>
+                </a:lnTo>
+                <a:lnTo>
+                  <a:pt x="11" y="1710"/>
+                </a:lnTo>
+                <a:lnTo>
+                  <a:pt x="3" y="1679"/>
+                </a:lnTo>
+                <a:lnTo>
+                  <a:pt x="0" y="1647"/>
+                </a:lnTo>
+                <a:lnTo>
+                  <a:pt x="3" y="1615"/>
+                </a:lnTo>
+                <a:lnTo>
+                  <a:pt x="11" y="1584"/>
+                </a:lnTo>
+                <a:lnTo>
+                  <a:pt x="23" y="1554"/>
+                </a:lnTo>
+                <a:lnTo>
+                  <a:pt x="38" y="1523"/>
+                </a:lnTo>
+                <a:lnTo>
+                  <a:pt x="55" y="1494"/>
+                </a:lnTo>
+                <a:lnTo>
+                  <a:pt x="73" y="1464"/>
+                </a:lnTo>
+                <a:lnTo>
+                  <a:pt x="90" y="1434"/>
+                </a:lnTo>
+                <a:lnTo>
+                  <a:pt x="105" y="1404"/>
+                </a:lnTo>
+                <a:lnTo>
+                  <a:pt x="117" y="1375"/>
+                </a:lnTo>
+                <a:lnTo>
+                  <a:pt x="125" y="1344"/>
+                </a:lnTo>
+                <a:lnTo>
+                  <a:pt x="129" y="1313"/>
+                </a:lnTo>
+                <a:lnTo>
+                  <a:pt x="129" y="1280"/>
+                </a:lnTo>
+                <a:lnTo>
+                  <a:pt x="127" y="1246"/>
+                </a:lnTo>
+                <a:lnTo>
+                  <a:pt x="123" y="1212"/>
+                </a:lnTo>
+                <a:lnTo>
+                  <a:pt x="118" y="1178"/>
+                </a:lnTo>
+                <a:lnTo>
+                  <a:pt x="114" y="1144"/>
+                </a:lnTo>
+                <a:lnTo>
+                  <a:pt x="111" y="1110"/>
+                </a:lnTo>
+                <a:lnTo>
+                  <a:pt x="112" y="1078"/>
+                </a:lnTo>
+                <a:lnTo>
+                  <a:pt x="116" y="1047"/>
+                </a:lnTo>
+                <a:lnTo>
+                  <a:pt x="125" y="1017"/>
+                </a:lnTo>
+                <a:lnTo>
+                  <a:pt x="138" y="992"/>
+                </a:lnTo>
+                <a:lnTo>
+                  <a:pt x="155" y="968"/>
+                </a:lnTo>
+                <a:lnTo>
+                  <a:pt x="175" y="947"/>
+                </a:lnTo>
+                <a:lnTo>
+                  <a:pt x="198" y="926"/>
+                </a:lnTo>
+                <a:lnTo>
+                  <a:pt x="222" y="907"/>
+                </a:lnTo>
+                <a:lnTo>
+                  <a:pt x="247" y="888"/>
+                </a:lnTo>
+                <a:lnTo>
+                  <a:pt x="272" y="869"/>
+                </a:lnTo>
+                <a:lnTo>
+                  <a:pt x="297" y="850"/>
+                </a:lnTo>
+                <a:lnTo>
+                  <a:pt x="320" y="830"/>
+                </a:lnTo>
+                <a:lnTo>
+                  <a:pt x="340" y="807"/>
+                </a:lnTo>
+                <a:lnTo>
+                  <a:pt x="358" y="785"/>
+                </a:lnTo>
+                <a:lnTo>
+                  <a:pt x="372" y="760"/>
+                </a:lnTo>
+                <a:lnTo>
+                  <a:pt x="384" y="733"/>
+                </a:lnTo>
+                <a:lnTo>
+                  <a:pt x="394" y="704"/>
+                </a:lnTo>
+                <a:lnTo>
+                  <a:pt x="403" y="674"/>
+                </a:lnTo>
+                <a:lnTo>
+                  <a:pt x="411" y="644"/>
+                </a:lnTo>
+                <a:lnTo>
+                  <a:pt x="419" y="613"/>
+                </a:lnTo>
+                <a:lnTo>
+                  <a:pt x="428" y="584"/>
+                </a:lnTo>
+                <a:lnTo>
+                  <a:pt x="438" y="555"/>
+                </a:lnTo>
+                <a:lnTo>
+                  <a:pt x="450" y="528"/>
+                </a:lnTo>
+                <a:lnTo>
+                  <a:pt x="465" y="504"/>
+                </a:lnTo>
+                <a:lnTo>
+                  <a:pt x="483" y="482"/>
+                </a:lnTo>
+                <a:lnTo>
+                  <a:pt x="505" y="464"/>
+                </a:lnTo>
+                <a:lnTo>
+                  <a:pt x="529" y="449"/>
+                </a:lnTo>
+                <a:lnTo>
+                  <a:pt x="556" y="437"/>
+                </a:lnTo>
+                <a:lnTo>
+                  <a:pt x="585" y="427"/>
+                </a:lnTo>
+                <a:lnTo>
+                  <a:pt x="614" y="418"/>
+                </a:lnTo>
+                <a:lnTo>
+                  <a:pt x="645" y="410"/>
+                </a:lnTo>
+                <a:lnTo>
+                  <a:pt x="675" y="402"/>
+                </a:lnTo>
+                <a:lnTo>
+                  <a:pt x="705" y="393"/>
+                </a:lnTo>
+                <a:lnTo>
+                  <a:pt x="734" y="383"/>
+                </a:lnTo>
+                <a:lnTo>
+                  <a:pt x="761" y="371"/>
+                </a:lnTo>
+                <a:lnTo>
+                  <a:pt x="786" y="357"/>
+                </a:lnTo>
+                <a:lnTo>
+                  <a:pt x="808" y="339"/>
+                </a:lnTo>
+                <a:lnTo>
+                  <a:pt x="831" y="319"/>
+                </a:lnTo>
+                <a:lnTo>
+                  <a:pt x="851" y="296"/>
+                </a:lnTo>
+                <a:lnTo>
+                  <a:pt x="870" y="272"/>
+                </a:lnTo>
+                <a:lnTo>
+                  <a:pt x="889" y="247"/>
+                </a:lnTo>
+                <a:lnTo>
+                  <a:pt x="908" y="222"/>
+                </a:lnTo>
+                <a:lnTo>
+                  <a:pt x="927" y="198"/>
+                </a:lnTo>
+                <a:lnTo>
+                  <a:pt x="948" y="175"/>
+                </a:lnTo>
+                <a:lnTo>
+                  <a:pt x="969" y="155"/>
+                </a:lnTo>
+                <a:lnTo>
+                  <a:pt x="993" y="138"/>
+                </a:lnTo>
+                <a:lnTo>
+                  <a:pt x="1018" y="125"/>
+                </a:lnTo>
+                <a:lnTo>
+                  <a:pt x="1048" y="116"/>
+                </a:lnTo>
+                <a:lnTo>
+                  <a:pt x="1079" y="112"/>
+                </a:lnTo>
+                <a:lnTo>
+                  <a:pt x="1111" y="111"/>
+                </a:lnTo>
+                <a:lnTo>
+                  <a:pt x="1145" y="114"/>
+                </a:lnTo>
+                <a:lnTo>
+                  <a:pt x="1179" y="118"/>
+                </a:lnTo>
+                <a:lnTo>
+                  <a:pt x="1213" y="123"/>
+                </a:lnTo>
+                <a:lnTo>
+                  <a:pt x="1247" y="127"/>
+                </a:lnTo>
+                <a:lnTo>
+                  <a:pt x="1281" y="129"/>
+                </a:lnTo>
+                <a:lnTo>
+                  <a:pt x="1314" y="129"/>
+                </a:lnTo>
+                <a:lnTo>
+                  <a:pt x="1345" y="125"/>
+                </a:lnTo>
+                <a:lnTo>
+                  <a:pt x="1376" y="117"/>
+                </a:lnTo>
+                <a:lnTo>
+                  <a:pt x="1406" y="105"/>
+                </a:lnTo>
+                <a:lnTo>
+                  <a:pt x="1436" y="89"/>
+                </a:lnTo>
+                <a:lnTo>
+                  <a:pt x="1466" y="73"/>
+                </a:lnTo>
+                <a:lnTo>
+                  <a:pt x="1496" y="55"/>
+                </a:lnTo>
+                <a:lnTo>
+                  <a:pt x="1525" y="38"/>
+                </a:lnTo>
+                <a:lnTo>
+                  <a:pt x="1556" y="23"/>
+                </a:lnTo>
+                <a:lnTo>
+                  <a:pt x="1586" y="11"/>
+                </a:lnTo>
+                <a:lnTo>
+                  <a:pt x="1617" y="3"/>
+                </a:lnTo>
+                <a:lnTo>
+                  <a:pt x="1649" y="0"/>
+                </a:lnTo>
+                <a:close/>
+              </a:path>
+            </a:pathLst>
+          </a:custGeom>
+          <a:solidFill>
+            <a:schemeClr val="bg2"/>
+          </a:solidFill>
+          <a:ln w="0">
+            <a:noFill/>
+            <a:prstDash val="solid"/>
+            <a:round/>
+            <a:headEnd/>
+            <a:tailEnd/>
+          </a:ln>
+        </p:spPr>
+      </p:sp>
+      <p:sp>
+        <p:nvSpPr>
+          <p:cNvPr id="44" name="Rectangle 43">
+            <a:extLst>
+              <a:ext uri="{FF2B5EF4-FFF2-40B4-BE49-F238E27FC236}">
+                <a16:creationId xmlns:a16="http://schemas.microsoft.com/office/drawing/2014/main" xmlns="" id="{6F1BF92E-23CF-4BFE-9E1F-C359BACFA3C5}"/>
+              </a:ext>
+              <a:ext uri="{C183D7F6-B498-43B3-948B-1728B52AA6E4}">
+                <adec:decorative xmlns:adec="http://schemas.microsoft.com/office/drawing/2017/decorative" xmlns="" val="1"/>
+              </a:ext>
+            </a:extLst>
+          </p:cNvPr>
+          <p:cNvSpPr>
+            <a:spLocks noGrp="1" noRot="1" noChangeAspect="1" noMove="1" noResize="1" noEditPoints="1" noAdjustHandles="1" noChangeArrowheads="1" noChangeShapeType="1" noTextEdit="1"/>
+          </p:cNvSpPr>
+          <p:nvPr>
+            <p:extLst>
+              <p:ext uri="{386F3935-93C4-4BCD-93E2-E3B085C9AB24}">
+                <p16:designElem xmlns:p16="http://schemas.microsoft.com/office/powerpoint/2015/main" val="1"/>
+              </p:ext>
+            </p:extLst>
+          </p:nvPr>
+        </p:nvSpPr>
+        <p:spPr>
+          <a:xfrm>
+            <a:off x="0" y="0"/>
+            <a:ext cx="283464" cy="6858000"/>
+          </a:xfrm>
+          <a:prstGeom prst="rect">
+            <a:avLst/>
+          </a:prstGeom>
+          <a:solidFill>
+            <a:schemeClr val="tx2"/>
+          </a:solidFill>
+          <a:ln>
+            <a:noFill/>
+          </a:ln>
+        </p:spPr>
+        <p:style>
+          <a:lnRef idx="2">
+            <a:schemeClr val="accent1">
+              <a:shade val="50000"/>
+            </a:schemeClr>
+          </a:lnRef>
+          <a:fillRef idx="1">
+            <a:schemeClr val="accent1"/>
+          </a:fillRef>
+          <a:effectRef idx="0">
+            <a:schemeClr val="accent1"/>
+          </a:effectRef>
+          <a:fontRef idx="minor">
+            <a:schemeClr val="lt1"/>
+          </a:fontRef>
+        </p:style>
+      </p:sp>
+      <p:sp>
+        <p:nvSpPr>
+          <p:cNvPr id="46" name="Rectangle 45">
+            <a:extLst>
+              <a:ext uri="{FF2B5EF4-FFF2-40B4-BE49-F238E27FC236}">
+                <a16:creationId xmlns:a16="http://schemas.microsoft.com/office/drawing/2014/main" xmlns="" id="{D0813576-D302-42B7-A3EC-A272625CCA73}"/>
+              </a:ext>
+              <a:ext uri="{C183D7F6-B498-43B3-948B-1728B52AA6E4}">
+                <adec:decorative xmlns:adec="http://schemas.microsoft.com/office/drawing/2017/decorative" xmlns="" val="1"/>
+              </a:ext>
+            </a:extLst>
+          </p:cNvPr>
+          <p:cNvSpPr>
+            <a:spLocks noGrp="1" noRot="1" noChangeAspect="1" noMove="1" noResize="1" noEditPoints="1" noAdjustHandles="1" noChangeArrowheads="1" noChangeShapeType="1" noTextEdit="1"/>
+          </p:cNvSpPr>
+          <p:nvPr>
+            <p:extLst>
+              <p:ext uri="{386F3935-93C4-4BCD-93E2-E3B085C9AB24}">
+                <p16:designElem xmlns:p16="http://schemas.microsoft.com/office/powerpoint/2015/main" val="1"/>
+              </p:ext>
+            </p:extLst>
+          </p:nvPr>
+        </p:nvSpPr>
+        <p:spPr bwMode="ltGray">
+          <a:xfrm>
+            <a:off x="0" y="0"/>
+            <a:ext cx="12191999" cy="6858000"/>
+          </a:xfrm>
+          <a:prstGeom prst="rect">
+            <a:avLst/>
+          </a:prstGeom>
+          <a:solidFill>
+            <a:schemeClr val="accent1"/>
+          </a:solidFill>
+          <a:ln>
+            <a:noFill/>
+          </a:ln>
+        </p:spPr>
+        <p:style>
+          <a:lnRef idx="2">
+            <a:schemeClr val="accent1">
+              <a:shade val="50000"/>
+            </a:schemeClr>
+          </a:lnRef>
+          <a:fillRef idx="1">
+            <a:schemeClr val="accent1"/>
+          </a:fillRef>
+          <a:effectRef idx="0">
+            <a:schemeClr val="accent1"/>
+          </a:effectRef>
+          <a:fontRef idx="minor">
+            <a:schemeClr val="lt1"/>
+          </a:fontRef>
+        </p:style>
+        <p:txBody>
+          <a:bodyPr rtlCol="0" anchor="ctr"/>
+          <a:lstStyle/>
+          <a:p>
+            <a:pPr algn="ctr"/>
+            <a:endParaRPr lang="en-US"/>
+          </a:p>
+        </p:txBody>
+      </p:sp>
+      <p:sp>
+        <p:nvSpPr>
+          <p:cNvPr id="2" name="Title 1"/>
+          <p:cNvSpPr>
+            <a:spLocks noGrp="1"/>
+          </p:cNvSpPr>
+          <p:nvPr>
+            <p:ph type="title"/>
+          </p:nvPr>
+        </p:nvSpPr>
+        <p:spPr>
+          <a:xfrm>
+            <a:off x="1274038" y="4242032"/>
+            <a:ext cx="10274497" cy="1734497"/>
+          </a:xfrm>
+        </p:spPr>
+        <p:txBody>
+          <a:bodyPr vert="horz" lIns="91440" tIns="45720" rIns="91440" bIns="45720" rtlCol="0" anchor="t">
+            <a:normAutofit/>
+          </a:bodyPr>
+          <a:lstStyle/>
+          <a:p>
+            <a:pPr algn="ctr"/>
+            <a:r>
+              <a:rPr lang="en-US" sz="7200" spc="800"/>
+              <a:t>If Syntax</a:t>
+            </a:r>
+          </a:p>
+        </p:txBody>
+      </p:sp>
+      <p:sp>
+        <p:nvSpPr>
+          <p:cNvPr id="48" name="Freeform 6">
+            <a:extLst>
+              <a:ext uri="{FF2B5EF4-FFF2-40B4-BE49-F238E27FC236}">
+                <a16:creationId xmlns:a16="http://schemas.microsoft.com/office/drawing/2014/main" xmlns="" id="{1D25BAD6-AA7B-43BE-870A-D587E51BE15D}"/>
+              </a:ext>
+              <a:ext uri="{C183D7F6-B498-43B3-948B-1728B52AA6E4}">
+                <adec:decorative xmlns:adec="http://schemas.microsoft.com/office/drawing/2017/decorative" xmlns="" val="1"/>
+              </a:ext>
+            </a:extLst>
+          </p:cNvPr>
+          <p:cNvSpPr>
+            <a:spLocks noGrp="1" noRot="1" noChangeAspect="1" noMove="1" noResize="1" noEditPoints="1" noAdjustHandles="1" noChangeArrowheads="1" noChangeShapeType="1" noTextEdit="1"/>
+          </p:cNvSpPr>
+          <p:nvPr>
+            <p:extLst>
+              <p:ext uri="{386F3935-93C4-4BCD-93E2-E3B085C9AB24}">
+                <p16:designElem xmlns:p16="http://schemas.microsoft.com/office/powerpoint/2015/main" val="1"/>
+              </p:ext>
+            </p:extLst>
+          </p:nvPr>
+        </p:nvSpPr>
+        <p:spPr bwMode="auto">
+          <a:xfrm>
+            <a:off x="0" y="0"/>
+            <a:ext cx="885825" cy="6858000"/>
+          </a:xfrm>
+          <a:custGeom>
+            <a:avLst/>
+            <a:gdLst/>
+            <a:ahLst/>
+            <a:cxnLst/>
+            <a:rect l="0" t="0" r="r" b="b"/>
+            <a:pathLst>
+              <a:path w="558" h="4320">
+                <a:moveTo>
+                  <a:pt x="0" y="0"/>
+                </a:moveTo>
+                <a:lnTo>
+                  <a:pt x="447" y="0"/>
+                </a:lnTo>
+                <a:lnTo>
+                  <a:pt x="448" y="43"/>
+                </a:lnTo>
+                <a:lnTo>
+                  <a:pt x="453" y="81"/>
+                </a:lnTo>
+                <a:lnTo>
+                  <a:pt x="460" y="114"/>
+                </a:lnTo>
+                <a:lnTo>
+                  <a:pt x="469" y="143"/>
+                </a:lnTo>
+                <a:lnTo>
+                  <a:pt x="479" y="169"/>
+                </a:lnTo>
+                <a:lnTo>
+                  <a:pt x="491" y="192"/>
+                </a:lnTo>
+                <a:lnTo>
+                  <a:pt x="503" y="216"/>
+                </a:lnTo>
+                <a:lnTo>
+                  <a:pt x="515" y="240"/>
+                </a:lnTo>
+                <a:lnTo>
+                  <a:pt x="525" y="263"/>
+                </a:lnTo>
+                <a:lnTo>
+                  <a:pt x="535" y="289"/>
+                </a:lnTo>
+                <a:lnTo>
+                  <a:pt x="545" y="318"/>
+                </a:lnTo>
+                <a:lnTo>
+                  <a:pt x="552" y="351"/>
+                </a:lnTo>
+                <a:lnTo>
+                  <a:pt x="556" y="389"/>
+                </a:lnTo>
+                <a:lnTo>
+                  <a:pt x="558" y="432"/>
+                </a:lnTo>
+                <a:lnTo>
+                  <a:pt x="556" y="475"/>
+                </a:lnTo>
+                <a:lnTo>
+                  <a:pt x="552" y="513"/>
+                </a:lnTo>
+                <a:lnTo>
+                  <a:pt x="545" y="546"/>
+                </a:lnTo>
+                <a:lnTo>
+                  <a:pt x="535" y="575"/>
+                </a:lnTo>
+                <a:lnTo>
+                  <a:pt x="525" y="601"/>
+                </a:lnTo>
+                <a:lnTo>
+                  <a:pt x="515" y="624"/>
+                </a:lnTo>
+                <a:lnTo>
+                  <a:pt x="503" y="648"/>
+                </a:lnTo>
+                <a:lnTo>
+                  <a:pt x="491" y="672"/>
+                </a:lnTo>
+                <a:lnTo>
+                  <a:pt x="479" y="695"/>
+                </a:lnTo>
+                <a:lnTo>
+                  <a:pt x="469" y="721"/>
+                </a:lnTo>
+                <a:lnTo>
+                  <a:pt x="460" y="750"/>
+                </a:lnTo>
+                <a:lnTo>
+                  <a:pt x="453" y="783"/>
+                </a:lnTo>
+                <a:lnTo>
+                  <a:pt x="448" y="821"/>
+                </a:lnTo>
+                <a:lnTo>
+                  <a:pt x="447" y="864"/>
+                </a:lnTo>
+                <a:lnTo>
+                  <a:pt x="448" y="907"/>
+                </a:lnTo>
+                <a:lnTo>
+                  <a:pt x="453" y="945"/>
+                </a:lnTo>
+                <a:lnTo>
+                  <a:pt x="460" y="978"/>
+                </a:lnTo>
+                <a:lnTo>
+                  <a:pt x="469" y="1007"/>
+                </a:lnTo>
+                <a:lnTo>
+                  <a:pt x="479" y="1033"/>
+                </a:lnTo>
+                <a:lnTo>
+                  <a:pt x="491" y="1056"/>
+                </a:lnTo>
+                <a:lnTo>
+                  <a:pt x="503" y="1080"/>
+                </a:lnTo>
+                <a:lnTo>
+                  <a:pt x="515" y="1104"/>
+                </a:lnTo>
+                <a:lnTo>
+                  <a:pt x="525" y="1127"/>
+                </a:lnTo>
+                <a:lnTo>
+                  <a:pt x="535" y="1153"/>
+                </a:lnTo>
+                <a:lnTo>
+                  <a:pt x="545" y="1182"/>
+                </a:lnTo>
+                <a:lnTo>
+                  <a:pt x="552" y="1215"/>
+                </a:lnTo>
+                <a:lnTo>
+                  <a:pt x="556" y="1253"/>
+                </a:lnTo>
+                <a:lnTo>
+                  <a:pt x="558" y="1296"/>
+                </a:lnTo>
+                <a:lnTo>
+                  <a:pt x="556" y="1339"/>
+                </a:lnTo>
+                <a:lnTo>
+                  <a:pt x="552" y="1377"/>
+                </a:lnTo>
+                <a:lnTo>
+                  <a:pt x="545" y="1410"/>
+                </a:lnTo>
+                <a:lnTo>
+                  <a:pt x="535" y="1439"/>
+                </a:lnTo>
+                <a:lnTo>
+                  <a:pt x="525" y="1465"/>
+                </a:lnTo>
+                <a:lnTo>
+                  <a:pt x="515" y="1488"/>
+                </a:lnTo>
+                <a:lnTo>
+                  <a:pt x="503" y="1512"/>
+                </a:lnTo>
+                <a:lnTo>
+                  <a:pt x="491" y="1536"/>
+                </a:lnTo>
+                <a:lnTo>
+                  <a:pt x="479" y="1559"/>
+                </a:lnTo>
+                <a:lnTo>
+                  <a:pt x="469" y="1585"/>
+                </a:lnTo>
+                <a:lnTo>
+                  <a:pt x="460" y="1614"/>
+                </a:lnTo>
+                <a:lnTo>
+                  <a:pt x="453" y="1647"/>
+                </a:lnTo>
+                <a:lnTo>
+                  <a:pt x="448" y="1685"/>
+                </a:lnTo>
+                <a:lnTo>
+                  <a:pt x="447" y="1728"/>
+                </a:lnTo>
+                <a:lnTo>
+                  <a:pt x="448" y="1771"/>
+                </a:lnTo>
+                <a:lnTo>
+                  <a:pt x="453" y="1809"/>
+                </a:lnTo>
+                <a:lnTo>
+                  <a:pt x="460" y="1842"/>
+                </a:lnTo>
+                <a:lnTo>
+                  <a:pt x="469" y="1871"/>
+                </a:lnTo>
+                <a:lnTo>
+                  <a:pt x="479" y="1897"/>
+                </a:lnTo>
+                <a:lnTo>
+                  <a:pt x="491" y="1920"/>
+                </a:lnTo>
+                <a:lnTo>
+                  <a:pt x="503" y="1944"/>
+                </a:lnTo>
+                <a:lnTo>
+                  <a:pt x="515" y="1968"/>
+                </a:lnTo>
+                <a:lnTo>
+                  <a:pt x="525" y="1991"/>
+                </a:lnTo>
+                <a:lnTo>
+                  <a:pt x="535" y="2017"/>
+                </a:lnTo>
+                <a:lnTo>
+                  <a:pt x="545" y="2046"/>
+                </a:lnTo>
+                <a:lnTo>
+                  <a:pt x="552" y="2079"/>
+                </a:lnTo>
+                <a:lnTo>
+                  <a:pt x="556" y="2117"/>
+                </a:lnTo>
+                <a:lnTo>
+                  <a:pt x="558" y="2159"/>
+                </a:lnTo>
+                <a:lnTo>
+                  <a:pt x="556" y="2203"/>
+                </a:lnTo>
+                <a:lnTo>
+                  <a:pt x="552" y="2241"/>
+                </a:lnTo>
+                <a:lnTo>
+                  <a:pt x="545" y="2274"/>
+                </a:lnTo>
+                <a:lnTo>
+                  <a:pt x="535" y="2303"/>
+                </a:lnTo>
+                <a:lnTo>
+                  <a:pt x="525" y="2329"/>
+                </a:lnTo>
+                <a:lnTo>
+                  <a:pt x="515" y="2352"/>
+                </a:lnTo>
+                <a:lnTo>
+                  <a:pt x="503" y="2376"/>
+                </a:lnTo>
+                <a:lnTo>
+                  <a:pt x="491" y="2400"/>
+                </a:lnTo>
+                <a:lnTo>
+                  <a:pt x="479" y="2423"/>
+                </a:lnTo>
+                <a:lnTo>
+                  <a:pt x="469" y="2449"/>
+                </a:lnTo>
+                <a:lnTo>
+                  <a:pt x="460" y="2478"/>
+                </a:lnTo>
+                <a:lnTo>
+                  <a:pt x="453" y="2511"/>
+                </a:lnTo>
+                <a:lnTo>
+                  <a:pt x="448" y="2549"/>
+                </a:lnTo>
+                <a:lnTo>
+                  <a:pt x="447" y="2592"/>
+                </a:lnTo>
+                <a:lnTo>
+                  <a:pt x="448" y="2635"/>
+                </a:lnTo>
+                <a:lnTo>
+                  <a:pt x="453" y="2673"/>
+                </a:lnTo>
+                <a:lnTo>
+                  <a:pt x="460" y="2706"/>
+                </a:lnTo>
+                <a:lnTo>
+                  <a:pt x="469" y="2735"/>
+                </a:lnTo>
+                <a:lnTo>
+                  <a:pt x="479" y="2761"/>
+                </a:lnTo>
+                <a:lnTo>
+                  <a:pt x="491" y="2784"/>
+                </a:lnTo>
+                <a:lnTo>
+                  <a:pt x="515" y="2832"/>
+                </a:lnTo>
+                <a:lnTo>
+                  <a:pt x="525" y="2855"/>
+                </a:lnTo>
+                <a:lnTo>
+                  <a:pt x="535" y="2881"/>
+                </a:lnTo>
+                <a:lnTo>
+                  <a:pt x="545" y="2910"/>
+                </a:lnTo>
+                <a:lnTo>
+                  <a:pt x="552" y="2943"/>
+                </a:lnTo>
+                <a:lnTo>
+                  <a:pt x="556" y="2981"/>
+                </a:lnTo>
+                <a:lnTo>
+                  <a:pt x="558" y="3024"/>
+                </a:lnTo>
+                <a:lnTo>
+                  <a:pt x="556" y="3067"/>
+                </a:lnTo>
+                <a:lnTo>
+                  <a:pt x="552" y="3105"/>
+                </a:lnTo>
+                <a:lnTo>
+                  <a:pt x="545" y="3138"/>
+                </a:lnTo>
+                <a:lnTo>
+                  <a:pt x="535" y="3167"/>
+                </a:lnTo>
+                <a:lnTo>
+                  <a:pt x="525" y="3193"/>
+                </a:lnTo>
+                <a:lnTo>
+                  <a:pt x="515" y="3216"/>
+                </a:lnTo>
+                <a:lnTo>
+                  <a:pt x="503" y="3240"/>
+                </a:lnTo>
+                <a:lnTo>
+                  <a:pt x="491" y="3264"/>
+                </a:lnTo>
+                <a:lnTo>
+                  <a:pt x="479" y="3287"/>
+                </a:lnTo>
+                <a:lnTo>
+                  <a:pt x="469" y="3313"/>
+                </a:lnTo>
+                <a:lnTo>
+                  <a:pt x="460" y="3342"/>
+                </a:lnTo>
+                <a:lnTo>
+                  <a:pt x="453" y="3375"/>
+                </a:lnTo>
+                <a:lnTo>
+                  <a:pt x="448" y="3413"/>
+                </a:lnTo>
+                <a:lnTo>
+                  <a:pt x="447" y="3456"/>
+                </a:lnTo>
+                <a:lnTo>
+                  <a:pt x="448" y="3499"/>
+                </a:lnTo>
+                <a:lnTo>
+                  <a:pt x="453" y="3537"/>
+                </a:lnTo>
+                <a:lnTo>
+                  <a:pt x="460" y="3570"/>
+                </a:lnTo>
+                <a:lnTo>
+                  <a:pt x="469" y="3599"/>
+                </a:lnTo>
+                <a:lnTo>
+                  <a:pt x="479" y="3625"/>
+                </a:lnTo>
+                <a:lnTo>
+                  <a:pt x="491" y="3648"/>
+                </a:lnTo>
+                <a:lnTo>
+                  <a:pt x="503" y="3672"/>
+                </a:lnTo>
+                <a:lnTo>
+                  <a:pt x="515" y="3696"/>
+                </a:lnTo>
+                <a:lnTo>
+                  <a:pt x="525" y="3719"/>
+                </a:lnTo>
+                <a:lnTo>
+                  <a:pt x="535" y="3745"/>
+                </a:lnTo>
+                <a:lnTo>
+                  <a:pt x="545" y="3774"/>
+                </a:lnTo>
+                <a:lnTo>
+                  <a:pt x="552" y="3807"/>
+                </a:lnTo>
+                <a:lnTo>
+                  <a:pt x="556" y="3845"/>
+                </a:lnTo>
+                <a:lnTo>
+                  <a:pt x="558" y="3888"/>
+                </a:lnTo>
+                <a:lnTo>
+                  <a:pt x="556" y="3931"/>
+                </a:lnTo>
+                <a:lnTo>
+                  <a:pt x="552" y="3969"/>
+                </a:lnTo>
+                <a:lnTo>
+                  <a:pt x="545" y="4002"/>
+                </a:lnTo>
+                <a:lnTo>
+                  <a:pt x="535" y="4031"/>
+                </a:lnTo>
+                <a:lnTo>
+                  <a:pt x="525" y="4057"/>
+                </a:lnTo>
+                <a:lnTo>
+                  <a:pt x="515" y="4080"/>
+                </a:lnTo>
+                <a:lnTo>
+                  <a:pt x="503" y="4104"/>
+                </a:lnTo>
+                <a:lnTo>
+                  <a:pt x="491" y="4128"/>
+                </a:lnTo>
+                <a:lnTo>
+                  <a:pt x="479" y="4151"/>
+                </a:lnTo>
+                <a:lnTo>
+                  <a:pt x="469" y="4177"/>
+                </a:lnTo>
+                <a:lnTo>
+                  <a:pt x="460" y="4206"/>
+                </a:lnTo>
+                <a:lnTo>
+                  <a:pt x="453" y="4239"/>
+                </a:lnTo>
+                <a:lnTo>
+                  <a:pt x="448" y="4277"/>
+                </a:lnTo>
+                <a:lnTo>
+                  <a:pt x="447" y="4320"/>
+                </a:lnTo>
+                <a:lnTo>
+                  <a:pt x="0" y="4320"/>
+                </a:lnTo>
+                <a:lnTo>
+                  <a:pt x="0" y="0"/>
+                </a:lnTo>
+                <a:close/>
+              </a:path>
+            </a:pathLst>
+          </a:custGeom>
+          <a:solidFill>
+            <a:schemeClr val="tx2"/>
+          </a:solidFill>
+          <a:ln w="0">
+            <a:noFill/>
+            <a:prstDash val="solid"/>
+            <a:round/>
+            <a:headEnd/>
+            <a:tailEnd/>
+          </a:ln>
+        </p:spPr>
+      </p:sp>
+      <p:pic>
+        <p:nvPicPr>
+          <p:cNvPr id="3" name="Picture 2"/>
+          <p:cNvPicPr>
+            <a:picLocks noChangeAspect="1"/>
+          </p:cNvPicPr>
+          <p:nvPr/>
+        </p:nvPicPr>
+        <p:blipFill>
+          <a:blip r:embed="rId2">
+            <a:extLst>
+              <a:ext uri="{28A0092B-C50C-407E-A947-70E740481C1C}">
+                <a14:useLocalDpi xmlns:a14="http://schemas.microsoft.com/office/drawing/2010/main" val="0"/>
+              </a:ext>
+            </a:extLst>
+          </a:blip>
+          <a:stretch>
+            <a:fillRect/>
+          </a:stretch>
+        </p:blipFill>
+        <p:spPr>
+          <a:xfrm>
+            <a:off x="1152118" y="1028789"/>
+            <a:ext cx="10628402" cy="2736811"/>
+          </a:xfrm>
+          <a:prstGeom prst="rect">
+            <a:avLst/>
+          </a:prstGeom>
+        </p:spPr>
+      </p:pic>
+      <p:sp>
+        <p:nvSpPr>
+          <p:cNvPr id="8" name="5-Point Star 7"/>
+          <p:cNvSpPr/>
+          <p:nvPr/>
+        </p:nvSpPr>
+        <p:spPr>
+          <a:xfrm>
+            <a:off x="10597664" y="5543471"/>
+            <a:ext cx="933977" cy="838097"/>
+          </a:xfrm>
+          <a:prstGeom prst="star5">
+            <a:avLst/>
+          </a:prstGeom>
+          <a:ln>
+            <a:solidFill>
+              <a:schemeClr val="tx2"/>
+            </a:solidFill>
+          </a:ln>
+        </p:spPr>
+        <p:style>
+          <a:lnRef idx="2">
+            <a:schemeClr val="accent1">
+              <a:shade val="50000"/>
+            </a:schemeClr>
+          </a:lnRef>
+          <a:fillRef idx="1">
+            <a:schemeClr val="accent1"/>
+          </a:fillRef>
+          <a:effectRef idx="0">
+            <a:schemeClr val="accent1"/>
+          </a:effectRef>
+          <a:fontRef idx="minor">
+            <a:schemeClr val="lt1"/>
+          </a:fontRef>
+        </p:style>
+        <p:txBody>
+          <a:bodyPr rtlCol="0" anchor="ctr"/>
+          <a:lstStyle/>
+          <a:p>
+            <a:pPr algn="ctr"/>
+            <a:endParaRPr lang="en-US"/>
+          </a:p>
+        </p:txBody>
+      </p:sp>
+    </p:spTree>
+    <p:extLst>
+      <p:ext uri="{BB962C8B-B14F-4D97-AF65-F5344CB8AC3E}">
+        <p14:creationId xmlns:p14="http://schemas.microsoft.com/office/powerpoint/2010/main" val="1292599309"/>
+      </p:ext>
+    </p:extLst>
+  </p:cSld>
+  <p:clrMapOvr>
+    <a:masterClrMapping/>
+  </p:clrMapOvr>
+</p:sld>
+</file>
+
+<file path=ppt/slides/slide5.xml><?xml version="1.0" encoding="utf-8"?>
+<p:sld xmlns:a="http://schemas.openxmlformats.org/drawingml/2006/main" xmlns:r="http://schemas.openxmlformats.org/officeDocument/2006/relationships" xmlns:p="http://schemas.openxmlformats.org/presentationml/2006/main">
+  <p:cSld>
+    <p:bg>
+      <p:bgPr>
+        <a:solidFill>
+          <a:schemeClr val="accent1"/>
+        </a:solidFill>
+        <a:effectLst/>
+      </p:bgPr>
+    </p:bg>
+    <p:spTree>
+      <p:nvGrpSpPr>
+        <p:cNvPr id="1" name=""/>
+        <p:cNvGrpSpPr/>
+        <p:nvPr/>
+      </p:nvGrpSpPr>
+      <p:grpSpPr>
+        <a:xfrm>
+          <a:off x="0" y="0"/>
+          <a:ext cx="0" cy="0"/>
+          <a:chOff x="0" y="0"/>
+          <a:chExt cx="0" cy="0"/>
+        </a:xfrm>
+      </p:grpSpPr>
+      <p:sp>
+        <p:nvSpPr>
           <p:cNvPr id="31" name="Freeform 6">
             <a:extLst>
               <a:ext uri="{FF2B5EF4-FFF2-40B4-BE49-F238E27FC236}">
@@ -9588,7 +15276,7 @@
         </p:nvSpPr>
         <p:spPr>
           <a:xfrm>
-            <a:off x="3245886" y="5413467"/>
+            <a:off x="2490151" y="5119809"/>
             <a:ext cx="6586052" cy="1211291"/>
           </a:xfrm>
         </p:spPr>
@@ -10088,36 +15776,6 @@
           </a:ln>
         </p:spPr>
       </p:sp>
-      <p:pic>
-        <p:nvPicPr>
-          <p:cNvPr id="4" name="Picture 3"/>
-          <p:cNvPicPr>
-            <a:picLocks noChangeAspect="1"/>
-          </p:cNvPicPr>
-          <p:nvPr/>
-        </p:nvPicPr>
-        <p:blipFill>
-          <a:blip r:embed="rId2">
-            <a:extLst>
-              <a:ext uri="{28A0092B-C50C-407E-A947-70E740481C1C}">
-                <a14:useLocalDpi xmlns:a14="http://schemas.microsoft.com/office/drawing/2010/main" val="0"/>
-              </a:ext>
-            </a:extLst>
-          </a:blip>
-          <a:stretch>
-            <a:fillRect/>
-          </a:stretch>
-        </p:blipFill>
-        <p:spPr>
-          <a:xfrm>
-            <a:off x="1484262" y="360960"/>
-            <a:ext cx="9223473" cy="4819265"/>
-          </a:xfrm>
-          <a:prstGeom prst="rect">
-            <a:avLst/>
-          </a:prstGeom>
-        </p:spPr>
-      </p:pic>
       <p:sp>
         <p:nvSpPr>
           <p:cNvPr id="8" name="5-Point Star 7"/>
@@ -10126,7 +15784,7 @@
         </p:nvSpPr>
         <p:spPr>
           <a:xfrm>
-            <a:off x="10597664" y="5543471"/>
+            <a:off x="10680529" y="5546724"/>
             <a:ext cx="933977" cy="838097"/>
           </a:xfrm>
           <a:prstGeom prst="star5">
@@ -10163,10 +15821,40 @@
           </a:p>
         </p:txBody>
       </p:sp>
+      <p:pic>
+        <p:nvPicPr>
+          <p:cNvPr id="3" name="Picture 2"/>
+          <p:cNvPicPr>
+            <a:picLocks noChangeAspect="1"/>
+          </p:cNvPicPr>
+          <p:nvPr/>
+        </p:nvPicPr>
+        <p:blipFill>
+          <a:blip r:embed="rId2">
+            <a:extLst>
+              <a:ext uri="{28A0092B-C50C-407E-A947-70E740481C1C}">
+                <a14:useLocalDpi xmlns:a14="http://schemas.microsoft.com/office/drawing/2010/main" val="0"/>
+              </a:ext>
+            </a:extLst>
+          </a:blip>
+          <a:stretch>
+            <a:fillRect/>
+          </a:stretch>
+        </p:blipFill>
+        <p:spPr>
+          <a:xfrm>
+            <a:off x="464354" y="630936"/>
+            <a:ext cx="11420898" cy="3970656"/>
+          </a:xfrm>
+          <a:prstGeom prst="rect">
+            <a:avLst/>
+          </a:prstGeom>
+        </p:spPr>
+      </p:pic>
     </p:spTree>
     <p:extLst>
       <p:ext uri="{BB962C8B-B14F-4D97-AF65-F5344CB8AC3E}">
-        <p14:creationId xmlns:p14="http://schemas.microsoft.com/office/powerpoint/2010/main" val="1773997779"/>
+        <p14:creationId xmlns:p14="http://schemas.microsoft.com/office/powerpoint/2010/main" val="980826387"/>
       </p:ext>
     </p:extLst>
   </p:cSld>
@@ -10183,7 +15871,7 @@
 </p:sld>
 </file>
 
-<file path=ppt/slides/slide5.xml><?xml version="1.0" encoding="utf-8"?>
+<file path=ppt/slides/slide6.xml><?xml version="1.0" encoding="utf-8"?>
 <p:sld xmlns:a="http://schemas.openxmlformats.org/drawingml/2006/main" xmlns:r="http://schemas.openxmlformats.org/officeDocument/2006/relationships" xmlns:p="http://schemas.openxmlformats.org/presentationml/2006/main">
   <p:cSld>
     <p:spTree>
@@ -10212,20 +15900,22 @@
         </p:nvSpPr>
         <p:spPr>
           <a:xfrm>
-            <a:off x="1251678" y="382385"/>
-            <a:ext cx="10178322" cy="995153"/>
+            <a:off x="6688126" y="591853"/>
+            <a:ext cx="4518561" cy="995153"/>
           </a:xfrm>
         </p:spPr>
         <p:txBody>
-          <a:bodyPr/>
+          <a:bodyPr>
+            <a:normAutofit/>
+          </a:bodyPr>
           <a:lstStyle/>
           <a:p>
             <a:pPr algn="ctr"/>
             <a:r>
-              <a:rPr lang="en-US" dirty="0" smtClean="0"/>
+              <a:rPr lang="en-US" sz="5400" dirty="0" smtClean="0"/>
               <a:t>operators</a:t>
             </a:r>
-            <a:endParaRPr lang="en-US" dirty="0"/>
+            <a:endParaRPr lang="en-US" sz="5400" dirty="0"/>
           </a:p>
         </p:txBody>
       </p:sp>
@@ -10238,14 +15928,14 @@
           <p:nvPr>
             <p:extLst>
               <p:ext uri="{D42A27DB-BD31-4B8C-83A1-F6EECF244321}">
-                <p14:modId xmlns:p14="http://schemas.microsoft.com/office/powerpoint/2010/main" val="622526118"/>
+                <p14:modId xmlns:p14="http://schemas.microsoft.com/office/powerpoint/2010/main" val="1940571907"/>
               </p:ext>
             </p:extLst>
           </p:nvPr>
         </p:nvGraphicFramePr>
         <p:xfrm>
-          <a:off x="746243" y="1525279"/>
-          <a:ext cx="6115466" cy="4765674"/>
+          <a:off x="698739" y="650467"/>
+          <a:ext cx="6355203" cy="5559953"/>
         </p:xfrm>
         <a:graphic>
           <a:graphicData uri="http://schemas.openxmlformats.org/drawingml/2006/table">
@@ -10254,8 +15944,8 @@
                 <a:tableStyleId>{5C22544A-7EE6-4342-B048-85BDC9FD1C3A}</a:tableStyleId>
               </a:tblPr>
               <a:tblGrid>
-                <a:gridCol w="1588647"/>
-                <a:gridCol w="4526819"/>
+                <a:gridCol w="1650925"/>
+                <a:gridCol w="4704278"/>
               </a:tblGrid>
               <a:tr h="794279">
                 <a:tc>
@@ -10523,7 +16213,69 @@
                         </a:rPr>
                         <a:t>Equals </a:t>
                       </a:r>
+                      <a:r>
+                        <a:rPr lang="en-US" sz="3200" b="1" dirty="0" smtClean="0">
+                          <a:solidFill>
+                            <a:schemeClr val="tx2"/>
+                          </a:solidFill>
+                        </a:rPr>
+                        <a:t>(diff</a:t>
+                      </a:r>
+                      <a:r>
+                        <a:rPr lang="en-US" sz="3200" b="1" baseline="0" dirty="0" smtClean="0">
+                          <a:solidFill>
+                            <a:schemeClr val="tx2"/>
+                          </a:solidFill>
+                        </a:rPr>
+                        <a:t> for String)</a:t>
+                      </a:r>
                       <a:endParaRPr lang="en-US" sz="3200" b="1" dirty="0">
+                        <a:solidFill>
+                          <a:schemeClr val="tx2"/>
+                        </a:solidFill>
+                      </a:endParaRPr>
+                    </a:p>
+                  </a:txBody>
+                  <a:tcPr/>
+                </a:tc>
+              </a:tr>
+              <a:tr h="794279">
+                <a:tc>
+                  <a:txBody>
+                    <a:bodyPr/>
+                    <a:lstStyle/>
+                    <a:p>
+                      <a:r>
+                        <a:rPr lang="en-US" sz="3200" b="0" dirty="0" smtClean="0">
+                          <a:solidFill>
+                            <a:schemeClr val="tx2"/>
+                          </a:solidFill>
+                        </a:rPr>
+                        <a:t>!=</a:t>
+                      </a:r>
+                      <a:endParaRPr lang="en-US" sz="3200" b="0" dirty="0">
+                        <a:solidFill>
+                          <a:schemeClr val="tx2"/>
+                        </a:solidFill>
+                      </a:endParaRPr>
+                    </a:p>
+                  </a:txBody>
+                  <a:tcPr/>
+                </a:tc>
+                <a:tc>
+                  <a:txBody>
+                    <a:bodyPr/>
+                    <a:lstStyle/>
+                    <a:p>
+                      <a:r>
+                        <a:rPr lang="en-US" sz="3200" b="0" dirty="0" smtClean="0">
+                          <a:solidFill>
+                            <a:schemeClr val="tx2"/>
+                          </a:solidFill>
+                        </a:rPr>
+                        <a:t>Not equals</a:t>
+                      </a:r>
+                      <a:endParaRPr lang="en-US" sz="3200" b="0" dirty="0">
                         <a:solidFill>
                           <a:schemeClr val="tx2"/>
                         </a:solidFill>
@@ -10989,7 +16741,7 @@
 </p:sld>
 </file>
 
-<file path=ppt/slides/slide6.xml><?xml version="1.0" encoding="utf-8"?>
+<file path=ppt/slides/slide7.xml><?xml version="1.0" encoding="utf-8"?>
 <p:sld xmlns:a="http://schemas.openxmlformats.org/drawingml/2006/main" xmlns:r="http://schemas.openxmlformats.org/officeDocument/2006/relationships" xmlns:p="http://schemas.openxmlformats.org/presentationml/2006/main">
   <p:cSld>
     <p:bg>
@@ -11806,7 +17558,7 @@
 </p:sld>
 </file>
 
-<file path=ppt/slides/slide7.xml><?xml version="1.0" encoding="utf-8"?>
+<file path=ppt/slides/slide8.xml><?xml version="1.0" encoding="utf-8"?>
 <p:sld xmlns:a="http://schemas.openxmlformats.org/drawingml/2006/main" xmlns:r="http://schemas.openxmlformats.org/officeDocument/2006/relationships" xmlns:p="http://schemas.openxmlformats.org/presentationml/2006/main">
   <p:cSld>
     <p:bg>
@@ -11971,10 +17723,17 @@
   <p:clrMapOvr>
     <a:masterClrMapping/>
   </p:clrMapOvr>
+  <p:timing>
+    <p:tnLst>
+      <p:par>
+        <p:cTn id="1" dur="indefinite" restart="never" nodeType="tmRoot"/>
+      </p:par>
+    </p:tnLst>
+  </p:timing>
 </p:sld>
 </file>
 
-<file path=ppt/slides/slide8.xml><?xml version="1.0" encoding="utf-8"?>
+<file path=ppt/slides/slide9.xml><?xml version="1.0" encoding="utf-8"?>
 <p:sld xmlns:a="http://schemas.openxmlformats.org/drawingml/2006/main" xmlns:r="http://schemas.openxmlformats.org/officeDocument/2006/relationships" xmlns:p="http://schemas.openxmlformats.org/presentationml/2006/main">
   <p:cSld>
     <p:bg>
@@ -12113,36 +17872,6 @@
           </a:p>
         </p:txBody>
       </p:sp>
-      <p:pic>
-        <p:nvPicPr>
-          <p:cNvPr id="7" name="Picture 6"/>
-          <p:cNvPicPr>
-            <a:picLocks noChangeAspect="1"/>
-          </p:cNvPicPr>
-          <p:nvPr/>
-        </p:nvPicPr>
-        <p:blipFill>
-          <a:blip r:embed="rId2">
-            <a:extLst>
-              <a:ext uri="{28A0092B-C50C-407E-A947-70E740481C1C}">
-                <a14:useLocalDpi xmlns:a14="http://schemas.microsoft.com/office/drawing/2010/main" val="0"/>
-              </a:ext>
-            </a:extLst>
-          </a:blip>
-          <a:stretch>
-            <a:fillRect/>
-          </a:stretch>
-        </p:blipFill>
-        <p:spPr>
-          <a:xfrm>
-            <a:off x="4581521" y="1721921"/>
-            <a:ext cx="6870678" cy="4036523"/>
-          </a:xfrm>
-          <a:prstGeom prst="rect">
-            <a:avLst/>
-          </a:prstGeom>
-        </p:spPr>
-      </p:pic>
       <p:sp>
         <p:nvSpPr>
           <p:cNvPr id="5" name="5-Point Star 4"/>
@@ -12188,6 +17917,36 @@
           </a:p>
         </p:txBody>
       </p:sp>
+      <p:pic>
+        <p:nvPicPr>
+          <p:cNvPr id="4" name="Picture 3"/>
+          <p:cNvPicPr>
+            <a:picLocks noChangeAspect="1"/>
+          </p:cNvPicPr>
+          <p:nvPr/>
+        </p:nvPicPr>
+        <p:blipFill>
+          <a:blip r:embed="rId2">
+            <a:extLst>
+              <a:ext uri="{28A0092B-C50C-407E-A947-70E740481C1C}">
+                <a14:useLocalDpi xmlns:a14="http://schemas.microsoft.com/office/drawing/2010/main" val="0"/>
+              </a:ext>
+            </a:extLst>
+          </a:blip>
+          <a:stretch>
+            <a:fillRect/>
+          </a:stretch>
+        </p:blipFill>
+        <p:spPr>
+          <a:xfrm>
+            <a:off x="4426995" y="1626922"/>
+            <a:ext cx="7385557" cy="4346368"/>
+          </a:xfrm>
+          <a:prstGeom prst="rect">
+            <a:avLst/>
+          </a:prstGeom>
+        </p:spPr>
+      </p:pic>
     </p:spTree>
     <p:extLst>
       <p:ext uri="{BB962C8B-B14F-4D97-AF65-F5344CB8AC3E}">
